--- a/jacaja-pres.pptx
+++ b/jacaja-pres.pptx
@@ -22,9 +22,10 @@
     <p:sldId id="269" r:id="rId17"/>
     <p:sldId id="270" r:id="rId18"/>
     <p:sldId id="271" r:id="rId19"/>
+    <p:sldId id="272" r:id="rId20"/>
   </p:sldIdLst>
   <p:sldSz cx="9144000" cy="5143500"/>
-  <p:notesSz cx="6858000" cy="9144000"/>
+  <p:notesSz cx="7772400" cy="10058400"/>
 </p:presentation>
 </file>
 
@@ -69,7 +70,7 @@
       </p:grpSpPr>
       <p:sp>
         <p:nvSpPr>
-          <p:cNvPr id="24" name="PlaceHolder 1"/>
+          <p:cNvPr id="23" name="PlaceHolder 1"/>
           <p:cNvSpPr>
             <a:spLocks noGrp="1"/>
           </p:cNvSpPr>
@@ -79,8 +80,8 @@
         </p:nvSpPr>
         <p:spPr>
           <a:xfrm>
-            <a:off x="311760" y="444960"/>
-            <a:ext cx="8520120" cy="572400"/>
+            <a:off x="311760" y="301680"/>
+            <a:ext cx="8519760" cy="858960"/>
           </a:xfrm>
           <a:prstGeom prst="rect">
             <a:avLst/>
@@ -91,18 +92,16 @@
             <a:spAutoFit/>
           </a:bodyPr>
           <a:p>
-            <a:endParaRPr b="0" lang="en-US" sz="1400" spc="-1" strike="noStrike">
-              <a:solidFill>
-                <a:srgbClr val="000000"/>
-              </a:solidFill>
-              <a:latin typeface="Arial"/>
-            </a:endParaRPr>
-          </a:p>
-        </p:txBody>
-      </p:sp>
-      <p:sp>
-        <p:nvSpPr>
-          <p:cNvPr id="25" name="PlaceHolder 2"/>
+            <a:pPr algn="ctr"/>
+            <a:endParaRPr b="0" lang="en-US" sz="4400" spc="-1" strike="noStrike">
+              <a:latin typeface="Arial"/>
+            </a:endParaRPr>
+          </a:p>
+        </p:txBody>
+      </p:sp>
+      <p:sp>
+        <p:nvSpPr>
+          <p:cNvPr id="24" name="PlaceHolder 2"/>
           <p:cNvSpPr>
             <a:spLocks noGrp="1"/>
           </p:cNvSpPr>
@@ -113,7 +112,7 @@
         <p:spPr>
           <a:xfrm>
             <a:off x="311760" y="1152360"/>
-            <a:ext cx="8520120" cy="1629360"/>
+            <a:ext cx="8519760" cy="1629000"/>
           </a:xfrm>
           <a:prstGeom prst="rect">
             <a:avLst/>
@@ -124,18 +123,15 @@
             <a:normAutofit/>
           </a:bodyPr>
           <a:p>
-            <a:endParaRPr b="0" lang="en-US" sz="1400" spc="-1" strike="noStrike">
-              <a:solidFill>
-                <a:srgbClr val="000000"/>
-              </a:solidFill>
-              <a:latin typeface="Arial"/>
-            </a:endParaRPr>
-          </a:p>
-        </p:txBody>
-      </p:sp>
-      <p:sp>
-        <p:nvSpPr>
-          <p:cNvPr id="26" name="PlaceHolder 3"/>
+            <a:endParaRPr b="0" lang="en-US" sz="3200" spc="-1" strike="noStrike">
+              <a:latin typeface="Arial"/>
+            </a:endParaRPr>
+          </a:p>
+        </p:txBody>
+      </p:sp>
+      <p:sp>
+        <p:nvSpPr>
+          <p:cNvPr id="25" name="PlaceHolder 3"/>
           <p:cNvSpPr>
             <a:spLocks noGrp="1"/>
           </p:cNvSpPr>
@@ -145,8 +141,8 @@
         </p:nvSpPr>
         <p:spPr>
           <a:xfrm>
-            <a:off x="311760" y="2936880"/>
-            <a:ext cx="8520120" cy="1629360"/>
+            <a:off x="311760" y="2936520"/>
+            <a:ext cx="8519760" cy="1629000"/>
           </a:xfrm>
           <a:prstGeom prst="rect">
             <a:avLst/>
@@ -157,10 +153,7 @@
             <a:normAutofit/>
           </a:bodyPr>
           <a:p>
-            <a:endParaRPr b="0" lang="en-US" sz="1400" spc="-1" strike="noStrike">
-              <a:solidFill>
-                <a:srgbClr val="000000"/>
-              </a:solidFill>
+            <a:endParaRPr b="0" lang="en-US" sz="3200" spc="-1" strike="noStrike">
               <a:latin typeface="Arial"/>
             </a:endParaRPr>
           </a:p>
@@ -190,7 +183,7 @@
       </p:grpSpPr>
       <p:sp>
         <p:nvSpPr>
-          <p:cNvPr id="27" name="PlaceHolder 1"/>
+          <p:cNvPr id="26" name="PlaceHolder 1"/>
           <p:cNvSpPr>
             <a:spLocks noGrp="1"/>
           </p:cNvSpPr>
@@ -200,8 +193,8 @@
         </p:nvSpPr>
         <p:spPr>
           <a:xfrm>
-            <a:off x="311760" y="444960"/>
-            <a:ext cx="8520120" cy="572400"/>
+            <a:off x="311760" y="301680"/>
+            <a:ext cx="8519760" cy="858960"/>
           </a:xfrm>
           <a:prstGeom prst="rect">
             <a:avLst/>
@@ -212,18 +205,16 @@
             <a:spAutoFit/>
           </a:bodyPr>
           <a:p>
-            <a:endParaRPr b="0" lang="en-US" sz="1400" spc="-1" strike="noStrike">
-              <a:solidFill>
-                <a:srgbClr val="000000"/>
-              </a:solidFill>
-              <a:latin typeface="Arial"/>
-            </a:endParaRPr>
-          </a:p>
-        </p:txBody>
-      </p:sp>
-      <p:sp>
-        <p:nvSpPr>
-          <p:cNvPr id="28" name="PlaceHolder 2"/>
+            <a:pPr algn="ctr"/>
+            <a:endParaRPr b="0" lang="en-US" sz="4400" spc="-1" strike="noStrike">
+              <a:latin typeface="Arial"/>
+            </a:endParaRPr>
+          </a:p>
+        </p:txBody>
+      </p:sp>
+      <p:sp>
+        <p:nvSpPr>
+          <p:cNvPr id="27" name="PlaceHolder 2"/>
           <p:cNvSpPr>
             <a:spLocks noGrp="1"/>
           </p:cNvSpPr>
@@ -234,7 +225,7 @@
         <p:spPr>
           <a:xfrm>
             <a:off x="311760" y="1152360"/>
-            <a:ext cx="4157640" cy="1629360"/>
+            <a:ext cx="4157280" cy="1629000"/>
           </a:xfrm>
           <a:prstGeom prst="rect">
             <a:avLst/>
@@ -245,18 +236,15 @@
             <a:normAutofit/>
           </a:bodyPr>
           <a:p>
-            <a:endParaRPr b="0" lang="en-US" sz="1400" spc="-1" strike="noStrike">
-              <a:solidFill>
-                <a:srgbClr val="000000"/>
-              </a:solidFill>
-              <a:latin typeface="Arial"/>
-            </a:endParaRPr>
-          </a:p>
-        </p:txBody>
-      </p:sp>
-      <p:sp>
-        <p:nvSpPr>
-          <p:cNvPr id="29" name="PlaceHolder 3"/>
+            <a:endParaRPr b="0" lang="en-US" sz="3200" spc="-1" strike="noStrike">
+              <a:latin typeface="Arial"/>
+            </a:endParaRPr>
+          </a:p>
+        </p:txBody>
+      </p:sp>
+      <p:sp>
+        <p:nvSpPr>
+          <p:cNvPr id="28" name="PlaceHolder 3"/>
           <p:cNvSpPr>
             <a:spLocks noGrp="1"/>
           </p:cNvSpPr>
@@ -266,8 +254,8 @@
         </p:nvSpPr>
         <p:spPr>
           <a:xfrm>
-            <a:off x="4677840" y="1152360"/>
-            <a:ext cx="4157640" cy="1629360"/>
+            <a:off x="4677120" y="1152360"/>
+            <a:ext cx="4157280" cy="1629000"/>
           </a:xfrm>
           <a:prstGeom prst="rect">
             <a:avLst/>
@@ -278,18 +266,15 @@
             <a:normAutofit/>
           </a:bodyPr>
           <a:p>
-            <a:endParaRPr b="0" lang="en-US" sz="1400" spc="-1" strike="noStrike">
-              <a:solidFill>
-                <a:srgbClr val="000000"/>
-              </a:solidFill>
-              <a:latin typeface="Arial"/>
-            </a:endParaRPr>
-          </a:p>
-        </p:txBody>
-      </p:sp>
-      <p:sp>
-        <p:nvSpPr>
-          <p:cNvPr id="30" name="PlaceHolder 4"/>
+            <a:endParaRPr b="0" lang="en-US" sz="3200" spc="-1" strike="noStrike">
+              <a:latin typeface="Arial"/>
+            </a:endParaRPr>
+          </a:p>
+        </p:txBody>
+      </p:sp>
+      <p:sp>
+        <p:nvSpPr>
+          <p:cNvPr id="29" name="PlaceHolder 4"/>
           <p:cNvSpPr>
             <a:spLocks noGrp="1"/>
           </p:cNvSpPr>
@@ -299,8 +284,8 @@
         </p:nvSpPr>
         <p:spPr>
           <a:xfrm>
-            <a:off x="311760" y="2936880"/>
-            <a:ext cx="4157640" cy="1629360"/>
+            <a:off x="311760" y="2936520"/>
+            <a:ext cx="4157280" cy="1629000"/>
           </a:xfrm>
           <a:prstGeom prst="rect">
             <a:avLst/>
@@ -311,18 +296,15 @@
             <a:normAutofit/>
           </a:bodyPr>
           <a:p>
-            <a:endParaRPr b="0" lang="en-US" sz="1400" spc="-1" strike="noStrike">
-              <a:solidFill>
-                <a:srgbClr val="000000"/>
-              </a:solidFill>
-              <a:latin typeface="Arial"/>
-            </a:endParaRPr>
-          </a:p>
-        </p:txBody>
-      </p:sp>
-      <p:sp>
-        <p:nvSpPr>
-          <p:cNvPr id="31" name="PlaceHolder 5"/>
+            <a:endParaRPr b="0" lang="en-US" sz="3200" spc="-1" strike="noStrike">
+              <a:latin typeface="Arial"/>
+            </a:endParaRPr>
+          </a:p>
+        </p:txBody>
+      </p:sp>
+      <p:sp>
+        <p:nvSpPr>
+          <p:cNvPr id="30" name="PlaceHolder 5"/>
           <p:cNvSpPr>
             <a:spLocks noGrp="1"/>
           </p:cNvSpPr>
@@ -332,8 +314,8 @@
         </p:nvSpPr>
         <p:spPr>
           <a:xfrm>
-            <a:off x="4677840" y="2936880"/>
-            <a:ext cx="4157640" cy="1629360"/>
+            <a:off x="4677120" y="2936520"/>
+            <a:ext cx="4157280" cy="1629000"/>
           </a:xfrm>
           <a:prstGeom prst="rect">
             <a:avLst/>
@@ -344,10 +326,7 @@
             <a:normAutofit/>
           </a:bodyPr>
           <a:p>
-            <a:endParaRPr b="0" lang="en-US" sz="1400" spc="-1" strike="noStrike">
-              <a:solidFill>
-                <a:srgbClr val="000000"/>
-              </a:solidFill>
+            <a:endParaRPr b="0" lang="en-US" sz="3200" spc="-1" strike="noStrike">
               <a:latin typeface="Arial"/>
             </a:endParaRPr>
           </a:p>
@@ -377,7 +356,7 @@
       </p:grpSpPr>
       <p:sp>
         <p:nvSpPr>
-          <p:cNvPr id="32" name="PlaceHolder 1"/>
+          <p:cNvPr id="31" name="PlaceHolder 1"/>
           <p:cNvSpPr>
             <a:spLocks noGrp="1"/>
           </p:cNvSpPr>
@@ -387,8 +366,8 @@
         </p:nvSpPr>
         <p:spPr>
           <a:xfrm>
-            <a:off x="311760" y="444960"/>
-            <a:ext cx="8520120" cy="572400"/>
+            <a:off x="311760" y="301680"/>
+            <a:ext cx="8519760" cy="858960"/>
           </a:xfrm>
           <a:prstGeom prst="rect">
             <a:avLst/>
@@ -399,18 +378,16 @@
             <a:spAutoFit/>
           </a:bodyPr>
           <a:p>
-            <a:endParaRPr b="0" lang="en-US" sz="1400" spc="-1" strike="noStrike">
-              <a:solidFill>
-                <a:srgbClr val="000000"/>
-              </a:solidFill>
-              <a:latin typeface="Arial"/>
-            </a:endParaRPr>
-          </a:p>
-        </p:txBody>
-      </p:sp>
-      <p:sp>
-        <p:nvSpPr>
-          <p:cNvPr id="33" name="PlaceHolder 2"/>
+            <a:pPr algn="ctr"/>
+            <a:endParaRPr b="0" lang="en-US" sz="4400" spc="-1" strike="noStrike">
+              <a:latin typeface="Arial"/>
+            </a:endParaRPr>
+          </a:p>
+        </p:txBody>
+      </p:sp>
+      <p:sp>
+        <p:nvSpPr>
+          <p:cNvPr id="32" name="PlaceHolder 2"/>
           <p:cNvSpPr>
             <a:spLocks noGrp="1"/>
           </p:cNvSpPr>
@@ -421,7 +398,7 @@
         <p:spPr>
           <a:xfrm>
             <a:off x="311760" y="1152360"/>
-            <a:ext cx="2743200" cy="1629360"/>
+            <a:ext cx="2743200" cy="1629000"/>
           </a:xfrm>
           <a:prstGeom prst="rect">
             <a:avLst/>
@@ -432,18 +409,15 @@
             <a:normAutofit/>
           </a:bodyPr>
           <a:p>
-            <a:endParaRPr b="0" lang="en-US" sz="1400" spc="-1" strike="noStrike">
-              <a:solidFill>
-                <a:srgbClr val="000000"/>
-              </a:solidFill>
-              <a:latin typeface="Arial"/>
-            </a:endParaRPr>
-          </a:p>
-        </p:txBody>
-      </p:sp>
-      <p:sp>
-        <p:nvSpPr>
-          <p:cNvPr id="34" name="PlaceHolder 3"/>
+            <a:endParaRPr b="0" lang="en-US" sz="3200" spc="-1" strike="noStrike">
+              <a:latin typeface="Arial"/>
+            </a:endParaRPr>
+          </a:p>
+        </p:txBody>
+      </p:sp>
+      <p:sp>
+        <p:nvSpPr>
+          <p:cNvPr id="33" name="PlaceHolder 3"/>
           <p:cNvSpPr>
             <a:spLocks noGrp="1"/>
           </p:cNvSpPr>
@@ -454,7 +428,7 @@
         <p:spPr>
           <a:xfrm>
             <a:off x="3192480" y="1152360"/>
-            <a:ext cx="2743200" cy="1629360"/>
+            <a:ext cx="2743200" cy="1629000"/>
           </a:xfrm>
           <a:prstGeom prst="rect">
             <a:avLst/>
@@ -465,18 +439,15 @@
             <a:normAutofit/>
           </a:bodyPr>
           <a:p>
-            <a:endParaRPr b="0" lang="en-US" sz="1400" spc="-1" strike="noStrike">
-              <a:solidFill>
-                <a:srgbClr val="000000"/>
-              </a:solidFill>
-              <a:latin typeface="Arial"/>
-            </a:endParaRPr>
-          </a:p>
-        </p:txBody>
-      </p:sp>
-      <p:sp>
-        <p:nvSpPr>
-          <p:cNvPr id="35" name="PlaceHolder 4"/>
+            <a:endParaRPr b="0" lang="en-US" sz="3200" spc="-1" strike="noStrike">
+              <a:latin typeface="Arial"/>
+            </a:endParaRPr>
+          </a:p>
+        </p:txBody>
+      </p:sp>
+      <p:sp>
+        <p:nvSpPr>
+          <p:cNvPr id="34" name="PlaceHolder 4"/>
           <p:cNvSpPr>
             <a:spLocks noGrp="1"/>
           </p:cNvSpPr>
@@ -487,7 +458,7 @@
         <p:spPr>
           <a:xfrm>
             <a:off x="6073200" y="1152360"/>
-            <a:ext cx="2743200" cy="1629360"/>
+            <a:ext cx="2743200" cy="1629000"/>
           </a:xfrm>
           <a:prstGeom prst="rect">
             <a:avLst/>
@@ -498,18 +469,15 @@
             <a:normAutofit/>
           </a:bodyPr>
           <a:p>
-            <a:endParaRPr b="0" lang="en-US" sz="1400" spc="-1" strike="noStrike">
-              <a:solidFill>
-                <a:srgbClr val="000000"/>
-              </a:solidFill>
-              <a:latin typeface="Arial"/>
-            </a:endParaRPr>
-          </a:p>
-        </p:txBody>
-      </p:sp>
-      <p:sp>
-        <p:nvSpPr>
-          <p:cNvPr id="36" name="PlaceHolder 5"/>
+            <a:endParaRPr b="0" lang="en-US" sz="3200" spc="-1" strike="noStrike">
+              <a:latin typeface="Arial"/>
+            </a:endParaRPr>
+          </a:p>
+        </p:txBody>
+      </p:sp>
+      <p:sp>
+        <p:nvSpPr>
+          <p:cNvPr id="35" name="PlaceHolder 5"/>
           <p:cNvSpPr>
             <a:spLocks noGrp="1"/>
           </p:cNvSpPr>
@@ -519,8 +487,8 @@
         </p:nvSpPr>
         <p:spPr>
           <a:xfrm>
-            <a:off x="311760" y="2936880"/>
-            <a:ext cx="2743200" cy="1629360"/>
+            <a:off x="311760" y="2936520"/>
+            <a:ext cx="2743200" cy="1629000"/>
           </a:xfrm>
           <a:prstGeom prst="rect">
             <a:avLst/>
@@ -531,18 +499,15 @@
             <a:normAutofit/>
           </a:bodyPr>
           <a:p>
-            <a:endParaRPr b="0" lang="en-US" sz="1400" spc="-1" strike="noStrike">
-              <a:solidFill>
-                <a:srgbClr val="000000"/>
-              </a:solidFill>
-              <a:latin typeface="Arial"/>
-            </a:endParaRPr>
-          </a:p>
-        </p:txBody>
-      </p:sp>
-      <p:sp>
-        <p:nvSpPr>
-          <p:cNvPr id="37" name="PlaceHolder 6"/>
+            <a:endParaRPr b="0" lang="en-US" sz="3200" spc="-1" strike="noStrike">
+              <a:latin typeface="Arial"/>
+            </a:endParaRPr>
+          </a:p>
+        </p:txBody>
+      </p:sp>
+      <p:sp>
+        <p:nvSpPr>
+          <p:cNvPr id="36" name="PlaceHolder 6"/>
           <p:cNvSpPr>
             <a:spLocks noGrp="1"/>
           </p:cNvSpPr>
@@ -552,8 +517,8 @@
         </p:nvSpPr>
         <p:spPr>
           <a:xfrm>
-            <a:off x="3192480" y="2936880"/>
-            <a:ext cx="2743200" cy="1629360"/>
+            <a:off x="3192480" y="2936520"/>
+            <a:ext cx="2743200" cy="1629000"/>
           </a:xfrm>
           <a:prstGeom prst="rect">
             <a:avLst/>
@@ -564,18 +529,15 @@
             <a:normAutofit/>
           </a:bodyPr>
           <a:p>
-            <a:endParaRPr b="0" lang="en-US" sz="1400" spc="-1" strike="noStrike">
-              <a:solidFill>
-                <a:srgbClr val="000000"/>
-              </a:solidFill>
-              <a:latin typeface="Arial"/>
-            </a:endParaRPr>
-          </a:p>
-        </p:txBody>
-      </p:sp>
-      <p:sp>
-        <p:nvSpPr>
-          <p:cNvPr id="38" name="PlaceHolder 7"/>
+            <a:endParaRPr b="0" lang="en-US" sz="3200" spc="-1" strike="noStrike">
+              <a:latin typeface="Arial"/>
+            </a:endParaRPr>
+          </a:p>
+        </p:txBody>
+      </p:sp>
+      <p:sp>
+        <p:nvSpPr>
+          <p:cNvPr id="37" name="PlaceHolder 7"/>
           <p:cNvSpPr>
             <a:spLocks noGrp="1"/>
           </p:cNvSpPr>
@@ -585,8 +547,8 @@
         </p:nvSpPr>
         <p:spPr>
           <a:xfrm>
-            <a:off x="6073200" y="2936880"/>
-            <a:ext cx="2743200" cy="1629360"/>
+            <a:off x="6073200" y="2936520"/>
+            <a:ext cx="2743200" cy="1629000"/>
           </a:xfrm>
           <a:prstGeom prst="rect">
             <a:avLst/>
@@ -597,10 +559,7 @@
             <a:normAutofit/>
           </a:bodyPr>
           <a:p>
-            <a:endParaRPr b="0" lang="en-US" sz="1400" spc="-1" strike="noStrike">
-              <a:solidFill>
-                <a:srgbClr val="000000"/>
-              </a:solidFill>
+            <a:endParaRPr b="0" lang="en-US" sz="3200" spc="-1" strike="noStrike">
               <a:latin typeface="Arial"/>
             </a:endParaRPr>
           </a:p>
@@ -652,7 +611,7 @@
       </p:grpSpPr>
       <p:sp>
         <p:nvSpPr>
-          <p:cNvPr id="42" name="PlaceHolder 1"/>
+          <p:cNvPr id="40" name="PlaceHolder 1"/>
           <p:cNvSpPr>
             <a:spLocks noGrp="1"/>
           </p:cNvSpPr>
@@ -662,8 +621,8 @@
         </p:nvSpPr>
         <p:spPr>
           <a:xfrm>
-            <a:off x="311760" y="444960"/>
-            <a:ext cx="8520120" cy="572400"/>
+            <a:off x="311760" y="301680"/>
+            <a:ext cx="8519760" cy="858960"/>
           </a:xfrm>
           <a:prstGeom prst="rect">
             <a:avLst/>
@@ -674,18 +633,16 @@
             <a:spAutoFit/>
           </a:bodyPr>
           <a:p>
-            <a:endParaRPr b="0" lang="en-US" sz="1400" spc="-1" strike="noStrike">
-              <a:solidFill>
-                <a:srgbClr val="000000"/>
-              </a:solidFill>
-              <a:latin typeface="Arial"/>
-            </a:endParaRPr>
-          </a:p>
-        </p:txBody>
-      </p:sp>
-      <p:sp>
-        <p:nvSpPr>
-          <p:cNvPr id="43" name="PlaceHolder 2"/>
+            <a:pPr algn="ctr"/>
+            <a:endParaRPr b="0" lang="en-US" sz="4400" spc="-1" strike="noStrike">
+              <a:latin typeface="Arial"/>
+            </a:endParaRPr>
+          </a:p>
+        </p:txBody>
+      </p:sp>
+      <p:sp>
+        <p:nvSpPr>
+          <p:cNvPr id="41" name="PlaceHolder 2"/>
           <p:cNvSpPr>
             <a:spLocks noGrp="1"/>
           </p:cNvSpPr>
@@ -696,7 +653,7 @@
         <p:spPr>
           <a:xfrm>
             <a:off x="311760" y="1152360"/>
-            <a:ext cx="8520120" cy="3416040"/>
+            <a:ext cx="8519760" cy="3415680"/>
           </a:xfrm>
           <a:prstGeom prst="rect">
             <a:avLst/>
@@ -738,7 +695,7 @@
       </p:grpSpPr>
       <p:sp>
         <p:nvSpPr>
-          <p:cNvPr id="44" name="PlaceHolder 1"/>
+          <p:cNvPr id="42" name="PlaceHolder 1"/>
           <p:cNvSpPr>
             <a:spLocks noGrp="1"/>
           </p:cNvSpPr>
@@ -748,8 +705,8 @@
         </p:nvSpPr>
         <p:spPr>
           <a:xfrm>
-            <a:off x="311760" y="444960"/>
-            <a:ext cx="8520120" cy="572400"/>
+            <a:off x="311760" y="301680"/>
+            <a:ext cx="8519760" cy="858960"/>
           </a:xfrm>
           <a:prstGeom prst="rect">
             <a:avLst/>
@@ -760,18 +717,16 @@
             <a:spAutoFit/>
           </a:bodyPr>
           <a:p>
-            <a:endParaRPr b="0" lang="en-US" sz="1400" spc="-1" strike="noStrike">
-              <a:solidFill>
-                <a:srgbClr val="000000"/>
-              </a:solidFill>
-              <a:latin typeface="Arial"/>
-            </a:endParaRPr>
-          </a:p>
-        </p:txBody>
-      </p:sp>
-      <p:sp>
-        <p:nvSpPr>
-          <p:cNvPr id="45" name="PlaceHolder 2"/>
+            <a:pPr algn="ctr"/>
+            <a:endParaRPr b="0" lang="en-US" sz="4400" spc="-1" strike="noStrike">
+              <a:latin typeface="Arial"/>
+            </a:endParaRPr>
+          </a:p>
+        </p:txBody>
+      </p:sp>
+      <p:sp>
+        <p:nvSpPr>
+          <p:cNvPr id="43" name="PlaceHolder 2"/>
           <p:cNvSpPr>
             <a:spLocks noGrp="1"/>
           </p:cNvSpPr>
@@ -782,7 +737,7 @@
         <p:spPr>
           <a:xfrm>
             <a:off x="311760" y="1152360"/>
-            <a:ext cx="8520120" cy="3416040"/>
+            <a:ext cx="8519760" cy="3415680"/>
           </a:xfrm>
           <a:prstGeom prst="rect">
             <a:avLst/>
@@ -793,10 +748,7 @@
             <a:normAutofit/>
           </a:bodyPr>
           <a:p>
-            <a:endParaRPr b="0" lang="en-US" sz="1400" spc="-1" strike="noStrike">
-              <a:solidFill>
-                <a:srgbClr val="000000"/>
-              </a:solidFill>
+            <a:endParaRPr b="0" lang="en-US" sz="3200" spc="-1" strike="noStrike">
               <a:latin typeface="Arial"/>
             </a:endParaRPr>
           </a:p>
@@ -826,7 +778,7 @@
       </p:grpSpPr>
       <p:sp>
         <p:nvSpPr>
-          <p:cNvPr id="46" name="PlaceHolder 1"/>
+          <p:cNvPr id="44" name="PlaceHolder 1"/>
           <p:cNvSpPr>
             <a:spLocks noGrp="1"/>
           </p:cNvSpPr>
@@ -836,8 +788,8 @@
         </p:nvSpPr>
         <p:spPr>
           <a:xfrm>
-            <a:off x="311760" y="444960"/>
-            <a:ext cx="8520120" cy="572400"/>
+            <a:off x="311760" y="301680"/>
+            <a:ext cx="8519760" cy="858960"/>
           </a:xfrm>
           <a:prstGeom prst="rect">
             <a:avLst/>
@@ -848,18 +800,16 @@
             <a:spAutoFit/>
           </a:bodyPr>
           <a:p>
-            <a:endParaRPr b="0" lang="en-US" sz="1400" spc="-1" strike="noStrike">
-              <a:solidFill>
-                <a:srgbClr val="000000"/>
-              </a:solidFill>
-              <a:latin typeface="Arial"/>
-            </a:endParaRPr>
-          </a:p>
-        </p:txBody>
-      </p:sp>
-      <p:sp>
-        <p:nvSpPr>
-          <p:cNvPr id="47" name="PlaceHolder 2"/>
+            <a:pPr algn="ctr"/>
+            <a:endParaRPr b="0" lang="en-US" sz="4400" spc="-1" strike="noStrike">
+              <a:latin typeface="Arial"/>
+            </a:endParaRPr>
+          </a:p>
+        </p:txBody>
+      </p:sp>
+      <p:sp>
+        <p:nvSpPr>
+          <p:cNvPr id="45" name="PlaceHolder 2"/>
           <p:cNvSpPr>
             <a:spLocks noGrp="1"/>
           </p:cNvSpPr>
@@ -870,7 +820,7 @@
         <p:spPr>
           <a:xfrm>
             <a:off x="311760" y="1152360"/>
-            <a:ext cx="4157640" cy="3416040"/>
+            <a:ext cx="4157280" cy="3415680"/>
           </a:xfrm>
           <a:prstGeom prst="rect">
             <a:avLst/>
@@ -881,18 +831,15 @@
             <a:normAutofit/>
           </a:bodyPr>
           <a:p>
-            <a:endParaRPr b="0" lang="en-US" sz="1400" spc="-1" strike="noStrike">
-              <a:solidFill>
-                <a:srgbClr val="000000"/>
-              </a:solidFill>
-              <a:latin typeface="Arial"/>
-            </a:endParaRPr>
-          </a:p>
-        </p:txBody>
-      </p:sp>
-      <p:sp>
-        <p:nvSpPr>
-          <p:cNvPr id="48" name="PlaceHolder 3"/>
+            <a:endParaRPr b="0" lang="en-US" sz="3200" spc="-1" strike="noStrike">
+              <a:latin typeface="Arial"/>
+            </a:endParaRPr>
+          </a:p>
+        </p:txBody>
+      </p:sp>
+      <p:sp>
+        <p:nvSpPr>
+          <p:cNvPr id="46" name="PlaceHolder 3"/>
           <p:cNvSpPr>
             <a:spLocks noGrp="1"/>
           </p:cNvSpPr>
@@ -902,8 +849,8 @@
         </p:nvSpPr>
         <p:spPr>
           <a:xfrm>
-            <a:off x="4677840" y="1152360"/>
-            <a:ext cx="4157640" cy="3416040"/>
+            <a:off x="4677120" y="1152360"/>
+            <a:ext cx="4157280" cy="3415680"/>
           </a:xfrm>
           <a:prstGeom prst="rect">
             <a:avLst/>
@@ -914,10 +861,7 @@
             <a:normAutofit/>
           </a:bodyPr>
           <a:p>
-            <a:endParaRPr b="0" lang="en-US" sz="1400" spc="-1" strike="noStrike">
-              <a:solidFill>
-                <a:srgbClr val="000000"/>
-              </a:solidFill>
+            <a:endParaRPr b="0" lang="en-US" sz="3200" spc="-1" strike="noStrike">
               <a:latin typeface="Arial"/>
             </a:endParaRPr>
           </a:p>
@@ -947,7 +891,7 @@
       </p:grpSpPr>
       <p:sp>
         <p:nvSpPr>
-          <p:cNvPr id="49" name="PlaceHolder 1"/>
+          <p:cNvPr id="47" name="PlaceHolder 1"/>
           <p:cNvSpPr>
             <a:spLocks noGrp="1"/>
           </p:cNvSpPr>
@@ -957,8 +901,8 @@
         </p:nvSpPr>
         <p:spPr>
           <a:xfrm>
-            <a:off x="311760" y="444960"/>
-            <a:ext cx="8520120" cy="572400"/>
+            <a:off x="311760" y="301680"/>
+            <a:ext cx="8519760" cy="858960"/>
           </a:xfrm>
           <a:prstGeom prst="rect">
             <a:avLst/>
@@ -969,10 +913,8 @@
             <a:spAutoFit/>
           </a:bodyPr>
           <a:p>
-            <a:endParaRPr b="0" lang="en-US" sz="1400" spc="-1" strike="noStrike">
-              <a:solidFill>
-                <a:srgbClr val="000000"/>
-              </a:solidFill>
+            <a:pPr algn="ctr"/>
+            <a:endParaRPr b="0" lang="en-US" sz="4400" spc="-1" strike="noStrike">
               <a:latin typeface="Arial"/>
             </a:endParaRPr>
           </a:p>
@@ -1002,7 +944,7 @@
       </p:grpSpPr>
       <p:sp>
         <p:nvSpPr>
-          <p:cNvPr id="50" name="PlaceHolder 1"/>
+          <p:cNvPr id="48" name="PlaceHolder 1"/>
           <p:cNvSpPr>
             <a:spLocks noGrp="1"/>
           </p:cNvSpPr>
@@ -1012,8 +954,8 @@
         </p:nvSpPr>
         <p:spPr>
           <a:xfrm>
-            <a:off x="311760" y="444960"/>
-            <a:ext cx="8520120" cy="2654640"/>
+            <a:off x="311760" y="301680"/>
+            <a:ext cx="8519760" cy="3983040"/>
           </a:xfrm>
           <a:prstGeom prst="rect">
             <a:avLst/>
@@ -1055,7 +997,7 @@
       </p:grpSpPr>
       <p:sp>
         <p:nvSpPr>
-          <p:cNvPr id="51" name="PlaceHolder 1"/>
+          <p:cNvPr id="49" name="PlaceHolder 1"/>
           <p:cNvSpPr>
             <a:spLocks noGrp="1"/>
           </p:cNvSpPr>
@@ -1065,8 +1007,8 @@
         </p:nvSpPr>
         <p:spPr>
           <a:xfrm>
-            <a:off x="311760" y="444960"/>
-            <a:ext cx="8520120" cy="572400"/>
+            <a:off x="311760" y="301680"/>
+            <a:ext cx="8519760" cy="858960"/>
           </a:xfrm>
           <a:prstGeom prst="rect">
             <a:avLst/>
@@ -1077,18 +1019,16 @@
             <a:spAutoFit/>
           </a:bodyPr>
           <a:p>
-            <a:endParaRPr b="0" lang="en-US" sz="1400" spc="-1" strike="noStrike">
-              <a:solidFill>
-                <a:srgbClr val="000000"/>
-              </a:solidFill>
-              <a:latin typeface="Arial"/>
-            </a:endParaRPr>
-          </a:p>
-        </p:txBody>
-      </p:sp>
-      <p:sp>
-        <p:nvSpPr>
-          <p:cNvPr id="52" name="PlaceHolder 2"/>
+            <a:pPr algn="ctr"/>
+            <a:endParaRPr b="0" lang="en-US" sz="4400" spc="-1" strike="noStrike">
+              <a:latin typeface="Arial"/>
+            </a:endParaRPr>
+          </a:p>
+        </p:txBody>
+      </p:sp>
+      <p:sp>
+        <p:nvSpPr>
+          <p:cNvPr id="50" name="PlaceHolder 2"/>
           <p:cNvSpPr>
             <a:spLocks noGrp="1"/>
           </p:cNvSpPr>
@@ -1099,7 +1039,7 @@
         <p:spPr>
           <a:xfrm>
             <a:off x="311760" y="1152360"/>
-            <a:ext cx="4157640" cy="1629360"/>
+            <a:ext cx="4157280" cy="1629000"/>
           </a:xfrm>
           <a:prstGeom prst="rect">
             <a:avLst/>
@@ -1110,18 +1050,15 @@
             <a:normAutofit/>
           </a:bodyPr>
           <a:p>
-            <a:endParaRPr b="0" lang="en-US" sz="1400" spc="-1" strike="noStrike">
-              <a:solidFill>
-                <a:srgbClr val="000000"/>
-              </a:solidFill>
-              <a:latin typeface="Arial"/>
-            </a:endParaRPr>
-          </a:p>
-        </p:txBody>
-      </p:sp>
-      <p:sp>
-        <p:nvSpPr>
-          <p:cNvPr id="53" name="PlaceHolder 3"/>
+            <a:endParaRPr b="0" lang="en-US" sz="3200" spc="-1" strike="noStrike">
+              <a:latin typeface="Arial"/>
+            </a:endParaRPr>
+          </a:p>
+        </p:txBody>
+      </p:sp>
+      <p:sp>
+        <p:nvSpPr>
+          <p:cNvPr id="51" name="PlaceHolder 3"/>
           <p:cNvSpPr>
             <a:spLocks noGrp="1"/>
           </p:cNvSpPr>
@@ -1131,8 +1068,8 @@
         </p:nvSpPr>
         <p:spPr>
           <a:xfrm>
-            <a:off x="4677840" y="1152360"/>
-            <a:ext cx="4157640" cy="3416040"/>
+            <a:off x="4677120" y="1152360"/>
+            <a:ext cx="4157280" cy="3415680"/>
           </a:xfrm>
           <a:prstGeom prst="rect">
             <a:avLst/>
@@ -1143,18 +1080,15 @@
             <a:normAutofit/>
           </a:bodyPr>
           <a:p>
-            <a:endParaRPr b="0" lang="en-US" sz="1400" spc="-1" strike="noStrike">
-              <a:solidFill>
-                <a:srgbClr val="000000"/>
-              </a:solidFill>
-              <a:latin typeface="Arial"/>
-            </a:endParaRPr>
-          </a:p>
-        </p:txBody>
-      </p:sp>
-      <p:sp>
-        <p:nvSpPr>
-          <p:cNvPr id="54" name="PlaceHolder 4"/>
+            <a:endParaRPr b="0" lang="en-US" sz="3200" spc="-1" strike="noStrike">
+              <a:latin typeface="Arial"/>
+            </a:endParaRPr>
+          </a:p>
+        </p:txBody>
+      </p:sp>
+      <p:sp>
+        <p:nvSpPr>
+          <p:cNvPr id="52" name="PlaceHolder 4"/>
           <p:cNvSpPr>
             <a:spLocks noGrp="1"/>
           </p:cNvSpPr>
@@ -1164,8 +1098,8 @@
         </p:nvSpPr>
         <p:spPr>
           <a:xfrm>
-            <a:off x="311760" y="2936880"/>
-            <a:ext cx="4157640" cy="1629360"/>
+            <a:off x="311760" y="2936520"/>
+            <a:ext cx="4157280" cy="1629000"/>
           </a:xfrm>
           <a:prstGeom prst="rect">
             <a:avLst/>
@@ -1176,10 +1110,7 @@
             <a:normAutofit/>
           </a:bodyPr>
           <a:p>
-            <a:endParaRPr b="0" lang="en-US" sz="1400" spc="-1" strike="noStrike">
-              <a:solidFill>
-                <a:srgbClr val="000000"/>
-              </a:solidFill>
+            <a:endParaRPr b="0" lang="en-US" sz="3200" spc="-1" strike="noStrike">
               <a:latin typeface="Arial"/>
             </a:endParaRPr>
           </a:p>
@@ -1209,7 +1140,7 @@
       </p:grpSpPr>
       <p:sp>
         <p:nvSpPr>
-          <p:cNvPr id="3" name="PlaceHolder 1"/>
+          <p:cNvPr id="2" name="PlaceHolder 1"/>
           <p:cNvSpPr>
             <a:spLocks noGrp="1"/>
           </p:cNvSpPr>
@@ -1219,8 +1150,8 @@
         </p:nvSpPr>
         <p:spPr>
           <a:xfrm>
-            <a:off x="311760" y="444960"/>
-            <a:ext cx="8520120" cy="572400"/>
+            <a:off x="311760" y="301680"/>
+            <a:ext cx="8519760" cy="858960"/>
           </a:xfrm>
           <a:prstGeom prst="rect">
             <a:avLst/>
@@ -1231,18 +1162,16 @@
             <a:spAutoFit/>
           </a:bodyPr>
           <a:p>
-            <a:endParaRPr b="0" lang="en-US" sz="1400" spc="-1" strike="noStrike">
-              <a:solidFill>
-                <a:srgbClr val="000000"/>
-              </a:solidFill>
-              <a:latin typeface="Arial"/>
-            </a:endParaRPr>
-          </a:p>
-        </p:txBody>
-      </p:sp>
-      <p:sp>
-        <p:nvSpPr>
-          <p:cNvPr id="4" name="PlaceHolder 2"/>
+            <a:pPr algn="ctr"/>
+            <a:endParaRPr b="0" lang="en-US" sz="4400" spc="-1" strike="noStrike">
+              <a:latin typeface="Arial"/>
+            </a:endParaRPr>
+          </a:p>
+        </p:txBody>
+      </p:sp>
+      <p:sp>
+        <p:nvSpPr>
+          <p:cNvPr id="3" name="PlaceHolder 2"/>
           <p:cNvSpPr>
             <a:spLocks noGrp="1"/>
           </p:cNvSpPr>
@@ -1253,7 +1182,7 @@
         <p:spPr>
           <a:xfrm>
             <a:off x="311760" y="1152360"/>
-            <a:ext cx="8520120" cy="3416040"/>
+            <a:ext cx="8519760" cy="3415680"/>
           </a:xfrm>
           <a:prstGeom prst="rect">
             <a:avLst/>
@@ -1295,7 +1224,7 @@
       </p:grpSpPr>
       <p:sp>
         <p:nvSpPr>
-          <p:cNvPr id="55" name="PlaceHolder 1"/>
+          <p:cNvPr id="53" name="PlaceHolder 1"/>
           <p:cNvSpPr>
             <a:spLocks noGrp="1"/>
           </p:cNvSpPr>
@@ -1305,8 +1234,8 @@
         </p:nvSpPr>
         <p:spPr>
           <a:xfrm>
-            <a:off x="311760" y="444960"/>
-            <a:ext cx="8520120" cy="572400"/>
+            <a:off x="311760" y="301680"/>
+            <a:ext cx="8519760" cy="858960"/>
           </a:xfrm>
           <a:prstGeom prst="rect">
             <a:avLst/>
@@ -1317,18 +1246,16 @@
             <a:spAutoFit/>
           </a:bodyPr>
           <a:p>
-            <a:endParaRPr b="0" lang="en-US" sz="1400" spc="-1" strike="noStrike">
-              <a:solidFill>
-                <a:srgbClr val="000000"/>
-              </a:solidFill>
-              <a:latin typeface="Arial"/>
-            </a:endParaRPr>
-          </a:p>
-        </p:txBody>
-      </p:sp>
-      <p:sp>
-        <p:nvSpPr>
-          <p:cNvPr id="56" name="PlaceHolder 2"/>
+            <a:pPr algn="ctr"/>
+            <a:endParaRPr b="0" lang="en-US" sz="4400" spc="-1" strike="noStrike">
+              <a:latin typeface="Arial"/>
+            </a:endParaRPr>
+          </a:p>
+        </p:txBody>
+      </p:sp>
+      <p:sp>
+        <p:nvSpPr>
+          <p:cNvPr id="54" name="PlaceHolder 2"/>
           <p:cNvSpPr>
             <a:spLocks noGrp="1"/>
           </p:cNvSpPr>
@@ -1339,7 +1266,7 @@
         <p:spPr>
           <a:xfrm>
             <a:off x="311760" y="1152360"/>
-            <a:ext cx="4157640" cy="3416040"/>
+            <a:ext cx="4157280" cy="3415680"/>
           </a:xfrm>
           <a:prstGeom prst="rect">
             <a:avLst/>
@@ -1350,18 +1277,15 @@
             <a:normAutofit/>
           </a:bodyPr>
           <a:p>
-            <a:endParaRPr b="0" lang="en-US" sz="1400" spc="-1" strike="noStrike">
-              <a:solidFill>
-                <a:srgbClr val="000000"/>
-              </a:solidFill>
-              <a:latin typeface="Arial"/>
-            </a:endParaRPr>
-          </a:p>
-        </p:txBody>
-      </p:sp>
-      <p:sp>
-        <p:nvSpPr>
-          <p:cNvPr id="57" name="PlaceHolder 3"/>
+            <a:endParaRPr b="0" lang="en-US" sz="3200" spc="-1" strike="noStrike">
+              <a:latin typeface="Arial"/>
+            </a:endParaRPr>
+          </a:p>
+        </p:txBody>
+      </p:sp>
+      <p:sp>
+        <p:nvSpPr>
+          <p:cNvPr id="55" name="PlaceHolder 3"/>
           <p:cNvSpPr>
             <a:spLocks noGrp="1"/>
           </p:cNvSpPr>
@@ -1371,8 +1295,8 @@
         </p:nvSpPr>
         <p:spPr>
           <a:xfrm>
-            <a:off x="4677840" y="1152360"/>
-            <a:ext cx="4157640" cy="1629360"/>
+            <a:off x="4677120" y="1152360"/>
+            <a:ext cx="4157280" cy="1629000"/>
           </a:xfrm>
           <a:prstGeom prst="rect">
             <a:avLst/>
@@ -1383,18 +1307,15 @@
             <a:normAutofit/>
           </a:bodyPr>
           <a:p>
-            <a:endParaRPr b="0" lang="en-US" sz="1400" spc="-1" strike="noStrike">
-              <a:solidFill>
-                <a:srgbClr val="000000"/>
-              </a:solidFill>
-              <a:latin typeface="Arial"/>
-            </a:endParaRPr>
-          </a:p>
-        </p:txBody>
-      </p:sp>
-      <p:sp>
-        <p:nvSpPr>
-          <p:cNvPr id="58" name="PlaceHolder 4"/>
+            <a:endParaRPr b="0" lang="en-US" sz="3200" spc="-1" strike="noStrike">
+              <a:latin typeface="Arial"/>
+            </a:endParaRPr>
+          </a:p>
+        </p:txBody>
+      </p:sp>
+      <p:sp>
+        <p:nvSpPr>
+          <p:cNvPr id="56" name="PlaceHolder 4"/>
           <p:cNvSpPr>
             <a:spLocks noGrp="1"/>
           </p:cNvSpPr>
@@ -1404,8 +1325,8 @@
         </p:nvSpPr>
         <p:spPr>
           <a:xfrm>
-            <a:off x="4677840" y="2936880"/>
-            <a:ext cx="4157640" cy="1629360"/>
+            <a:off x="4677120" y="2936520"/>
+            <a:ext cx="4157280" cy="1629000"/>
           </a:xfrm>
           <a:prstGeom prst="rect">
             <a:avLst/>
@@ -1416,10 +1337,7 @@
             <a:normAutofit/>
           </a:bodyPr>
           <a:p>
-            <a:endParaRPr b="0" lang="en-US" sz="1400" spc="-1" strike="noStrike">
-              <a:solidFill>
-                <a:srgbClr val="000000"/>
-              </a:solidFill>
+            <a:endParaRPr b="0" lang="en-US" sz="3200" spc="-1" strike="noStrike">
               <a:latin typeface="Arial"/>
             </a:endParaRPr>
           </a:p>
@@ -1449,7 +1367,7 @@
       </p:grpSpPr>
       <p:sp>
         <p:nvSpPr>
-          <p:cNvPr id="59" name="PlaceHolder 1"/>
+          <p:cNvPr id="57" name="PlaceHolder 1"/>
           <p:cNvSpPr>
             <a:spLocks noGrp="1"/>
           </p:cNvSpPr>
@@ -1459,8 +1377,8 @@
         </p:nvSpPr>
         <p:spPr>
           <a:xfrm>
-            <a:off x="311760" y="444960"/>
-            <a:ext cx="8520120" cy="572400"/>
+            <a:off x="311760" y="301680"/>
+            <a:ext cx="8519760" cy="858960"/>
           </a:xfrm>
           <a:prstGeom prst="rect">
             <a:avLst/>
@@ -1471,18 +1389,16 @@
             <a:spAutoFit/>
           </a:bodyPr>
           <a:p>
-            <a:endParaRPr b="0" lang="en-US" sz="1400" spc="-1" strike="noStrike">
-              <a:solidFill>
-                <a:srgbClr val="000000"/>
-              </a:solidFill>
-              <a:latin typeface="Arial"/>
-            </a:endParaRPr>
-          </a:p>
-        </p:txBody>
-      </p:sp>
-      <p:sp>
-        <p:nvSpPr>
-          <p:cNvPr id="60" name="PlaceHolder 2"/>
+            <a:pPr algn="ctr"/>
+            <a:endParaRPr b="0" lang="en-US" sz="4400" spc="-1" strike="noStrike">
+              <a:latin typeface="Arial"/>
+            </a:endParaRPr>
+          </a:p>
+        </p:txBody>
+      </p:sp>
+      <p:sp>
+        <p:nvSpPr>
+          <p:cNvPr id="58" name="PlaceHolder 2"/>
           <p:cNvSpPr>
             <a:spLocks noGrp="1"/>
           </p:cNvSpPr>
@@ -1493,7 +1409,7 @@
         <p:spPr>
           <a:xfrm>
             <a:off x="311760" y="1152360"/>
-            <a:ext cx="4157640" cy="1629360"/>
+            <a:ext cx="4157280" cy="1629000"/>
           </a:xfrm>
           <a:prstGeom prst="rect">
             <a:avLst/>
@@ -1504,18 +1420,15 @@
             <a:normAutofit/>
           </a:bodyPr>
           <a:p>
-            <a:endParaRPr b="0" lang="en-US" sz="1400" spc="-1" strike="noStrike">
-              <a:solidFill>
-                <a:srgbClr val="000000"/>
-              </a:solidFill>
-              <a:latin typeface="Arial"/>
-            </a:endParaRPr>
-          </a:p>
-        </p:txBody>
-      </p:sp>
-      <p:sp>
-        <p:nvSpPr>
-          <p:cNvPr id="61" name="PlaceHolder 3"/>
+            <a:endParaRPr b="0" lang="en-US" sz="3200" spc="-1" strike="noStrike">
+              <a:latin typeface="Arial"/>
+            </a:endParaRPr>
+          </a:p>
+        </p:txBody>
+      </p:sp>
+      <p:sp>
+        <p:nvSpPr>
+          <p:cNvPr id="59" name="PlaceHolder 3"/>
           <p:cNvSpPr>
             <a:spLocks noGrp="1"/>
           </p:cNvSpPr>
@@ -1525,8 +1438,8 @@
         </p:nvSpPr>
         <p:spPr>
           <a:xfrm>
-            <a:off x="4677840" y="1152360"/>
-            <a:ext cx="4157640" cy="1629360"/>
+            <a:off x="4677120" y="1152360"/>
+            <a:ext cx="4157280" cy="1629000"/>
           </a:xfrm>
           <a:prstGeom prst="rect">
             <a:avLst/>
@@ -1537,18 +1450,15 @@
             <a:normAutofit/>
           </a:bodyPr>
           <a:p>
-            <a:endParaRPr b="0" lang="en-US" sz="1400" spc="-1" strike="noStrike">
-              <a:solidFill>
-                <a:srgbClr val="000000"/>
-              </a:solidFill>
-              <a:latin typeface="Arial"/>
-            </a:endParaRPr>
-          </a:p>
-        </p:txBody>
-      </p:sp>
-      <p:sp>
-        <p:nvSpPr>
-          <p:cNvPr id="62" name="PlaceHolder 4"/>
+            <a:endParaRPr b="0" lang="en-US" sz="3200" spc="-1" strike="noStrike">
+              <a:latin typeface="Arial"/>
+            </a:endParaRPr>
+          </a:p>
+        </p:txBody>
+      </p:sp>
+      <p:sp>
+        <p:nvSpPr>
+          <p:cNvPr id="60" name="PlaceHolder 4"/>
           <p:cNvSpPr>
             <a:spLocks noGrp="1"/>
           </p:cNvSpPr>
@@ -1558,8 +1468,8 @@
         </p:nvSpPr>
         <p:spPr>
           <a:xfrm>
-            <a:off x="311760" y="2936880"/>
-            <a:ext cx="8520120" cy="1629360"/>
+            <a:off x="311760" y="2936520"/>
+            <a:ext cx="8519760" cy="1629000"/>
           </a:xfrm>
           <a:prstGeom prst="rect">
             <a:avLst/>
@@ -1570,10 +1480,7 @@
             <a:normAutofit/>
           </a:bodyPr>
           <a:p>
-            <a:endParaRPr b="0" lang="en-US" sz="1400" spc="-1" strike="noStrike">
-              <a:solidFill>
-                <a:srgbClr val="000000"/>
-              </a:solidFill>
+            <a:endParaRPr b="0" lang="en-US" sz="3200" spc="-1" strike="noStrike">
               <a:latin typeface="Arial"/>
             </a:endParaRPr>
           </a:p>
@@ -1603,7 +1510,7 @@
       </p:grpSpPr>
       <p:sp>
         <p:nvSpPr>
-          <p:cNvPr id="63" name="PlaceHolder 1"/>
+          <p:cNvPr id="61" name="PlaceHolder 1"/>
           <p:cNvSpPr>
             <a:spLocks noGrp="1"/>
           </p:cNvSpPr>
@@ -1613,8 +1520,8 @@
         </p:nvSpPr>
         <p:spPr>
           <a:xfrm>
-            <a:off x="311760" y="444960"/>
-            <a:ext cx="8520120" cy="572400"/>
+            <a:off x="311760" y="301680"/>
+            <a:ext cx="8519760" cy="858960"/>
           </a:xfrm>
           <a:prstGeom prst="rect">
             <a:avLst/>
@@ -1625,18 +1532,16 @@
             <a:spAutoFit/>
           </a:bodyPr>
           <a:p>
-            <a:endParaRPr b="0" lang="en-US" sz="1400" spc="-1" strike="noStrike">
-              <a:solidFill>
-                <a:srgbClr val="000000"/>
-              </a:solidFill>
-              <a:latin typeface="Arial"/>
-            </a:endParaRPr>
-          </a:p>
-        </p:txBody>
-      </p:sp>
-      <p:sp>
-        <p:nvSpPr>
-          <p:cNvPr id="64" name="PlaceHolder 2"/>
+            <a:pPr algn="ctr"/>
+            <a:endParaRPr b="0" lang="en-US" sz="4400" spc="-1" strike="noStrike">
+              <a:latin typeface="Arial"/>
+            </a:endParaRPr>
+          </a:p>
+        </p:txBody>
+      </p:sp>
+      <p:sp>
+        <p:nvSpPr>
+          <p:cNvPr id="62" name="PlaceHolder 2"/>
           <p:cNvSpPr>
             <a:spLocks noGrp="1"/>
           </p:cNvSpPr>
@@ -1647,7 +1552,7 @@
         <p:spPr>
           <a:xfrm>
             <a:off x="311760" y="1152360"/>
-            <a:ext cx="8520120" cy="1629360"/>
+            <a:ext cx="8519760" cy="1629000"/>
           </a:xfrm>
           <a:prstGeom prst="rect">
             <a:avLst/>
@@ -1658,18 +1563,15 @@
             <a:normAutofit/>
           </a:bodyPr>
           <a:p>
-            <a:endParaRPr b="0" lang="en-US" sz="1400" spc="-1" strike="noStrike">
-              <a:solidFill>
-                <a:srgbClr val="000000"/>
-              </a:solidFill>
-              <a:latin typeface="Arial"/>
-            </a:endParaRPr>
-          </a:p>
-        </p:txBody>
-      </p:sp>
-      <p:sp>
-        <p:nvSpPr>
-          <p:cNvPr id="65" name="PlaceHolder 3"/>
+            <a:endParaRPr b="0" lang="en-US" sz="3200" spc="-1" strike="noStrike">
+              <a:latin typeface="Arial"/>
+            </a:endParaRPr>
+          </a:p>
+        </p:txBody>
+      </p:sp>
+      <p:sp>
+        <p:nvSpPr>
+          <p:cNvPr id="63" name="PlaceHolder 3"/>
           <p:cNvSpPr>
             <a:spLocks noGrp="1"/>
           </p:cNvSpPr>
@@ -1679,8 +1581,8 @@
         </p:nvSpPr>
         <p:spPr>
           <a:xfrm>
-            <a:off x="311760" y="2936880"/>
-            <a:ext cx="8520120" cy="1629360"/>
+            <a:off x="311760" y="2936520"/>
+            <a:ext cx="8519760" cy="1629000"/>
           </a:xfrm>
           <a:prstGeom prst="rect">
             <a:avLst/>
@@ -1691,10 +1593,7 @@
             <a:normAutofit/>
           </a:bodyPr>
           <a:p>
-            <a:endParaRPr b="0" lang="en-US" sz="1400" spc="-1" strike="noStrike">
-              <a:solidFill>
-                <a:srgbClr val="000000"/>
-              </a:solidFill>
+            <a:endParaRPr b="0" lang="en-US" sz="3200" spc="-1" strike="noStrike">
               <a:latin typeface="Arial"/>
             </a:endParaRPr>
           </a:p>
@@ -1724,7 +1623,7 @@
       </p:grpSpPr>
       <p:sp>
         <p:nvSpPr>
-          <p:cNvPr id="66" name="PlaceHolder 1"/>
+          <p:cNvPr id="64" name="PlaceHolder 1"/>
           <p:cNvSpPr>
             <a:spLocks noGrp="1"/>
           </p:cNvSpPr>
@@ -1734,8 +1633,8 @@
         </p:nvSpPr>
         <p:spPr>
           <a:xfrm>
-            <a:off x="311760" y="444960"/>
-            <a:ext cx="8520120" cy="572400"/>
+            <a:off x="311760" y="301680"/>
+            <a:ext cx="8519760" cy="858960"/>
           </a:xfrm>
           <a:prstGeom prst="rect">
             <a:avLst/>
@@ -1746,18 +1645,16 @@
             <a:spAutoFit/>
           </a:bodyPr>
           <a:p>
-            <a:endParaRPr b="0" lang="en-US" sz="1400" spc="-1" strike="noStrike">
-              <a:solidFill>
-                <a:srgbClr val="000000"/>
-              </a:solidFill>
-              <a:latin typeface="Arial"/>
-            </a:endParaRPr>
-          </a:p>
-        </p:txBody>
-      </p:sp>
-      <p:sp>
-        <p:nvSpPr>
-          <p:cNvPr id="67" name="PlaceHolder 2"/>
+            <a:pPr algn="ctr"/>
+            <a:endParaRPr b="0" lang="en-US" sz="4400" spc="-1" strike="noStrike">
+              <a:latin typeface="Arial"/>
+            </a:endParaRPr>
+          </a:p>
+        </p:txBody>
+      </p:sp>
+      <p:sp>
+        <p:nvSpPr>
+          <p:cNvPr id="65" name="PlaceHolder 2"/>
           <p:cNvSpPr>
             <a:spLocks noGrp="1"/>
           </p:cNvSpPr>
@@ -1768,7 +1665,7 @@
         <p:spPr>
           <a:xfrm>
             <a:off x="311760" y="1152360"/>
-            <a:ext cx="4157640" cy="1629360"/>
+            <a:ext cx="4157280" cy="1629000"/>
           </a:xfrm>
           <a:prstGeom prst="rect">
             <a:avLst/>
@@ -1779,18 +1676,15 @@
             <a:normAutofit/>
           </a:bodyPr>
           <a:p>
-            <a:endParaRPr b="0" lang="en-US" sz="1400" spc="-1" strike="noStrike">
-              <a:solidFill>
-                <a:srgbClr val="000000"/>
-              </a:solidFill>
-              <a:latin typeface="Arial"/>
-            </a:endParaRPr>
-          </a:p>
-        </p:txBody>
-      </p:sp>
-      <p:sp>
-        <p:nvSpPr>
-          <p:cNvPr id="68" name="PlaceHolder 3"/>
+            <a:endParaRPr b="0" lang="en-US" sz="3200" spc="-1" strike="noStrike">
+              <a:latin typeface="Arial"/>
+            </a:endParaRPr>
+          </a:p>
+        </p:txBody>
+      </p:sp>
+      <p:sp>
+        <p:nvSpPr>
+          <p:cNvPr id="66" name="PlaceHolder 3"/>
           <p:cNvSpPr>
             <a:spLocks noGrp="1"/>
           </p:cNvSpPr>
@@ -1800,8 +1694,8 @@
         </p:nvSpPr>
         <p:spPr>
           <a:xfrm>
-            <a:off x="4677840" y="1152360"/>
-            <a:ext cx="4157640" cy="1629360"/>
+            <a:off x="4677120" y="1152360"/>
+            <a:ext cx="4157280" cy="1629000"/>
           </a:xfrm>
           <a:prstGeom prst="rect">
             <a:avLst/>
@@ -1812,18 +1706,15 @@
             <a:normAutofit/>
           </a:bodyPr>
           <a:p>
-            <a:endParaRPr b="0" lang="en-US" sz="1400" spc="-1" strike="noStrike">
-              <a:solidFill>
-                <a:srgbClr val="000000"/>
-              </a:solidFill>
-              <a:latin typeface="Arial"/>
-            </a:endParaRPr>
-          </a:p>
-        </p:txBody>
-      </p:sp>
-      <p:sp>
-        <p:nvSpPr>
-          <p:cNvPr id="69" name="PlaceHolder 4"/>
+            <a:endParaRPr b="0" lang="en-US" sz="3200" spc="-1" strike="noStrike">
+              <a:latin typeface="Arial"/>
+            </a:endParaRPr>
+          </a:p>
+        </p:txBody>
+      </p:sp>
+      <p:sp>
+        <p:nvSpPr>
+          <p:cNvPr id="67" name="PlaceHolder 4"/>
           <p:cNvSpPr>
             <a:spLocks noGrp="1"/>
           </p:cNvSpPr>
@@ -1833,8 +1724,8 @@
         </p:nvSpPr>
         <p:spPr>
           <a:xfrm>
-            <a:off x="311760" y="2936880"/>
-            <a:ext cx="4157640" cy="1629360"/>
+            <a:off x="311760" y="2936520"/>
+            <a:ext cx="4157280" cy="1629000"/>
           </a:xfrm>
           <a:prstGeom prst="rect">
             <a:avLst/>
@@ -1845,18 +1736,15 @@
             <a:normAutofit/>
           </a:bodyPr>
           <a:p>
-            <a:endParaRPr b="0" lang="en-US" sz="1400" spc="-1" strike="noStrike">
-              <a:solidFill>
-                <a:srgbClr val="000000"/>
-              </a:solidFill>
-              <a:latin typeface="Arial"/>
-            </a:endParaRPr>
-          </a:p>
-        </p:txBody>
-      </p:sp>
-      <p:sp>
-        <p:nvSpPr>
-          <p:cNvPr id="70" name="PlaceHolder 5"/>
+            <a:endParaRPr b="0" lang="en-US" sz="3200" spc="-1" strike="noStrike">
+              <a:latin typeface="Arial"/>
+            </a:endParaRPr>
+          </a:p>
+        </p:txBody>
+      </p:sp>
+      <p:sp>
+        <p:nvSpPr>
+          <p:cNvPr id="68" name="PlaceHolder 5"/>
           <p:cNvSpPr>
             <a:spLocks noGrp="1"/>
           </p:cNvSpPr>
@@ -1866,8 +1754,8 @@
         </p:nvSpPr>
         <p:spPr>
           <a:xfrm>
-            <a:off x="4677840" y="2936880"/>
-            <a:ext cx="4157640" cy="1629360"/>
+            <a:off x="4677120" y="2936520"/>
+            <a:ext cx="4157280" cy="1629000"/>
           </a:xfrm>
           <a:prstGeom prst="rect">
             <a:avLst/>
@@ -1878,10 +1766,7 @@
             <a:normAutofit/>
           </a:bodyPr>
           <a:p>
-            <a:endParaRPr b="0" lang="en-US" sz="1400" spc="-1" strike="noStrike">
-              <a:solidFill>
-                <a:srgbClr val="000000"/>
-              </a:solidFill>
+            <a:endParaRPr b="0" lang="en-US" sz="3200" spc="-1" strike="noStrike">
               <a:latin typeface="Arial"/>
             </a:endParaRPr>
           </a:p>
@@ -1911,7 +1796,7 @@
       </p:grpSpPr>
       <p:sp>
         <p:nvSpPr>
-          <p:cNvPr id="71" name="PlaceHolder 1"/>
+          <p:cNvPr id="69" name="PlaceHolder 1"/>
           <p:cNvSpPr>
             <a:spLocks noGrp="1"/>
           </p:cNvSpPr>
@@ -1921,8 +1806,8 @@
         </p:nvSpPr>
         <p:spPr>
           <a:xfrm>
-            <a:off x="311760" y="444960"/>
-            <a:ext cx="8520120" cy="572400"/>
+            <a:off x="311760" y="301680"/>
+            <a:ext cx="8519760" cy="858960"/>
           </a:xfrm>
           <a:prstGeom prst="rect">
             <a:avLst/>
@@ -1933,18 +1818,16 @@
             <a:spAutoFit/>
           </a:bodyPr>
           <a:p>
-            <a:endParaRPr b="0" lang="en-US" sz="1400" spc="-1" strike="noStrike">
-              <a:solidFill>
-                <a:srgbClr val="000000"/>
-              </a:solidFill>
-              <a:latin typeface="Arial"/>
-            </a:endParaRPr>
-          </a:p>
-        </p:txBody>
-      </p:sp>
-      <p:sp>
-        <p:nvSpPr>
-          <p:cNvPr id="72" name="PlaceHolder 2"/>
+            <a:pPr algn="ctr"/>
+            <a:endParaRPr b="0" lang="en-US" sz="4400" spc="-1" strike="noStrike">
+              <a:latin typeface="Arial"/>
+            </a:endParaRPr>
+          </a:p>
+        </p:txBody>
+      </p:sp>
+      <p:sp>
+        <p:nvSpPr>
+          <p:cNvPr id="70" name="PlaceHolder 2"/>
           <p:cNvSpPr>
             <a:spLocks noGrp="1"/>
           </p:cNvSpPr>
@@ -1955,7 +1838,7 @@
         <p:spPr>
           <a:xfrm>
             <a:off x="311760" y="1152360"/>
-            <a:ext cx="2743200" cy="1629360"/>
+            <a:ext cx="2743200" cy="1629000"/>
           </a:xfrm>
           <a:prstGeom prst="rect">
             <a:avLst/>
@@ -1966,18 +1849,15 @@
             <a:normAutofit/>
           </a:bodyPr>
           <a:p>
-            <a:endParaRPr b="0" lang="en-US" sz="1400" spc="-1" strike="noStrike">
-              <a:solidFill>
-                <a:srgbClr val="000000"/>
-              </a:solidFill>
-              <a:latin typeface="Arial"/>
-            </a:endParaRPr>
-          </a:p>
-        </p:txBody>
-      </p:sp>
-      <p:sp>
-        <p:nvSpPr>
-          <p:cNvPr id="73" name="PlaceHolder 3"/>
+            <a:endParaRPr b="0" lang="en-US" sz="3200" spc="-1" strike="noStrike">
+              <a:latin typeface="Arial"/>
+            </a:endParaRPr>
+          </a:p>
+        </p:txBody>
+      </p:sp>
+      <p:sp>
+        <p:nvSpPr>
+          <p:cNvPr id="71" name="PlaceHolder 3"/>
           <p:cNvSpPr>
             <a:spLocks noGrp="1"/>
           </p:cNvSpPr>
@@ -1988,7 +1868,7 @@
         <p:spPr>
           <a:xfrm>
             <a:off x="3192480" y="1152360"/>
-            <a:ext cx="2743200" cy="1629360"/>
+            <a:ext cx="2743200" cy="1629000"/>
           </a:xfrm>
           <a:prstGeom prst="rect">
             <a:avLst/>
@@ -1999,18 +1879,15 @@
             <a:normAutofit/>
           </a:bodyPr>
           <a:p>
-            <a:endParaRPr b="0" lang="en-US" sz="1400" spc="-1" strike="noStrike">
-              <a:solidFill>
-                <a:srgbClr val="000000"/>
-              </a:solidFill>
-              <a:latin typeface="Arial"/>
-            </a:endParaRPr>
-          </a:p>
-        </p:txBody>
-      </p:sp>
-      <p:sp>
-        <p:nvSpPr>
-          <p:cNvPr id="74" name="PlaceHolder 4"/>
+            <a:endParaRPr b="0" lang="en-US" sz="3200" spc="-1" strike="noStrike">
+              <a:latin typeface="Arial"/>
+            </a:endParaRPr>
+          </a:p>
+        </p:txBody>
+      </p:sp>
+      <p:sp>
+        <p:nvSpPr>
+          <p:cNvPr id="72" name="PlaceHolder 4"/>
           <p:cNvSpPr>
             <a:spLocks noGrp="1"/>
           </p:cNvSpPr>
@@ -2021,7 +1898,7 @@
         <p:spPr>
           <a:xfrm>
             <a:off x="6073200" y="1152360"/>
-            <a:ext cx="2743200" cy="1629360"/>
+            <a:ext cx="2743200" cy="1629000"/>
           </a:xfrm>
           <a:prstGeom prst="rect">
             <a:avLst/>
@@ -2032,18 +1909,15 @@
             <a:normAutofit/>
           </a:bodyPr>
           <a:p>
-            <a:endParaRPr b="0" lang="en-US" sz="1400" spc="-1" strike="noStrike">
-              <a:solidFill>
-                <a:srgbClr val="000000"/>
-              </a:solidFill>
-              <a:latin typeface="Arial"/>
-            </a:endParaRPr>
-          </a:p>
-        </p:txBody>
-      </p:sp>
-      <p:sp>
-        <p:nvSpPr>
-          <p:cNvPr id="75" name="PlaceHolder 5"/>
+            <a:endParaRPr b="0" lang="en-US" sz="3200" spc="-1" strike="noStrike">
+              <a:latin typeface="Arial"/>
+            </a:endParaRPr>
+          </a:p>
+        </p:txBody>
+      </p:sp>
+      <p:sp>
+        <p:nvSpPr>
+          <p:cNvPr id="73" name="PlaceHolder 5"/>
           <p:cNvSpPr>
             <a:spLocks noGrp="1"/>
           </p:cNvSpPr>
@@ -2053,8 +1927,8 @@
         </p:nvSpPr>
         <p:spPr>
           <a:xfrm>
-            <a:off x="311760" y="2936880"/>
-            <a:ext cx="2743200" cy="1629360"/>
+            <a:off x="311760" y="2936520"/>
+            <a:ext cx="2743200" cy="1629000"/>
           </a:xfrm>
           <a:prstGeom prst="rect">
             <a:avLst/>
@@ -2065,18 +1939,15 @@
             <a:normAutofit/>
           </a:bodyPr>
           <a:p>
-            <a:endParaRPr b="0" lang="en-US" sz="1400" spc="-1" strike="noStrike">
-              <a:solidFill>
-                <a:srgbClr val="000000"/>
-              </a:solidFill>
-              <a:latin typeface="Arial"/>
-            </a:endParaRPr>
-          </a:p>
-        </p:txBody>
-      </p:sp>
-      <p:sp>
-        <p:nvSpPr>
-          <p:cNvPr id="76" name="PlaceHolder 6"/>
+            <a:endParaRPr b="0" lang="en-US" sz="3200" spc="-1" strike="noStrike">
+              <a:latin typeface="Arial"/>
+            </a:endParaRPr>
+          </a:p>
+        </p:txBody>
+      </p:sp>
+      <p:sp>
+        <p:nvSpPr>
+          <p:cNvPr id="74" name="PlaceHolder 6"/>
           <p:cNvSpPr>
             <a:spLocks noGrp="1"/>
           </p:cNvSpPr>
@@ -2086,8 +1957,8 @@
         </p:nvSpPr>
         <p:spPr>
           <a:xfrm>
-            <a:off x="3192480" y="2936880"/>
-            <a:ext cx="2743200" cy="1629360"/>
+            <a:off x="3192480" y="2936520"/>
+            <a:ext cx="2743200" cy="1629000"/>
           </a:xfrm>
           <a:prstGeom prst="rect">
             <a:avLst/>
@@ -2098,18 +1969,15 @@
             <a:normAutofit/>
           </a:bodyPr>
           <a:p>
-            <a:endParaRPr b="0" lang="en-US" sz="1400" spc="-1" strike="noStrike">
-              <a:solidFill>
-                <a:srgbClr val="000000"/>
-              </a:solidFill>
-              <a:latin typeface="Arial"/>
-            </a:endParaRPr>
-          </a:p>
-        </p:txBody>
-      </p:sp>
-      <p:sp>
-        <p:nvSpPr>
-          <p:cNvPr id="77" name="PlaceHolder 7"/>
+            <a:endParaRPr b="0" lang="en-US" sz="3200" spc="-1" strike="noStrike">
+              <a:latin typeface="Arial"/>
+            </a:endParaRPr>
+          </a:p>
+        </p:txBody>
+      </p:sp>
+      <p:sp>
+        <p:nvSpPr>
+          <p:cNvPr id="75" name="PlaceHolder 7"/>
           <p:cNvSpPr>
             <a:spLocks noGrp="1"/>
           </p:cNvSpPr>
@@ -2119,8 +1987,8 @@
         </p:nvSpPr>
         <p:spPr>
           <a:xfrm>
-            <a:off x="6073200" y="2936880"/>
-            <a:ext cx="2743200" cy="1629360"/>
+            <a:off x="6073200" y="2936520"/>
+            <a:ext cx="2743200" cy="1629000"/>
           </a:xfrm>
           <a:prstGeom prst="rect">
             <a:avLst/>
@@ -2131,10 +1999,7 @@
             <a:normAutofit/>
           </a:bodyPr>
           <a:p>
-            <a:endParaRPr b="0" lang="en-US" sz="1400" spc="-1" strike="noStrike">
-              <a:solidFill>
-                <a:srgbClr val="000000"/>
-              </a:solidFill>
+            <a:endParaRPr b="0" lang="en-US" sz="3200" spc="-1" strike="noStrike">
               <a:latin typeface="Arial"/>
             </a:endParaRPr>
           </a:p>
@@ -2164,7 +2029,7 @@
       </p:grpSpPr>
       <p:sp>
         <p:nvSpPr>
-          <p:cNvPr id="5" name="PlaceHolder 1"/>
+          <p:cNvPr id="4" name="PlaceHolder 1"/>
           <p:cNvSpPr>
             <a:spLocks noGrp="1"/>
           </p:cNvSpPr>
@@ -2174,8 +2039,8 @@
         </p:nvSpPr>
         <p:spPr>
           <a:xfrm>
-            <a:off x="311760" y="444960"/>
-            <a:ext cx="8520120" cy="572400"/>
+            <a:off x="311760" y="301680"/>
+            <a:ext cx="8519760" cy="858960"/>
           </a:xfrm>
           <a:prstGeom prst="rect">
             <a:avLst/>
@@ -2186,18 +2051,16 @@
             <a:spAutoFit/>
           </a:bodyPr>
           <a:p>
-            <a:endParaRPr b="0" lang="en-US" sz="1400" spc="-1" strike="noStrike">
-              <a:solidFill>
-                <a:srgbClr val="000000"/>
-              </a:solidFill>
-              <a:latin typeface="Arial"/>
-            </a:endParaRPr>
-          </a:p>
-        </p:txBody>
-      </p:sp>
-      <p:sp>
-        <p:nvSpPr>
-          <p:cNvPr id="6" name="PlaceHolder 2"/>
+            <a:pPr algn="ctr"/>
+            <a:endParaRPr b="0" lang="en-US" sz="4400" spc="-1" strike="noStrike">
+              <a:latin typeface="Arial"/>
+            </a:endParaRPr>
+          </a:p>
+        </p:txBody>
+      </p:sp>
+      <p:sp>
+        <p:nvSpPr>
+          <p:cNvPr id="5" name="PlaceHolder 2"/>
           <p:cNvSpPr>
             <a:spLocks noGrp="1"/>
           </p:cNvSpPr>
@@ -2208,7 +2071,7 @@
         <p:spPr>
           <a:xfrm>
             <a:off x="311760" y="1152360"/>
-            <a:ext cx="8520120" cy="3416040"/>
+            <a:ext cx="8519760" cy="3415680"/>
           </a:xfrm>
           <a:prstGeom prst="rect">
             <a:avLst/>
@@ -2219,10 +2082,7 @@
             <a:normAutofit/>
           </a:bodyPr>
           <a:p>
-            <a:endParaRPr b="0" lang="en-US" sz="1400" spc="-1" strike="noStrike">
-              <a:solidFill>
-                <a:srgbClr val="000000"/>
-              </a:solidFill>
+            <a:endParaRPr b="0" lang="en-US" sz="3200" spc="-1" strike="noStrike">
               <a:latin typeface="Arial"/>
             </a:endParaRPr>
           </a:p>
@@ -2252,7 +2112,7 @@
       </p:grpSpPr>
       <p:sp>
         <p:nvSpPr>
-          <p:cNvPr id="7" name="PlaceHolder 1"/>
+          <p:cNvPr id="6" name="PlaceHolder 1"/>
           <p:cNvSpPr>
             <a:spLocks noGrp="1"/>
           </p:cNvSpPr>
@@ -2262,8 +2122,8 @@
         </p:nvSpPr>
         <p:spPr>
           <a:xfrm>
-            <a:off x="311760" y="444960"/>
-            <a:ext cx="8520120" cy="572400"/>
+            <a:off x="311760" y="301680"/>
+            <a:ext cx="8519760" cy="858960"/>
           </a:xfrm>
           <a:prstGeom prst="rect">
             <a:avLst/>
@@ -2274,18 +2134,16 @@
             <a:spAutoFit/>
           </a:bodyPr>
           <a:p>
-            <a:endParaRPr b="0" lang="en-US" sz="1400" spc="-1" strike="noStrike">
-              <a:solidFill>
-                <a:srgbClr val="000000"/>
-              </a:solidFill>
-              <a:latin typeface="Arial"/>
-            </a:endParaRPr>
-          </a:p>
-        </p:txBody>
-      </p:sp>
-      <p:sp>
-        <p:nvSpPr>
-          <p:cNvPr id="8" name="PlaceHolder 2"/>
+            <a:pPr algn="ctr"/>
+            <a:endParaRPr b="0" lang="en-US" sz="4400" spc="-1" strike="noStrike">
+              <a:latin typeface="Arial"/>
+            </a:endParaRPr>
+          </a:p>
+        </p:txBody>
+      </p:sp>
+      <p:sp>
+        <p:nvSpPr>
+          <p:cNvPr id="7" name="PlaceHolder 2"/>
           <p:cNvSpPr>
             <a:spLocks noGrp="1"/>
           </p:cNvSpPr>
@@ -2296,7 +2154,7 @@
         <p:spPr>
           <a:xfrm>
             <a:off x="311760" y="1152360"/>
-            <a:ext cx="4157640" cy="3416040"/>
+            <a:ext cx="4157280" cy="3415680"/>
           </a:xfrm>
           <a:prstGeom prst="rect">
             <a:avLst/>
@@ -2307,18 +2165,15 @@
             <a:normAutofit/>
           </a:bodyPr>
           <a:p>
-            <a:endParaRPr b="0" lang="en-US" sz="1400" spc="-1" strike="noStrike">
-              <a:solidFill>
-                <a:srgbClr val="000000"/>
-              </a:solidFill>
-              <a:latin typeface="Arial"/>
-            </a:endParaRPr>
-          </a:p>
-        </p:txBody>
-      </p:sp>
-      <p:sp>
-        <p:nvSpPr>
-          <p:cNvPr id="9" name="PlaceHolder 3"/>
+            <a:endParaRPr b="0" lang="en-US" sz="3200" spc="-1" strike="noStrike">
+              <a:latin typeface="Arial"/>
+            </a:endParaRPr>
+          </a:p>
+        </p:txBody>
+      </p:sp>
+      <p:sp>
+        <p:nvSpPr>
+          <p:cNvPr id="8" name="PlaceHolder 3"/>
           <p:cNvSpPr>
             <a:spLocks noGrp="1"/>
           </p:cNvSpPr>
@@ -2328,8 +2183,8 @@
         </p:nvSpPr>
         <p:spPr>
           <a:xfrm>
-            <a:off x="4677840" y="1152360"/>
-            <a:ext cx="4157640" cy="3416040"/>
+            <a:off x="4677120" y="1152360"/>
+            <a:ext cx="4157280" cy="3415680"/>
           </a:xfrm>
           <a:prstGeom prst="rect">
             <a:avLst/>
@@ -2340,10 +2195,7 @@
             <a:normAutofit/>
           </a:bodyPr>
           <a:p>
-            <a:endParaRPr b="0" lang="en-US" sz="1400" spc="-1" strike="noStrike">
-              <a:solidFill>
-                <a:srgbClr val="000000"/>
-              </a:solidFill>
+            <a:endParaRPr b="0" lang="en-US" sz="3200" spc="-1" strike="noStrike">
               <a:latin typeface="Arial"/>
             </a:endParaRPr>
           </a:p>
@@ -2373,7 +2225,7 @@
       </p:grpSpPr>
       <p:sp>
         <p:nvSpPr>
-          <p:cNvPr id="10" name="PlaceHolder 1"/>
+          <p:cNvPr id="9" name="PlaceHolder 1"/>
           <p:cNvSpPr>
             <a:spLocks noGrp="1"/>
           </p:cNvSpPr>
@@ -2383,8 +2235,8 @@
         </p:nvSpPr>
         <p:spPr>
           <a:xfrm>
-            <a:off x="311760" y="444960"/>
-            <a:ext cx="8520120" cy="572400"/>
+            <a:off x="311760" y="301680"/>
+            <a:ext cx="8519760" cy="858960"/>
           </a:xfrm>
           <a:prstGeom prst="rect">
             <a:avLst/>
@@ -2395,10 +2247,8 @@
             <a:spAutoFit/>
           </a:bodyPr>
           <a:p>
-            <a:endParaRPr b="0" lang="en-US" sz="1400" spc="-1" strike="noStrike">
-              <a:solidFill>
-                <a:srgbClr val="000000"/>
-              </a:solidFill>
+            <a:pPr algn="ctr"/>
+            <a:endParaRPr b="0" lang="en-US" sz="4400" spc="-1" strike="noStrike">
               <a:latin typeface="Arial"/>
             </a:endParaRPr>
           </a:p>
@@ -2428,7 +2278,7 @@
       </p:grpSpPr>
       <p:sp>
         <p:nvSpPr>
-          <p:cNvPr id="11" name="PlaceHolder 1"/>
+          <p:cNvPr id="10" name="PlaceHolder 1"/>
           <p:cNvSpPr>
             <a:spLocks noGrp="1"/>
           </p:cNvSpPr>
@@ -2438,8 +2288,8 @@
         </p:nvSpPr>
         <p:spPr>
           <a:xfrm>
-            <a:off x="311760" y="444960"/>
-            <a:ext cx="8520120" cy="2654640"/>
+            <a:off x="311760" y="301680"/>
+            <a:ext cx="8519760" cy="3983040"/>
           </a:xfrm>
           <a:prstGeom prst="rect">
             <a:avLst/>
@@ -2481,7 +2331,7 @@
       </p:grpSpPr>
       <p:sp>
         <p:nvSpPr>
-          <p:cNvPr id="12" name="PlaceHolder 1"/>
+          <p:cNvPr id="11" name="PlaceHolder 1"/>
           <p:cNvSpPr>
             <a:spLocks noGrp="1"/>
           </p:cNvSpPr>
@@ -2491,8 +2341,8 @@
         </p:nvSpPr>
         <p:spPr>
           <a:xfrm>
-            <a:off x="311760" y="444960"/>
-            <a:ext cx="8520120" cy="572400"/>
+            <a:off x="311760" y="301680"/>
+            <a:ext cx="8519760" cy="858960"/>
           </a:xfrm>
           <a:prstGeom prst="rect">
             <a:avLst/>
@@ -2503,18 +2353,16 @@
             <a:spAutoFit/>
           </a:bodyPr>
           <a:p>
-            <a:endParaRPr b="0" lang="en-US" sz="1400" spc="-1" strike="noStrike">
-              <a:solidFill>
-                <a:srgbClr val="000000"/>
-              </a:solidFill>
-              <a:latin typeface="Arial"/>
-            </a:endParaRPr>
-          </a:p>
-        </p:txBody>
-      </p:sp>
-      <p:sp>
-        <p:nvSpPr>
-          <p:cNvPr id="13" name="PlaceHolder 2"/>
+            <a:pPr algn="ctr"/>
+            <a:endParaRPr b="0" lang="en-US" sz="4400" spc="-1" strike="noStrike">
+              <a:latin typeface="Arial"/>
+            </a:endParaRPr>
+          </a:p>
+        </p:txBody>
+      </p:sp>
+      <p:sp>
+        <p:nvSpPr>
+          <p:cNvPr id="12" name="PlaceHolder 2"/>
           <p:cNvSpPr>
             <a:spLocks noGrp="1"/>
           </p:cNvSpPr>
@@ -2525,7 +2373,7 @@
         <p:spPr>
           <a:xfrm>
             <a:off x="311760" y="1152360"/>
-            <a:ext cx="4157640" cy="1629360"/>
+            <a:ext cx="4157280" cy="1629000"/>
           </a:xfrm>
           <a:prstGeom prst="rect">
             <a:avLst/>
@@ -2536,18 +2384,15 @@
             <a:normAutofit/>
           </a:bodyPr>
           <a:p>
-            <a:endParaRPr b="0" lang="en-US" sz="1400" spc="-1" strike="noStrike">
-              <a:solidFill>
-                <a:srgbClr val="000000"/>
-              </a:solidFill>
-              <a:latin typeface="Arial"/>
-            </a:endParaRPr>
-          </a:p>
-        </p:txBody>
-      </p:sp>
-      <p:sp>
-        <p:nvSpPr>
-          <p:cNvPr id="14" name="PlaceHolder 3"/>
+            <a:endParaRPr b="0" lang="en-US" sz="3200" spc="-1" strike="noStrike">
+              <a:latin typeface="Arial"/>
+            </a:endParaRPr>
+          </a:p>
+        </p:txBody>
+      </p:sp>
+      <p:sp>
+        <p:nvSpPr>
+          <p:cNvPr id="13" name="PlaceHolder 3"/>
           <p:cNvSpPr>
             <a:spLocks noGrp="1"/>
           </p:cNvSpPr>
@@ -2557,8 +2402,8 @@
         </p:nvSpPr>
         <p:spPr>
           <a:xfrm>
-            <a:off x="4677840" y="1152360"/>
-            <a:ext cx="4157640" cy="3416040"/>
+            <a:off x="4677120" y="1152360"/>
+            <a:ext cx="4157280" cy="3415680"/>
           </a:xfrm>
           <a:prstGeom prst="rect">
             <a:avLst/>
@@ -2569,18 +2414,15 @@
             <a:normAutofit/>
           </a:bodyPr>
           <a:p>
-            <a:endParaRPr b="0" lang="en-US" sz="1400" spc="-1" strike="noStrike">
-              <a:solidFill>
-                <a:srgbClr val="000000"/>
-              </a:solidFill>
-              <a:latin typeface="Arial"/>
-            </a:endParaRPr>
-          </a:p>
-        </p:txBody>
-      </p:sp>
-      <p:sp>
-        <p:nvSpPr>
-          <p:cNvPr id="15" name="PlaceHolder 4"/>
+            <a:endParaRPr b="0" lang="en-US" sz="3200" spc="-1" strike="noStrike">
+              <a:latin typeface="Arial"/>
+            </a:endParaRPr>
+          </a:p>
+        </p:txBody>
+      </p:sp>
+      <p:sp>
+        <p:nvSpPr>
+          <p:cNvPr id="14" name="PlaceHolder 4"/>
           <p:cNvSpPr>
             <a:spLocks noGrp="1"/>
           </p:cNvSpPr>
@@ -2590,8 +2432,8 @@
         </p:nvSpPr>
         <p:spPr>
           <a:xfrm>
-            <a:off x="311760" y="2936880"/>
-            <a:ext cx="4157640" cy="1629360"/>
+            <a:off x="311760" y="2936520"/>
+            <a:ext cx="4157280" cy="1629000"/>
           </a:xfrm>
           <a:prstGeom prst="rect">
             <a:avLst/>
@@ -2602,10 +2444,7 @@
             <a:normAutofit/>
           </a:bodyPr>
           <a:p>
-            <a:endParaRPr b="0" lang="en-US" sz="1400" spc="-1" strike="noStrike">
-              <a:solidFill>
-                <a:srgbClr val="000000"/>
-              </a:solidFill>
+            <a:endParaRPr b="0" lang="en-US" sz="3200" spc="-1" strike="noStrike">
               <a:latin typeface="Arial"/>
             </a:endParaRPr>
           </a:p>
@@ -2635,7 +2474,7 @@
       </p:grpSpPr>
       <p:sp>
         <p:nvSpPr>
-          <p:cNvPr id="16" name="PlaceHolder 1"/>
+          <p:cNvPr id="15" name="PlaceHolder 1"/>
           <p:cNvSpPr>
             <a:spLocks noGrp="1"/>
           </p:cNvSpPr>
@@ -2645,8 +2484,8 @@
         </p:nvSpPr>
         <p:spPr>
           <a:xfrm>
-            <a:off x="311760" y="444960"/>
-            <a:ext cx="8520120" cy="572400"/>
+            <a:off x="311760" y="301680"/>
+            <a:ext cx="8519760" cy="858960"/>
           </a:xfrm>
           <a:prstGeom prst="rect">
             <a:avLst/>
@@ -2657,18 +2496,16 @@
             <a:spAutoFit/>
           </a:bodyPr>
           <a:p>
-            <a:endParaRPr b="0" lang="en-US" sz="1400" spc="-1" strike="noStrike">
-              <a:solidFill>
-                <a:srgbClr val="000000"/>
-              </a:solidFill>
-              <a:latin typeface="Arial"/>
-            </a:endParaRPr>
-          </a:p>
-        </p:txBody>
-      </p:sp>
-      <p:sp>
-        <p:nvSpPr>
-          <p:cNvPr id="17" name="PlaceHolder 2"/>
+            <a:pPr algn="ctr"/>
+            <a:endParaRPr b="0" lang="en-US" sz="4400" spc="-1" strike="noStrike">
+              <a:latin typeface="Arial"/>
+            </a:endParaRPr>
+          </a:p>
+        </p:txBody>
+      </p:sp>
+      <p:sp>
+        <p:nvSpPr>
+          <p:cNvPr id="16" name="PlaceHolder 2"/>
           <p:cNvSpPr>
             <a:spLocks noGrp="1"/>
           </p:cNvSpPr>
@@ -2679,7 +2516,7 @@
         <p:spPr>
           <a:xfrm>
             <a:off x="311760" y="1152360"/>
-            <a:ext cx="4157640" cy="3416040"/>
+            <a:ext cx="4157280" cy="3415680"/>
           </a:xfrm>
           <a:prstGeom prst="rect">
             <a:avLst/>
@@ -2690,18 +2527,15 @@
             <a:normAutofit/>
           </a:bodyPr>
           <a:p>
-            <a:endParaRPr b="0" lang="en-US" sz="1400" spc="-1" strike="noStrike">
-              <a:solidFill>
-                <a:srgbClr val="000000"/>
-              </a:solidFill>
-              <a:latin typeface="Arial"/>
-            </a:endParaRPr>
-          </a:p>
-        </p:txBody>
-      </p:sp>
-      <p:sp>
-        <p:nvSpPr>
-          <p:cNvPr id="18" name="PlaceHolder 3"/>
+            <a:endParaRPr b="0" lang="en-US" sz="3200" spc="-1" strike="noStrike">
+              <a:latin typeface="Arial"/>
+            </a:endParaRPr>
+          </a:p>
+        </p:txBody>
+      </p:sp>
+      <p:sp>
+        <p:nvSpPr>
+          <p:cNvPr id="17" name="PlaceHolder 3"/>
           <p:cNvSpPr>
             <a:spLocks noGrp="1"/>
           </p:cNvSpPr>
@@ -2711,8 +2545,8 @@
         </p:nvSpPr>
         <p:spPr>
           <a:xfrm>
-            <a:off x="4677840" y="1152360"/>
-            <a:ext cx="4157640" cy="1629360"/>
+            <a:off x="4677120" y="1152360"/>
+            <a:ext cx="4157280" cy="1629000"/>
           </a:xfrm>
           <a:prstGeom prst="rect">
             <a:avLst/>
@@ -2723,18 +2557,15 @@
             <a:normAutofit/>
           </a:bodyPr>
           <a:p>
-            <a:endParaRPr b="0" lang="en-US" sz="1400" spc="-1" strike="noStrike">
-              <a:solidFill>
-                <a:srgbClr val="000000"/>
-              </a:solidFill>
-              <a:latin typeface="Arial"/>
-            </a:endParaRPr>
-          </a:p>
-        </p:txBody>
-      </p:sp>
-      <p:sp>
-        <p:nvSpPr>
-          <p:cNvPr id="19" name="PlaceHolder 4"/>
+            <a:endParaRPr b="0" lang="en-US" sz="3200" spc="-1" strike="noStrike">
+              <a:latin typeface="Arial"/>
+            </a:endParaRPr>
+          </a:p>
+        </p:txBody>
+      </p:sp>
+      <p:sp>
+        <p:nvSpPr>
+          <p:cNvPr id="18" name="PlaceHolder 4"/>
           <p:cNvSpPr>
             <a:spLocks noGrp="1"/>
           </p:cNvSpPr>
@@ -2744,8 +2575,8 @@
         </p:nvSpPr>
         <p:spPr>
           <a:xfrm>
-            <a:off x="4677840" y="2936880"/>
-            <a:ext cx="4157640" cy="1629360"/>
+            <a:off x="4677120" y="2936520"/>
+            <a:ext cx="4157280" cy="1629000"/>
           </a:xfrm>
           <a:prstGeom prst="rect">
             <a:avLst/>
@@ -2756,10 +2587,7 @@
             <a:normAutofit/>
           </a:bodyPr>
           <a:p>
-            <a:endParaRPr b="0" lang="en-US" sz="1400" spc="-1" strike="noStrike">
-              <a:solidFill>
-                <a:srgbClr val="000000"/>
-              </a:solidFill>
+            <a:endParaRPr b="0" lang="en-US" sz="3200" spc="-1" strike="noStrike">
               <a:latin typeface="Arial"/>
             </a:endParaRPr>
           </a:p>
@@ -2789,7 +2617,7 @@
       </p:grpSpPr>
       <p:sp>
         <p:nvSpPr>
-          <p:cNvPr id="20" name="PlaceHolder 1"/>
+          <p:cNvPr id="19" name="PlaceHolder 1"/>
           <p:cNvSpPr>
             <a:spLocks noGrp="1"/>
           </p:cNvSpPr>
@@ -2799,8 +2627,8 @@
         </p:nvSpPr>
         <p:spPr>
           <a:xfrm>
-            <a:off x="311760" y="444960"/>
-            <a:ext cx="8520120" cy="572400"/>
+            <a:off x="311760" y="301680"/>
+            <a:ext cx="8519760" cy="858960"/>
           </a:xfrm>
           <a:prstGeom prst="rect">
             <a:avLst/>
@@ -2811,18 +2639,16 @@
             <a:spAutoFit/>
           </a:bodyPr>
           <a:p>
-            <a:endParaRPr b="0" lang="en-US" sz="1400" spc="-1" strike="noStrike">
-              <a:solidFill>
-                <a:srgbClr val="000000"/>
-              </a:solidFill>
-              <a:latin typeface="Arial"/>
-            </a:endParaRPr>
-          </a:p>
-        </p:txBody>
-      </p:sp>
-      <p:sp>
-        <p:nvSpPr>
-          <p:cNvPr id="21" name="PlaceHolder 2"/>
+            <a:pPr algn="ctr"/>
+            <a:endParaRPr b="0" lang="en-US" sz="4400" spc="-1" strike="noStrike">
+              <a:latin typeface="Arial"/>
+            </a:endParaRPr>
+          </a:p>
+        </p:txBody>
+      </p:sp>
+      <p:sp>
+        <p:nvSpPr>
+          <p:cNvPr id="20" name="PlaceHolder 2"/>
           <p:cNvSpPr>
             <a:spLocks noGrp="1"/>
           </p:cNvSpPr>
@@ -2833,7 +2659,7 @@
         <p:spPr>
           <a:xfrm>
             <a:off x="311760" y="1152360"/>
-            <a:ext cx="4157640" cy="1629360"/>
+            <a:ext cx="4157280" cy="1629000"/>
           </a:xfrm>
           <a:prstGeom prst="rect">
             <a:avLst/>
@@ -2844,18 +2670,15 @@
             <a:normAutofit/>
           </a:bodyPr>
           <a:p>
-            <a:endParaRPr b="0" lang="en-US" sz="1400" spc="-1" strike="noStrike">
-              <a:solidFill>
-                <a:srgbClr val="000000"/>
-              </a:solidFill>
-              <a:latin typeface="Arial"/>
-            </a:endParaRPr>
-          </a:p>
-        </p:txBody>
-      </p:sp>
-      <p:sp>
-        <p:nvSpPr>
-          <p:cNvPr id="22" name="PlaceHolder 3"/>
+            <a:endParaRPr b="0" lang="en-US" sz="3200" spc="-1" strike="noStrike">
+              <a:latin typeface="Arial"/>
+            </a:endParaRPr>
+          </a:p>
+        </p:txBody>
+      </p:sp>
+      <p:sp>
+        <p:nvSpPr>
+          <p:cNvPr id="21" name="PlaceHolder 3"/>
           <p:cNvSpPr>
             <a:spLocks noGrp="1"/>
           </p:cNvSpPr>
@@ -2865,8 +2688,8 @@
         </p:nvSpPr>
         <p:spPr>
           <a:xfrm>
-            <a:off x="4677840" y="1152360"/>
-            <a:ext cx="4157640" cy="1629360"/>
+            <a:off x="4677120" y="1152360"/>
+            <a:ext cx="4157280" cy="1629000"/>
           </a:xfrm>
           <a:prstGeom prst="rect">
             <a:avLst/>
@@ -2877,18 +2700,15 @@
             <a:normAutofit/>
           </a:bodyPr>
           <a:p>
-            <a:endParaRPr b="0" lang="en-US" sz="1400" spc="-1" strike="noStrike">
-              <a:solidFill>
-                <a:srgbClr val="000000"/>
-              </a:solidFill>
-              <a:latin typeface="Arial"/>
-            </a:endParaRPr>
-          </a:p>
-        </p:txBody>
-      </p:sp>
-      <p:sp>
-        <p:nvSpPr>
-          <p:cNvPr id="23" name="PlaceHolder 4"/>
+            <a:endParaRPr b="0" lang="en-US" sz="3200" spc="-1" strike="noStrike">
+              <a:latin typeface="Arial"/>
+            </a:endParaRPr>
+          </a:p>
+        </p:txBody>
+      </p:sp>
+      <p:sp>
+        <p:nvSpPr>
+          <p:cNvPr id="22" name="PlaceHolder 4"/>
           <p:cNvSpPr>
             <a:spLocks noGrp="1"/>
           </p:cNvSpPr>
@@ -2898,8 +2718,8 @@
         </p:nvSpPr>
         <p:spPr>
           <a:xfrm>
-            <a:off x="311760" y="2936880"/>
-            <a:ext cx="8520120" cy="1629360"/>
+            <a:off x="311760" y="2936520"/>
+            <a:ext cx="8519760" cy="1629000"/>
           </a:xfrm>
           <a:prstGeom prst="rect">
             <a:avLst/>
@@ -2910,10 +2730,7 @@
             <a:normAutofit/>
           </a:bodyPr>
           <a:p>
-            <a:endParaRPr b="0" lang="en-US" sz="1400" spc="-1" strike="noStrike">
-              <a:solidFill>
-                <a:srgbClr val="000000"/>
-              </a:solidFill>
+            <a:endParaRPr b="0" lang="en-US" sz="3200" spc="-1" strike="noStrike">
               <a:latin typeface="Arial"/>
             </a:endParaRPr>
           </a:p>
@@ -2960,31 +2777,25 @@
         </p:nvSpPr>
         <p:spPr>
           <a:xfrm>
-            <a:off x="311760" y="744480"/>
-            <a:ext cx="8520120" cy="2052360"/>
-          </a:xfrm>
-          <a:prstGeom prst="rect">
-            <a:avLst/>
-          </a:prstGeom>
-        </p:spPr>
-        <p:txBody>
-          <a:bodyPr tIns="91440" bIns="91440" anchor="b">
-            <a:noAutofit/>
-          </a:bodyPr>
-          <a:p>
-            <a:r>
-              <a:rPr b="0" lang="en-US" sz="5200" spc="-1" strike="noStrike">
-                <a:solidFill>
-                  <a:srgbClr val="000000"/>
-                </a:solidFill>
+            <a:off x="311760" y="301680"/>
+            <a:ext cx="8519760" cy="858960"/>
+          </a:xfrm>
+          <a:prstGeom prst="rect">
+            <a:avLst/>
+          </a:prstGeom>
+        </p:spPr>
+        <p:txBody>
+          <a:bodyPr lIns="0" rIns="0" tIns="0" bIns="0" anchor="ctr">
+            <a:spAutoFit/>
+          </a:bodyPr>
+          <a:p>
+            <a:r>
+              <a:rPr b="0" lang="en-US" sz="1800" spc="-1" strike="noStrike">
                 <a:latin typeface="Arial"/>
               </a:rPr>
               <a:t>Click to edit the title text format</a:t>
             </a:r>
-            <a:endParaRPr b="0" lang="en-US" sz="5200" spc="-1" strike="noStrike">
-              <a:solidFill>
-                <a:srgbClr val="000000"/>
-              </a:solidFill>
+            <a:endParaRPr b="0" lang="en-US" sz="1800" spc="-1" strike="noStrike">
               <a:latin typeface="Arial"/>
             </a:endParaRPr>
           </a:p>
@@ -2993,51 +2804,6 @@
       <p:sp>
         <p:nvSpPr>
           <p:cNvPr id="1" name="PlaceHolder 2"/>
-          <p:cNvSpPr>
-            <a:spLocks noGrp="1"/>
-          </p:cNvSpPr>
-          <p:nvPr>
-            <p:ph type="sldNum"/>
-          </p:nvPr>
-        </p:nvSpPr>
-        <p:spPr>
-          <a:xfrm>
-            <a:off x="8472600" y="4663080"/>
-            <a:ext cx="548280" cy="393120"/>
-          </a:xfrm>
-          <a:prstGeom prst="rect">
-            <a:avLst/>
-          </a:prstGeom>
-        </p:spPr>
-        <p:txBody>
-          <a:bodyPr tIns="91440" bIns="91440" anchor="ctr">
-            <a:noAutofit/>
-          </a:bodyPr>
-          <a:p>
-            <a:pPr algn="r">
-              <a:lnSpc>
-                <a:spcPct val="100000"/>
-              </a:lnSpc>
-            </a:pPr>
-            <a:fld id="{276682E1-72AB-4577-9A3B-04EB323ED7F2}" type="slidenum">
-              <a:rPr b="0" lang="en-US" sz="1000" spc="-1" strike="noStrike">
-                <a:solidFill>
-                  <a:srgbClr val="595959"/>
-                </a:solidFill>
-                <a:latin typeface="Arial"/>
-                <a:ea typeface="Arial"/>
-              </a:rPr>
-              <a:t>&lt;number&gt;</a:t>
-            </a:fld>
-            <a:endParaRPr b="0" lang="en-US" sz="1000" spc="-1" strike="noStrike">
-              <a:latin typeface="Times New Roman"/>
-            </a:endParaRPr>
-          </a:p>
-        </p:txBody>
-      </p:sp>
-      <p:sp>
-        <p:nvSpPr>
-          <p:cNvPr id="2" name="PlaceHolder 3"/>
           <p:cNvSpPr>
             <a:spLocks noGrp="1"/>
           </p:cNvSpPr>
@@ -3071,18 +2837,12 @@
               <a:buChar char=""/>
             </a:pPr>
             <a:r>
-              <a:rPr b="0" lang="en-US" sz="1400" spc="-1" strike="noStrike">
-                <a:solidFill>
-                  <a:srgbClr val="000000"/>
-                </a:solidFill>
+              <a:rPr b="0" lang="en-US" sz="3200" spc="-1" strike="noStrike">
                 <a:latin typeface="Arial"/>
               </a:rPr>
               <a:t>Click to edit the outline text format</a:t>
             </a:r>
-            <a:endParaRPr b="0" lang="en-US" sz="1400" spc="-1" strike="noStrike">
-              <a:solidFill>
-                <a:srgbClr val="000000"/>
-              </a:solidFill>
+            <a:endParaRPr b="0" lang="en-US" sz="3200" spc="-1" strike="noStrike">
               <a:latin typeface="Arial"/>
             </a:endParaRPr>
           </a:p>
@@ -3099,18 +2859,12 @@
               <a:buChar char=""/>
             </a:pPr>
             <a:r>
-              <a:rPr b="0" lang="en-US" sz="1400" spc="-1" strike="noStrike">
-                <a:solidFill>
-                  <a:srgbClr val="000000"/>
-                </a:solidFill>
+              <a:rPr b="0" lang="en-US" sz="2800" spc="-1" strike="noStrike">
                 <a:latin typeface="Arial"/>
               </a:rPr>
               <a:t>Second Outline Level</a:t>
             </a:r>
-            <a:endParaRPr b="0" lang="en-US" sz="1400" spc="-1" strike="noStrike">
-              <a:solidFill>
-                <a:srgbClr val="000000"/>
-              </a:solidFill>
+            <a:endParaRPr b="0" lang="en-US" sz="2800" spc="-1" strike="noStrike">
               <a:latin typeface="Arial"/>
             </a:endParaRPr>
           </a:p>
@@ -3127,18 +2881,12 @@
               <a:buChar char=""/>
             </a:pPr>
             <a:r>
-              <a:rPr b="0" lang="en-US" sz="1400" spc="-1" strike="noStrike">
-                <a:solidFill>
-                  <a:srgbClr val="000000"/>
-                </a:solidFill>
+              <a:rPr b="0" lang="en-US" sz="2400" spc="-1" strike="noStrike">
                 <a:latin typeface="Arial"/>
               </a:rPr>
               <a:t>Third Outline Level</a:t>
             </a:r>
-            <a:endParaRPr b="0" lang="en-US" sz="1400" spc="-1" strike="noStrike">
-              <a:solidFill>
-                <a:srgbClr val="000000"/>
-              </a:solidFill>
+            <a:endParaRPr b="0" lang="en-US" sz="2400" spc="-1" strike="noStrike">
               <a:latin typeface="Arial"/>
             </a:endParaRPr>
           </a:p>
@@ -3155,18 +2903,12 @@
               <a:buChar char=""/>
             </a:pPr>
             <a:r>
-              <a:rPr b="0" lang="en-US" sz="1400" spc="-1" strike="noStrike">
-                <a:solidFill>
-                  <a:srgbClr val="000000"/>
-                </a:solidFill>
+              <a:rPr b="0" lang="en-US" sz="2000" spc="-1" strike="noStrike">
                 <a:latin typeface="Arial"/>
               </a:rPr>
               <a:t>Fourth Outline Level</a:t>
             </a:r>
-            <a:endParaRPr b="0" lang="en-US" sz="1400" spc="-1" strike="noStrike">
-              <a:solidFill>
-                <a:srgbClr val="000000"/>
-              </a:solidFill>
+            <a:endParaRPr b="0" lang="en-US" sz="2000" spc="-1" strike="noStrike">
               <a:latin typeface="Arial"/>
             </a:endParaRPr>
           </a:p>
@@ -3184,17 +2926,11 @@
             </a:pPr>
             <a:r>
               <a:rPr b="0" lang="en-US" sz="2000" spc="-1" strike="noStrike">
-                <a:solidFill>
-                  <a:srgbClr val="000000"/>
-                </a:solidFill>
                 <a:latin typeface="Arial"/>
               </a:rPr>
               <a:t>Fifth Outline Level</a:t>
             </a:r>
             <a:endParaRPr b="0" lang="en-US" sz="2000" spc="-1" strike="noStrike">
-              <a:solidFill>
-                <a:srgbClr val="000000"/>
-              </a:solidFill>
               <a:latin typeface="Arial"/>
             </a:endParaRPr>
           </a:p>
@@ -3212,17 +2948,11 @@
             </a:pPr>
             <a:r>
               <a:rPr b="0" lang="en-US" sz="2000" spc="-1" strike="noStrike">
-                <a:solidFill>
-                  <a:srgbClr val="000000"/>
-                </a:solidFill>
                 <a:latin typeface="Arial"/>
               </a:rPr>
               <a:t>Sixth Outline Level</a:t>
             </a:r>
             <a:endParaRPr b="0" lang="en-US" sz="2000" spc="-1" strike="noStrike">
-              <a:solidFill>
-                <a:srgbClr val="000000"/>
-              </a:solidFill>
               <a:latin typeface="Arial"/>
             </a:endParaRPr>
           </a:p>
@@ -3240,17 +2970,11 @@
             </a:pPr>
             <a:r>
               <a:rPr b="0" lang="en-US" sz="2000" spc="-1" strike="noStrike">
-                <a:solidFill>
-                  <a:srgbClr val="000000"/>
-                </a:solidFill>
                 <a:latin typeface="Arial"/>
               </a:rPr>
               <a:t>Seventh Outline Level</a:t>
             </a:r>
             <a:endParaRPr b="0" lang="en-US" sz="2000" spc="-1" strike="noStrike">
-              <a:solidFill>
-                <a:srgbClr val="000000"/>
-              </a:solidFill>
               <a:latin typeface="Arial"/>
             </a:endParaRPr>
           </a:p>
@@ -3302,7 +3026,7 @@
       </p:grpSpPr>
       <p:sp>
         <p:nvSpPr>
-          <p:cNvPr id="39" name="PlaceHolder 1"/>
+          <p:cNvPr id="38" name="PlaceHolder 1"/>
           <p:cNvSpPr>
             <a:spLocks noGrp="1"/>
           </p:cNvSpPr>
@@ -3312,39 +3036,33 @@
         </p:nvSpPr>
         <p:spPr>
           <a:xfrm>
-            <a:off x="311760" y="444960"/>
-            <a:ext cx="8520120" cy="572400"/>
-          </a:xfrm>
-          <a:prstGeom prst="rect">
-            <a:avLst/>
-          </a:prstGeom>
-        </p:spPr>
-        <p:txBody>
-          <a:bodyPr tIns="91440" bIns="91440">
-            <a:noAutofit/>
-          </a:bodyPr>
-          <a:p>
-            <a:r>
-              <a:rPr b="0" lang="en-US" sz="2800" spc="-1" strike="noStrike">
-                <a:solidFill>
-                  <a:srgbClr val="000000"/>
-                </a:solidFill>
+            <a:off x="311760" y="301680"/>
+            <a:ext cx="8519760" cy="858960"/>
+          </a:xfrm>
+          <a:prstGeom prst="rect">
+            <a:avLst/>
+          </a:prstGeom>
+        </p:spPr>
+        <p:txBody>
+          <a:bodyPr lIns="0" rIns="0" tIns="0" bIns="0" anchor="ctr">
+            <a:spAutoFit/>
+          </a:bodyPr>
+          <a:p>
+            <a:r>
+              <a:rPr b="0" lang="en-US" sz="1800" spc="-1" strike="noStrike">
                 <a:latin typeface="Arial"/>
               </a:rPr>
               <a:t>Click to edit the title text format</a:t>
             </a:r>
-            <a:endParaRPr b="0" lang="en-US" sz="2800" spc="-1" strike="noStrike">
-              <a:solidFill>
-                <a:srgbClr val="000000"/>
-              </a:solidFill>
-              <a:latin typeface="Arial"/>
-            </a:endParaRPr>
-          </a:p>
-        </p:txBody>
-      </p:sp>
-      <p:sp>
-        <p:nvSpPr>
-          <p:cNvPr id="40" name="PlaceHolder 2"/>
+            <a:endParaRPr b="0" lang="en-US" sz="1800" spc="-1" strike="noStrike">
+              <a:latin typeface="Arial"/>
+            </a:endParaRPr>
+          </a:p>
+        </p:txBody>
+      </p:sp>
+      <p:sp>
+        <p:nvSpPr>
+          <p:cNvPr id="39" name="PlaceHolder 2"/>
           <p:cNvSpPr>
             <a:spLocks noGrp="1"/>
           </p:cNvSpPr>
@@ -3355,15 +3073,15 @@
         <p:spPr>
           <a:xfrm>
             <a:off x="311760" y="1152360"/>
-            <a:ext cx="8520120" cy="3416040"/>
-          </a:xfrm>
-          <a:prstGeom prst="rect">
-            <a:avLst/>
-          </a:prstGeom>
-        </p:spPr>
-        <p:txBody>
-          <a:bodyPr tIns="91440" bIns="91440">
-            <a:noAutofit/>
+            <a:ext cx="8519760" cy="3415680"/>
+          </a:xfrm>
+          <a:prstGeom prst="rect">
+            <a:avLst/>
+          </a:prstGeom>
+        </p:spPr>
+        <p:txBody>
+          <a:bodyPr lIns="0" rIns="0" tIns="0" bIns="0">
+            <a:normAutofit/>
           </a:bodyPr>
           <a:p>
             <a:pPr marL="432000" indent="-324000">
@@ -3379,17 +3097,11 @@
             </a:pPr>
             <a:r>
               <a:rPr b="0" lang="en-US" sz="1800" spc="-1" strike="noStrike">
-                <a:solidFill>
-                  <a:srgbClr val="000000"/>
-                </a:solidFill>
                 <a:latin typeface="Arial"/>
               </a:rPr>
               <a:t>Click to edit the outline text format</a:t>
             </a:r>
             <a:endParaRPr b="0" lang="en-US" sz="1800" spc="-1" strike="noStrike">
-              <a:solidFill>
-                <a:srgbClr val="000000"/>
-              </a:solidFill>
               <a:latin typeface="Arial"/>
             </a:endParaRPr>
           </a:p>
@@ -3407,17 +3119,11 @@
             </a:pPr>
             <a:r>
               <a:rPr b="0" lang="en-US" sz="1800" spc="-1" strike="noStrike">
-                <a:solidFill>
-                  <a:srgbClr val="000000"/>
-                </a:solidFill>
                 <a:latin typeface="Arial"/>
               </a:rPr>
               <a:t>Second Outline Level</a:t>
             </a:r>
             <a:endParaRPr b="0" lang="en-US" sz="1800" spc="-1" strike="noStrike">
-              <a:solidFill>
-                <a:srgbClr val="000000"/>
-              </a:solidFill>
               <a:latin typeface="Arial"/>
             </a:endParaRPr>
           </a:p>
@@ -3435,17 +3141,11 @@
             </a:pPr>
             <a:r>
               <a:rPr b="0" lang="en-US" sz="1800" spc="-1" strike="noStrike">
-                <a:solidFill>
-                  <a:srgbClr val="000000"/>
-                </a:solidFill>
                 <a:latin typeface="Arial"/>
               </a:rPr>
               <a:t>Third Outline Level</a:t>
             </a:r>
             <a:endParaRPr b="0" lang="en-US" sz="1800" spc="-1" strike="noStrike">
-              <a:solidFill>
-                <a:srgbClr val="000000"/>
-              </a:solidFill>
               <a:latin typeface="Arial"/>
             </a:endParaRPr>
           </a:p>
@@ -3463,17 +3163,11 @@
             </a:pPr>
             <a:r>
               <a:rPr b="0" lang="en-US" sz="1800" spc="-1" strike="noStrike">
-                <a:solidFill>
-                  <a:srgbClr val="000000"/>
-                </a:solidFill>
                 <a:latin typeface="Arial"/>
               </a:rPr>
               <a:t>Fourth Outline Level</a:t>
             </a:r>
             <a:endParaRPr b="0" lang="en-US" sz="1800" spc="-1" strike="noStrike">
-              <a:solidFill>
-                <a:srgbClr val="000000"/>
-              </a:solidFill>
               <a:latin typeface="Arial"/>
             </a:endParaRPr>
           </a:p>
@@ -3491,17 +3185,11 @@
             </a:pPr>
             <a:r>
               <a:rPr b="0" lang="en-US" sz="1800" spc="-1" strike="noStrike">
-                <a:solidFill>
-                  <a:srgbClr val="000000"/>
-                </a:solidFill>
                 <a:latin typeface="Arial"/>
               </a:rPr>
               <a:t>Fifth Outline Level</a:t>
             </a:r>
             <a:endParaRPr b="0" lang="en-US" sz="1800" spc="-1" strike="noStrike">
-              <a:solidFill>
-                <a:srgbClr val="000000"/>
-              </a:solidFill>
               <a:latin typeface="Arial"/>
             </a:endParaRPr>
           </a:p>
@@ -3519,17 +3207,11 @@
             </a:pPr>
             <a:r>
               <a:rPr b="0" lang="en-US" sz="1800" spc="-1" strike="noStrike">
-                <a:solidFill>
-                  <a:srgbClr val="000000"/>
-                </a:solidFill>
                 <a:latin typeface="Arial"/>
               </a:rPr>
               <a:t>Sixth Outline Level</a:t>
             </a:r>
             <a:endParaRPr b="0" lang="en-US" sz="1800" spc="-1" strike="noStrike">
-              <a:solidFill>
-                <a:srgbClr val="000000"/>
-              </a:solidFill>
               <a:latin typeface="Arial"/>
             </a:endParaRPr>
           </a:p>
@@ -3547,63 +3229,12 @@
             </a:pPr>
             <a:r>
               <a:rPr b="0" lang="en-US" sz="1800" spc="-1" strike="noStrike">
-                <a:solidFill>
-                  <a:srgbClr val="000000"/>
-                </a:solidFill>
                 <a:latin typeface="Arial"/>
               </a:rPr>
               <a:t>Seventh Outline Level</a:t>
             </a:r>
             <a:endParaRPr b="0" lang="en-US" sz="1800" spc="-1" strike="noStrike">
-              <a:solidFill>
-                <a:srgbClr val="000000"/>
-              </a:solidFill>
-              <a:latin typeface="Arial"/>
-            </a:endParaRPr>
-          </a:p>
-        </p:txBody>
-      </p:sp>
-      <p:sp>
-        <p:nvSpPr>
-          <p:cNvPr id="41" name="PlaceHolder 3"/>
-          <p:cNvSpPr>
-            <a:spLocks noGrp="1"/>
-          </p:cNvSpPr>
-          <p:nvPr>
-            <p:ph type="sldNum"/>
-          </p:nvPr>
-        </p:nvSpPr>
-        <p:spPr>
-          <a:xfrm>
-            <a:off x="8472600" y="4663080"/>
-            <a:ext cx="548280" cy="393120"/>
-          </a:xfrm>
-          <a:prstGeom prst="rect">
-            <a:avLst/>
-          </a:prstGeom>
-        </p:spPr>
-        <p:txBody>
-          <a:bodyPr tIns="91440" bIns="91440" anchor="ctr">
-            <a:noAutofit/>
-          </a:bodyPr>
-          <a:p>
-            <a:pPr algn="r">
-              <a:lnSpc>
-                <a:spcPct val="100000"/>
-              </a:lnSpc>
-            </a:pPr>
-            <a:fld id="{D6776ECE-E971-4CB6-BF8E-0605FE3D4A3F}" type="slidenum">
-              <a:rPr b="0" lang="en-US" sz="1000" spc="-1" strike="noStrike">
-                <a:solidFill>
-                  <a:srgbClr val="595959"/>
-                </a:solidFill>
-                <a:latin typeface="Arial"/>
-                <a:ea typeface="Arial"/>
-              </a:rPr>
-              <a:t>&lt;number&gt;</a:t>
-            </a:fld>
-            <a:endParaRPr b="0" lang="en-US" sz="1000" spc="-1" strike="noStrike">
-              <a:latin typeface="Times New Roman"/>
+              <a:latin typeface="Arial"/>
             </a:endParaRPr>
           </a:p>
         </p:txBody>
@@ -3654,14 +3285,14 @@
       </p:grpSpPr>
       <p:sp>
         <p:nvSpPr>
-          <p:cNvPr id="78" name="TextShape 1"/>
-          <p:cNvSpPr txBox="1"/>
+          <p:cNvPr id="76" name="CustomShape 1"/>
+          <p:cNvSpPr/>
           <p:nvPr/>
         </p:nvSpPr>
         <p:spPr>
           <a:xfrm>
             <a:off x="311760" y="744480"/>
-            <a:ext cx="8520120" cy="2052360"/>
+            <a:ext cx="8519760" cy="2052000"/>
           </a:xfrm>
           <a:prstGeom prst="rect">
             <a:avLst/>
@@ -3671,8 +3302,14 @@
             <a:noFill/>
           </a:ln>
         </p:spPr>
-        <p:txBody>
-          <a:bodyPr tIns="91440" bIns="91440" anchor="b">
+        <p:style>
+          <a:lnRef idx="0"/>
+          <a:fillRef idx="0"/>
+          <a:effectRef idx="0"/>
+          <a:fontRef idx="minor"/>
+        </p:style>
+        <p:txBody>
+          <a:bodyPr lIns="90000" rIns="90000" tIns="91440" bIns="91440" anchor="b">
             <a:noAutofit/>
           </a:bodyPr>
           <a:p>
@@ -3712,24 +3349,21 @@
               <a:t>Lie</a:t>
             </a:r>
             <a:endParaRPr b="0" lang="en-US" sz="8000" spc="-1" strike="noStrike">
-              <a:solidFill>
-                <a:srgbClr val="000000"/>
-              </a:solidFill>
-              <a:latin typeface="Lacquer"/>
-            </a:endParaRPr>
-          </a:p>
-        </p:txBody>
-      </p:sp>
-      <p:sp>
-        <p:nvSpPr>
-          <p:cNvPr id="79" name="TextShape 2"/>
-          <p:cNvSpPr txBox="1"/>
+              <a:latin typeface="Arial"/>
+            </a:endParaRPr>
+          </a:p>
+        </p:txBody>
+      </p:sp>
+      <p:sp>
+        <p:nvSpPr>
+          <p:cNvPr id="77" name="CustomShape 2"/>
+          <p:cNvSpPr/>
           <p:nvPr/>
         </p:nvSpPr>
         <p:spPr>
           <a:xfrm>
             <a:off x="311760" y="2834280"/>
-            <a:ext cx="8520120" cy="792360"/>
+            <a:ext cx="8519760" cy="792000"/>
           </a:xfrm>
           <a:prstGeom prst="rect">
             <a:avLst/>
@@ -3739,8 +3373,14 @@
             <a:noFill/>
           </a:ln>
         </p:spPr>
-        <p:txBody>
-          <a:bodyPr tIns="91440" bIns="91440">
+        <p:style>
+          <a:lnRef idx="0"/>
+          <a:fillRef idx="0"/>
+          <a:effectRef idx="0"/>
+          <a:fontRef idx="minor"/>
+        </p:style>
+        <p:txBody>
+          <a:bodyPr lIns="90000" rIns="90000" tIns="91440" bIns="91440">
             <a:noAutofit/>
           </a:bodyPr>
           <a:p>
@@ -3760,9 +3400,6 @@
               <a:t>A DeltaV 201d4 Presentation by the Jacaja Group</a:t>
             </a:r>
             <a:endParaRPr b="0" lang="en-US" sz="2800" spc="-1" strike="noStrike">
-              <a:solidFill>
-                <a:srgbClr val="eeeeee"/>
-              </a:solidFill>
               <a:latin typeface="Arial"/>
             </a:endParaRPr>
           </a:p>
@@ -3807,14 +3444,14 @@
       </p:grpSpPr>
       <p:sp>
         <p:nvSpPr>
-          <p:cNvPr id="98" name="TextShape 1"/>
-          <p:cNvSpPr txBox="1"/>
+          <p:cNvPr id="95" name="CustomShape 1"/>
+          <p:cNvSpPr/>
           <p:nvPr/>
         </p:nvSpPr>
         <p:spPr>
           <a:xfrm>
             <a:off x="311760" y="444960"/>
-            <a:ext cx="8520120" cy="572400"/>
+            <a:ext cx="8519760" cy="572040"/>
           </a:xfrm>
           <a:prstGeom prst="rect">
             <a:avLst/>
@@ -3824,8 +3461,14 @@
             <a:noFill/>
           </a:ln>
         </p:spPr>
-        <p:txBody>
-          <a:bodyPr tIns="91440" bIns="91440">
+        <p:style>
+          <a:lnRef idx="0"/>
+          <a:fillRef idx="0"/>
+          <a:effectRef idx="0"/>
+          <a:fontRef idx="minor"/>
+        </p:style>
+        <p:txBody>
+          <a:bodyPr lIns="90000" rIns="90000" tIns="91440" bIns="91440">
             <a:noAutofit/>
           </a:bodyPr>
           <a:p>
@@ -3842,27 +3485,24 @@
                 <a:latin typeface="Lacquer"/>
                 <a:ea typeface="Arial"/>
               </a:rPr>
-              <a:t>Beginning of construction</a:t>
+              <a:t>Planning - Domain Model</a:t>
             </a:r>
             <a:endParaRPr b="0" lang="en-US" sz="2800" spc="-1" strike="noStrike">
-              <a:solidFill>
-                <a:srgbClr val="01ffc3"/>
-              </a:solidFill>
-              <a:latin typeface="Lacquer"/>
-            </a:endParaRPr>
-          </a:p>
-        </p:txBody>
-      </p:sp>
-      <p:sp>
-        <p:nvSpPr>
-          <p:cNvPr id="99" name="TextShape 2"/>
-          <p:cNvSpPr txBox="1"/>
+              <a:latin typeface="Arial"/>
+            </a:endParaRPr>
+          </a:p>
+        </p:txBody>
+      </p:sp>
+      <p:sp>
+        <p:nvSpPr>
+          <p:cNvPr id="96" name="CustomShape 2"/>
+          <p:cNvSpPr/>
           <p:nvPr/>
         </p:nvSpPr>
         <p:spPr>
           <a:xfrm>
             <a:off x="311760" y="1152360"/>
-            <a:ext cx="8520120" cy="3416040"/>
+            <a:ext cx="8519760" cy="3415680"/>
           </a:xfrm>
           <a:prstGeom prst="rect">
             <a:avLst/>
@@ -3872,8 +3512,14 @@
             <a:noFill/>
           </a:ln>
         </p:spPr>
-        <p:txBody>
-          <a:bodyPr tIns="91440" bIns="91440">
+        <p:style>
+          <a:lnRef idx="0"/>
+          <a:fillRef idx="0"/>
+          <a:effectRef idx="0"/>
+          <a:fontRef idx="minor"/>
+        </p:style>
+        <p:txBody>
+          <a:bodyPr lIns="90000" rIns="90000" tIns="91440" bIns="91440">
             <a:noAutofit/>
           </a:bodyPr>
           <a:p>
@@ -3881,29 +3527,62 @@
               <a:lnSpc>
                 <a:spcPct val="115000"/>
               </a:lnSpc>
+            </a:pPr>
+            <a:r>
+              <a:rPr b="0" lang="en-US" sz="1800" spc="-1" strike="noStrike">
+                <a:solidFill>
+                  <a:srgbClr val="eeeeee"/>
+                </a:solidFill>
+                <a:latin typeface="Arial"/>
+                <a:ea typeface="Arial"/>
+              </a:rPr>
+              <a:t>After we had the wireframes made, we worked on the domain model.</a:t>
+            </a:r>
+            <a:endParaRPr b="0" lang="en-US" sz="1800" spc="-1" strike="noStrike">
+              <a:latin typeface="Arial"/>
+            </a:endParaRPr>
+          </a:p>
+          <a:p>
+            <a:pPr>
+              <a:lnSpc>
+                <a:spcPct val="115000"/>
+              </a:lnSpc>
+              <a:spcBef>
+                <a:spcPts val="1599"/>
+              </a:spcBef>
               <a:spcAft>
                 <a:spcPts val="1599"/>
               </a:spcAft>
             </a:pPr>
-            <a:r>
-              <a:rPr b="0" lang="en-US" sz="1800" spc="-1" strike="noStrike">
-                <a:solidFill>
-                  <a:srgbClr val="eeeeee"/>
-                </a:solidFill>
-                <a:latin typeface="Arial"/>
-                <a:ea typeface="Arial"/>
-              </a:rPr>
-              <a:t>On the first day of development, we got the basics of all the pages done (mostly without style still), and then spent a decent amount of the end of the day discussing how we were going to implement the “scene” objects.</a:t>
-            </a:r>
             <a:endParaRPr b="0" lang="en-US" sz="1800" spc="-1" strike="noStrike">
-              <a:solidFill>
-                <a:srgbClr val="eeeeee"/>
-              </a:solidFill>
-              <a:latin typeface="Arial"/>
-            </a:endParaRPr>
-          </a:p>
-        </p:txBody>
-      </p:sp>
+              <a:latin typeface="Arial"/>
+            </a:endParaRPr>
+          </a:p>
+        </p:txBody>
+      </p:sp>
+      <p:pic>
+        <p:nvPicPr>
+          <p:cNvPr id="97" name="Google Shape;105;p21" descr=""/>
+          <p:cNvPicPr/>
+          <p:nvPr/>
+        </p:nvPicPr>
+        <p:blipFill>
+          <a:blip r:embed="rId1"/>
+          <a:stretch/>
+        </p:blipFill>
+        <p:spPr>
+          <a:xfrm>
+            <a:off x="1787040" y="1581840"/>
+            <a:ext cx="4644000" cy="3482640"/>
+          </a:xfrm>
+          <a:prstGeom prst="rect">
+            <a:avLst/>
+          </a:prstGeom>
+          <a:ln>
+            <a:noFill/>
+          </a:ln>
+        </p:spPr>
+      </p:pic>
     </p:spTree>
   </p:cSld>
   <mc:AlternateContent>
@@ -3943,14 +3622,14 @@
       </p:grpSpPr>
       <p:sp>
         <p:nvSpPr>
-          <p:cNvPr id="100" name="TextShape 1"/>
-          <p:cNvSpPr txBox="1"/>
+          <p:cNvPr id="98" name="CustomShape 1"/>
+          <p:cNvSpPr/>
           <p:nvPr/>
         </p:nvSpPr>
         <p:spPr>
           <a:xfrm>
             <a:off x="311760" y="444960"/>
-            <a:ext cx="8520120" cy="572400"/>
+            <a:ext cx="8519760" cy="572040"/>
           </a:xfrm>
           <a:prstGeom prst="rect">
             <a:avLst/>
@@ -3960,8 +3639,14 @@
             <a:noFill/>
           </a:ln>
         </p:spPr>
-        <p:txBody>
-          <a:bodyPr tIns="91440" bIns="91440">
+        <p:style>
+          <a:lnRef idx="0"/>
+          <a:fillRef idx="0"/>
+          <a:effectRef idx="0"/>
+          <a:fontRef idx="minor"/>
+        </p:style>
+        <p:txBody>
+          <a:bodyPr lIns="90000" rIns="90000" tIns="91440" bIns="91440">
             <a:noAutofit/>
           </a:bodyPr>
           <a:p>
@@ -3978,27 +3663,24 @@
                 <a:latin typeface="Lacquer"/>
                 <a:ea typeface="Arial"/>
               </a:rPr>
-              <a:t>MVP</a:t>
+              <a:t>Beginning of construction</a:t>
             </a:r>
             <a:endParaRPr b="0" lang="en-US" sz="2800" spc="-1" strike="noStrike">
-              <a:solidFill>
-                <a:srgbClr val="01ffc3"/>
-              </a:solidFill>
-              <a:latin typeface="Lacquer"/>
-            </a:endParaRPr>
-          </a:p>
-        </p:txBody>
-      </p:sp>
-      <p:sp>
-        <p:nvSpPr>
-          <p:cNvPr id="101" name="TextShape 2"/>
-          <p:cNvSpPr txBox="1"/>
+              <a:latin typeface="Arial"/>
+            </a:endParaRPr>
+          </a:p>
+        </p:txBody>
+      </p:sp>
+      <p:sp>
+        <p:nvSpPr>
+          <p:cNvPr id="99" name="CustomShape 2"/>
+          <p:cNvSpPr/>
           <p:nvPr/>
         </p:nvSpPr>
         <p:spPr>
           <a:xfrm>
             <a:off x="311760" y="1152360"/>
-            <a:ext cx="8520120" cy="3416040"/>
+            <a:ext cx="8519760" cy="3415680"/>
           </a:xfrm>
           <a:prstGeom prst="rect">
             <a:avLst/>
@@ -4008,8 +3690,14 @@
             <a:noFill/>
           </a:ln>
         </p:spPr>
-        <p:txBody>
-          <a:bodyPr tIns="91440" bIns="91440">
+        <p:style>
+          <a:lnRef idx="0"/>
+          <a:fillRef idx="0"/>
+          <a:effectRef idx="0"/>
+          <a:fontRef idx="minor"/>
+        </p:style>
+        <p:txBody>
+          <a:bodyPr lIns="90000" rIns="90000" tIns="91440" bIns="91440">
             <a:noAutofit/>
           </a:bodyPr>
           <a:p>
@@ -4029,12 +3717,9 @@
                 <a:latin typeface="Arial"/>
                 <a:ea typeface="Arial"/>
               </a:rPr>
-              <a:t>On the second day, we created a “scene” JavaScript file, added a really basic story to test the scene functionality, and then spent a lot of the day styling the pages.</a:t>
+              <a:t>On the first day of development, we got the basics of all the pages done (mostly without style still), and then spent a decent amount of the end of the day discussing how we were going to implement the “scene” objects.</a:t>
             </a:r>
             <a:endParaRPr b="0" lang="en-US" sz="1800" spc="-1" strike="noStrike">
-              <a:solidFill>
-                <a:srgbClr val="eeeeee"/>
-              </a:solidFill>
               <a:latin typeface="Arial"/>
             </a:endParaRPr>
           </a:p>
@@ -4079,129 +3764,14 @@
       </p:grpSpPr>
       <p:sp>
         <p:nvSpPr>
-          <p:cNvPr id="102" name="TextShape 1"/>
-          <p:cNvSpPr txBox="1"/>
-          <p:nvPr/>
-        </p:nvSpPr>
-        <p:spPr>
-          <a:xfrm>
-            <a:off x="311760" y="444960"/>
-            <a:ext cx="8520120" cy="572400"/>
-          </a:xfrm>
-          <a:prstGeom prst="rect">
-            <a:avLst/>
-          </a:prstGeom>
-          <a:noFill/>
-          <a:ln>
-            <a:noFill/>
-          </a:ln>
-        </p:spPr>
-        <p:txBody>
-          <a:bodyPr tIns="91440" bIns="91440">
-            <a:noAutofit/>
-          </a:bodyPr>
-          <a:p>
-            <a:pPr>
-              <a:lnSpc>
-                <a:spcPct val="100000"/>
-              </a:lnSpc>
-            </a:pPr>
-            <a:r>
-              <a:rPr b="0" lang="en-US" sz="2800" spc="-1" strike="noStrike">
-                <a:solidFill>
-                  <a:srgbClr val="01ffc3"/>
-                </a:solidFill>
-                <a:latin typeface="Lacquer"/>
-                <a:ea typeface="Arial"/>
-              </a:rPr>
-              <a:t>Scene JS</a:t>
-            </a:r>
-            <a:endParaRPr b="0" lang="en-US" sz="2800" spc="-1" strike="noStrike">
-              <a:solidFill>
-                <a:srgbClr val="01ffc3"/>
-              </a:solidFill>
-              <a:latin typeface="Lacquer"/>
-            </a:endParaRPr>
-          </a:p>
-        </p:txBody>
-      </p:sp>
-      <p:sp>
-        <p:nvSpPr>
-          <p:cNvPr id="103" name="TextShape 2"/>
-          <p:cNvSpPr txBox="1"/>
-          <p:nvPr/>
-        </p:nvSpPr>
-        <p:spPr>
-          <a:xfrm>
-            <a:off x="311760" y="1152360"/>
-            <a:ext cx="3738240" cy="3416040"/>
-          </a:xfrm>
-          <a:prstGeom prst="rect">
-            <a:avLst/>
-          </a:prstGeom>
-          <a:noFill/>
-          <a:ln>
-            <a:noFill/>
-          </a:ln>
-        </p:spPr>
-        <p:txBody>
-          <a:bodyPr tIns="91440" bIns="91440">
-            <a:noAutofit/>
-          </a:bodyPr>
-          <a:p>
-            <a:pPr>
-              <a:lnSpc>
-                <a:spcPct val="115000"/>
-              </a:lnSpc>
-            </a:pPr>
-            <a:r>
-              <a:rPr b="0" lang="en-US" sz="1800" spc="-1" strike="noStrike">
-                <a:solidFill>
-                  <a:srgbClr val="eeeeee"/>
-                </a:solidFill>
-                <a:latin typeface="Arial"/>
-                <a:ea typeface="Arial"/>
-              </a:rPr>
-              <a:t>Scene.js contains the story template, in JSON format, a “renderScene” function, and some other functions for managing the scenes, inventory and turn counter.</a:t>
-            </a:r>
-            <a:endParaRPr b="0" lang="en-US" sz="1800" spc="-1" strike="noStrike">
-              <a:solidFill>
-                <a:srgbClr val="eeeeee"/>
-              </a:solidFill>
-              <a:latin typeface="Arial"/>
-            </a:endParaRPr>
-          </a:p>
-          <a:p>
-            <a:pPr>
-              <a:lnSpc>
-                <a:spcPct val="115000"/>
-              </a:lnSpc>
-              <a:spcBef>
-                <a:spcPts val="1599"/>
-              </a:spcBef>
-              <a:spcAft>
-                <a:spcPts val="1599"/>
-              </a:spcAft>
-            </a:pPr>
-            <a:endParaRPr b="0" lang="en-US" sz="1800" spc="-1" strike="noStrike">
-              <a:solidFill>
-                <a:srgbClr val="eeeeee"/>
-              </a:solidFill>
-              <a:latin typeface="Arial"/>
-            </a:endParaRPr>
-          </a:p>
-        </p:txBody>
-      </p:sp>
-      <p:sp>
-        <p:nvSpPr>
-          <p:cNvPr id="104" name="CustomShape 3"/>
+          <p:cNvPr id="100" name="CustomShape 1"/>
           <p:cNvSpPr/>
           <p:nvPr/>
         </p:nvSpPr>
         <p:spPr>
           <a:xfrm>
-            <a:off x="5083920" y="0"/>
-            <a:ext cx="4059720" cy="5080320"/>
+            <a:off x="311760" y="444960"/>
+            <a:ext cx="8519760" cy="572040"/>
           </a:xfrm>
           <a:prstGeom prst="rect">
             <a:avLst/>
@@ -4218,7 +3788,7 @@
           <a:fontRef idx="minor"/>
         </p:style>
         <p:txBody>
-          <a:bodyPr tIns="91440" bIns="91440">
+          <a:bodyPr lIns="90000" rIns="90000" tIns="91440" bIns="91440">
             <a:noAutofit/>
           </a:bodyPr>
           <a:p>
@@ -4228,718 +3798,70 @@
               </a:lnSpc>
             </a:pPr>
             <a:r>
-              <a:rPr b="0" lang="en-US" sz="1400" spc="-1" strike="noStrike">
+              <a:rPr b="0" lang="en-US" sz="2800" spc="-1" strike="noStrike">
+                <a:solidFill>
+                  <a:srgbClr val="01ffc3"/>
+                </a:solidFill>
+                <a:latin typeface="Lacquer"/>
+                <a:ea typeface="Arial"/>
+              </a:rPr>
+              <a:t>MVP</a:t>
+            </a:r>
+            <a:endParaRPr b="0" lang="en-US" sz="2800" spc="-1" strike="noStrike">
+              <a:latin typeface="Arial"/>
+            </a:endParaRPr>
+          </a:p>
+        </p:txBody>
+      </p:sp>
+      <p:sp>
+        <p:nvSpPr>
+          <p:cNvPr id="101" name="CustomShape 2"/>
+          <p:cNvSpPr/>
+          <p:nvPr/>
+        </p:nvSpPr>
+        <p:spPr>
+          <a:xfrm>
+            <a:off x="311760" y="1152360"/>
+            <a:ext cx="8519760" cy="3415680"/>
+          </a:xfrm>
+          <a:prstGeom prst="rect">
+            <a:avLst/>
+          </a:prstGeom>
+          <a:noFill/>
+          <a:ln>
+            <a:noFill/>
+          </a:ln>
+        </p:spPr>
+        <p:style>
+          <a:lnRef idx="0"/>
+          <a:fillRef idx="0"/>
+          <a:effectRef idx="0"/>
+          <a:fontRef idx="minor"/>
+        </p:style>
+        <p:txBody>
+          <a:bodyPr lIns="90000" rIns="90000" tIns="91440" bIns="91440">
+            <a:noAutofit/>
+          </a:bodyPr>
+          <a:p>
+            <a:pPr>
+              <a:lnSpc>
+                <a:spcPct val="115000"/>
+              </a:lnSpc>
+              <a:spcAft>
+                <a:spcPts val="1599"/>
+              </a:spcAft>
+            </a:pPr>
+            <a:r>
+              <a:rPr b="0" lang="en-US" sz="1800" spc="-1" strike="noStrike">
                 <a:solidFill>
                   <a:srgbClr val="eeeeee"/>
                 </a:solidFill>
-                <a:latin typeface="Droid Sans"/>
-                <a:ea typeface="Droid Sans"/>
-              </a:rPr>
-              <a:t>Story JSON structure:</a:t>
-            </a:r>
-            <a:endParaRPr b="0" lang="en-US" sz="1400" spc="-1" strike="noStrike">
-              <a:solidFill>
-                <a:srgbClr val="eeeeee"/>
-              </a:solidFill>
-              <a:latin typeface="Arial"/>
-            </a:endParaRPr>
-          </a:p>
-          <a:p>
-            <a:pPr>
-              <a:lnSpc>
-                <a:spcPct val="100000"/>
-              </a:lnSpc>
-            </a:pPr>
-            <a:r>
-              <a:rPr b="0" lang="en-US" sz="1400" spc="-1" strike="noStrike">
-                <a:solidFill>
-                  <a:srgbClr val="eeeeee"/>
-                </a:solidFill>
-                <a:latin typeface="Droid Sans"/>
-                <a:ea typeface="Droid Sans"/>
-              </a:rPr>
-              <a:t>{</a:t>
-            </a:r>
-            <a:endParaRPr b="0" lang="en-US" sz="1400" spc="-1" strike="noStrike">
-              <a:solidFill>
-                <a:srgbClr val="eeeeee"/>
-              </a:solidFill>
-              <a:latin typeface="Arial"/>
-            </a:endParaRPr>
-          </a:p>
-          <a:p>
-            <a:pPr>
-              <a:lnSpc>
-                <a:spcPct val="100000"/>
-              </a:lnSpc>
-            </a:pPr>
-            <a:r>
-              <a:rPr b="0" lang="en-US" sz="1400" spc="-1" strike="noStrike">
-                <a:solidFill>
-                  <a:srgbClr val="eeeeee"/>
-                </a:solidFill>
-                <a:latin typeface="Droid Sans"/>
-                <a:ea typeface="Droid Sans"/>
-              </a:rPr>
-              <a:t>  </a:t>
-            </a:r>
-            <a:r>
-              <a:rPr b="0" lang="en-US" sz="1400" spc="-1" strike="noStrike">
-                <a:solidFill>
-                  <a:srgbClr val="eeeeee"/>
-                </a:solidFill>
-                <a:latin typeface="Droid Sans"/>
-                <a:ea typeface="Droid Sans"/>
-              </a:rPr>
-              <a:t>'sceneName': {</a:t>
-            </a:r>
-            <a:endParaRPr b="0" lang="en-US" sz="1400" spc="-1" strike="noStrike">
-              <a:solidFill>
-                <a:srgbClr val="eeeeee"/>
-              </a:solidFill>
-              <a:latin typeface="Arial"/>
-            </a:endParaRPr>
-          </a:p>
-          <a:p>
-            <a:pPr>
-              <a:lnSpc>
-                <a:spcPct val="100000"/>
-              </a:lnSpc>
-            </a:pPr>
-            <a:r>
-              <a:rPr b="0" lang="en-US" sz="1400" spc="-1" strike="noStrike">
-                <a:solidFill>
-                  <a:srgbClr val="eeeeee"/>
-                </a:solidFill>
-                <a:latin typeface="Droid Sans"/>
-                <a:ea typeface="Droid Sans"/>
-              </a:rPr>
-              <a:t>    </a:t>
-            </a:r>
-            <a:r>
-              <a:rPr b="0" lang="en-US" sz="1400" spc="-1" strike="noStrike">
-                <a:solidFill>
-                  <a:srgbClr val="eeeeee"/>
-                </a:solidFill>
-                <a:latin typeface="Droid Sans"/>
-                <a:ea typeface="Droid Sans"/>
-              </a:rPr>
-              <a:t>text: 'Scene dialogue here',</a:t>
-            </a:r>
-            <a:endParaRPr b="0" lang="en-US" sz="1400" spc="-1" strike="noStrike">
-              <a:solidFill>
-                <a:srgbClr val="eeeeee"/>
-              </a:solidFill>
-              <a:latin typeface="Arial"/>
-            </a:endParaRPr>
-          </a:p>
-          <a:p>
-            <a:pPr>
-              <a:lnSpc>
-                <a:spcPct val="100000"/>
-              </a:lnSpc>
-            </a:pPr>
-            <a:r>
-              <a:rPr b="0" lang="en-US" sz="1400" spc="-1" strike="noStrike">
-                <a:solidFill>
-                  <a:srgbClr val="eeeeee"/>
-                </a:solidFill>
-                <a:latin typeface="Droid Sans"/>
-                <a:ea typeface="Droid Sans"/>
-              </a:rPr>
-              <a:t>    </a:t>
-            </a:r>
-            <a:r>
-              <a:rPr b="0" lang="en-US" sz="1400" spc="-1" strike="noStrike">
-                <a:solidFill>
-                  <a:srgbClr val="eeeeee"/>
-                </a:solidFill>
-                <a:latin typeface="Droid Sans"/>
-                <a:ea typeface="Droid Sans"/>
-              </a:rPr>
-              <a:t>pre: function() {</a:t>
-            </a:r>
-            <a:endParaRPr b="0" lang="en-US" sz="1400" spc="-1" strike="noStrike">
-              <a:solidFill>
-                <a:srgbClr val="eeeeee"/>
-              </a:solidFill>
-              <a:latin typeface="Arial"/>
-            </a:endParaRPr>
-          </a:p>
-          <a:p>
-            <a:pPr>
-              <a:lnSpc>
-                <a:spcPct val="100000"/>
-              </a:lnSpc>
-            </a:pPr>
-            <a:endParaRPr b="0" lang="en-US" sz="1400" spc="-1" strike="noStrike">
-              <a:solidFill>
-                <a:srgbClr val="eeeeee"/>
-              </a:solidFill>
-              <a:latin typeface="Arial"/>
-            </a:endParaRPr>
-          </a:p>
-          <a:p>
-            <a:pPr>
-              <a:lnSpc>
-                <a:spcPct val="100000"/>
-              </a:lnSpc>
-            </a:pPr>
-            <a:r>
-              <a:rPr b="0" lang="en-US" sz="1400" spc="-1" strike="noStrike">
-                <a:solidFill>
-                  <a:srgbClr val="eeeeee"/>
-                </a:solidFill>
-                <a:latin typeface="Droid Sans"/>
-                <a:ea typeface="Droid Sans"/>
-              </a:rPr>
-              <a:t>    </a:t>
-            </a:r>
-            <a:r>
-              <a:rPr b="0" lang="en-US" sz="1400" spc="-1" strike="noStrike">
-                <a:solidFill>
-                  <a:srgbClr val="eeeeee"/>
-                </a:solidFill>
-                <a:latin typeface="Droid Sans"/>
-                <a:ea typeface="Droid Sans"/>
-              </a:rPr>
-              <a:t>},</a:t>
-            </a:r>
-            <a:endParaRPr b="0" lang="en-US" sz="1400" spc="-1" strike="noStrike">
-              <a:solidFill>
-                <a:srgbClr val="eeeeee"/>
-              </a:solidFill>
-              <a:latin typeface="Arial"/>
-            </a:endParaRPr>
-          </a:p>
-          <a:p>
-            <a:pPr>
-              <a:lnSpc>
-                <a:spcPct val="100000"/>
-              </a:lnSpc>
-            </a:pPr>
-            <a:r>
-              <a:rPr b="0" lang="en-US" sz="1400" spc="-1" strike="noStrike">
-                <a:solidFill>
-                  <a:srgbClr val="eeeeee"/>
-                </a:solidFill>
-                <a:latin typeface="Droid Sans"/>
-                <a:ea typeface="Droid Sans"/>
-              </a:rPr>
-              <a:t>    </a:t>
-            </a:r>
-            <a:r>
-              <a:rPr b="0" lang="en-US" sz="1400" spc="-1" strike="noStrike">
-                <a:solidFill>
-                  <a:srgbClr val="eeeeee"/>
-                </a:solidFill>
-                <a:latin typeface="Droid Sans"/>
-                <a:ea typeface="Droid Sans"/>
-              </a:rPr>
-              <a:t>options: [</a:t>
-            </a:r>
-            <a:endParaRPr b="0" lang="en-US" sz="1400" spc="-1" strike="noStrike">
-              <a:solidFill>
-                <a:srgbClr val="eeeeee"/>
-              </a:solidFill>
-              <a:latin typeface="Arial"/>
-            </a:endParaRPr>
-          </a:p>
-          <a:p>
-            <a:pPr>
-              <a:lnSpc>
-                <a:spcPct val="100000"/>
-              </a:lnSpc>
-            </a:pPr>
-            <a:r>
-              <a:rPr b="0" lang="en-US" sz="1400" spc="-1" strike="noStrike">
-                <a:solidFill>
-                  <a:srgbClr val="eeeeee"/>
-                </a:solidFill>
-                <a:latin typeface="Droid Sans"/>
-                <a:ea typeface="Droid Sans"/>
-              </a:rPr>
-              <a:t>      </a:t>
-            </a:r>
-            <a:r>
-              <a:rPr b="0" lang="en-US" sz="1400" spc="-1" strike="noStrike">
-                <a:solidFill>
-                  <a:srgbClr val="eeeeee"/>
-                </a:solidFill>
-                <a:latin typeface="Droid Sans"/>
-                <a:ea typeface="Droid Sans"/>
-              </a:rPr>
-              <a:t>['Option text here', 'consequence'],</a:t>
-            </a:r>
-            <a:endParaRPr b="0" lang="en-US" sz="1400" spc="-1" strike="noStrike">
-              <a:solidFill>
-                <a:srgbClr val="eeeeee"/>
-              </a:solidFill>
-              <a:latin typeface="Arial"/>
-            </a:endParaRPr>
-          </a:p>
-          <a:p>
-            <a:pPr>
-              <a:lnSpc>
-                <a:spcPct val="100000"/>
-              </a:lnSpc>
-            </a:pPr>
-            <a:r>
-              <a:rPr b="0" lang="en-US" sz="1400" spc="-1" strike="noStrike">
-                <a:solidFill>
-                  <a:srgbClr val="eeeeee"/>
-                </a:solidFill>
-                <a:latin typeface="Droid Sans"/>
-                <a:ea typeface="Droid Sans"/>
-              </a:rPr>
-              <a:t>      </a:t>
-            </a:r>
-            <a:r>
-              <a:rPr b="0" lang="en-US" sz="1400" spc="-1" strike="noStrike">
-                <a:solidFill>
-                  <a:srgbClr val="eeeeee"/>
-                </a:solidFill>
-                <a:latin typeface="Droid Sans"/>
-                <a:ea typeface="Droid Sans"/>
-              </a:rPr>
-              <a:t>['Option text here', 'sceneName'],</a:t>
-            </a:r>
-            <a:endParaRPr b="0" lang="en-US" sz="1400" spc="-1" strike="noStrike">
-              <a:solidFill>
-                <a:srgbClr val="eeeeee"/>
-              </a:solidFill>
-              <a:latin typeface="Arial"/>
-            </a:endParaRPr>
-          </a:p>
-          <a:p>
-            <a:pPr>
-              <a:lnSpc>
-                <a:spcPct val="100000"/>
-              </a:lnSpc>
-            </a:pPr>
-            <a:r>
-              <a:rPr b="0" lang="en-US" sz="1400" spc="-1" strike="noStrike">
-                <a:solidFill>
-                  <a:srgbClr val="eeeeee"/>
-                </a:solidFill>
-                <a:latin typeface="Droid Sans"/>
-                <a:ea typeface="Droid Sans"/>
-              </a:rPr>
-              <a:t>      </a:t>
-            </a:r>
-            <a:r>
-              <a:rPr b="0" lang="en-US" sz="1400" spc="-1" strike="noStrike">
-                <a:solidFill>
-                  <a:srgbClr val="eeeeee"/>
-                </a:solidFill>
-                <a:latin typeface="Droid Sans"/>
-                <a:ea typeface="Droid Sans"/>
-              </a:rPr>
-              <a:t>... etc ...</a:t>
-            </a:r>
-            <a:endParaRPr b="0" lang="en-US" sz="1400" spc="-1" strike="noStrike">
-              <a:solidFill>
-                <a:srgbClr val="eeeeee"/>
-              </a:solidFill>
-              <a:latin typeface="Arial"/>
-            </a:endParaRPr>
-          </a:p>
-          <a:p>
-            <a:pPr>
-              <a:lnSpc>
-                <a:spcPct val="100000"/>
-              </a:lnSpc>
-            </a:pPr>
-            <a:r>
-              <a:rPr b="0" lang="en-US" sz="1400" spc="-1" strike="noStrike">
-                <a:solidFill>
-                  <a:srgbClr val="eeeeee"/>
-                </a:solidFill>
-                <a:latin typeface="Droid Sans"/>
-                <a:ea typeface="Droid Sans"/>
-              </a:rPr>
-              <a:t>    </a:t>
-            </a:r>
-            <a:r>
-              <a:rPr b="0" lang="en-US" sz="1400" spc="-1" strike="noStrike">
-                <a:solidFill>
-                  <a:srgbClr val="eeeeee"/>
-                </a:solidFill>
-                <a:latin typeface="Droid Sans"/>
-                <a:ea typeface="Droid Sans"/>
-              </a:rPr>
-              <a:t>]</a:t>
-            </a:r>
-            <a:endParaRPr b="0" lang="en-US" sz="1400" spc="-1" strike="noStrike">
-              <a:solidFill>
-                <a:srgbClr val="eeeeee"/>
-              </a:solidFill>
-              <a:latin typeface="Arial"/>
-            </a:endParaRPr>
-          </a:p>
-          <a:p>
-            <a:pPr>
-              <a:lnSpc>
-                <a:spcPct val="100000"/>
-              </a:lnSpc>
-            </a:pPr>
-            <a:r>
-              <a:rPr b="0" lang="en-US" sz="1400" spc="-1" strike="noStrike">
-                <a:solidFill>
-                  <a:srgbClr val="eeeeee"/>
-                </a:solidFill>
-                <a:latin typeface="Droid Sans"/>
-                <a:ea typeface="Droid Sans"/>
-              </a:rPr>
-              <a:t>  </a:t>
-            </a:r>
-            <a:r>
-              <a:rPr b="0" lang="en-US" sz="1400" spc="-1" strike="noStrike">
-                <a:solidFill>
-                  <a:srgbClr val="eeeeee"/>
-                </a:solidFill>
-                <a:latin typeface="Droid Sans"/>
-                <a:ea typeface="Droid Sans"/>
-              </a:rPr>
-              <a:t>},</a:t>
-            </a:r>
-            <a:endParaRPr b="0" lang="en-US" sz="1400" spc="-1" strike="noStrike">
-              <a:solidFill>
-                <a:srgbClr val="eeeeee"/>
-              </a:solidFill>
-              <a:latin typeface="Arial"/>
-            </a:endParaRPr>
-          </a:p>
-          <a:p>
-            <a:pPr>
-              <a:lnSpc>
-                <a:spcPct val="100000"/>
-              </a:lnSpc>
-            </a:pPr>
-            <a:r>
-              <a:rPr b="0" lang="en-US" sz="1400" spc="-1" strike="noStrike">
-                <a:solidFill>
-                  <a:srgbClr val="eeeeee"/>
-                </a:solidFill>
-                <a:latin typeface="Droid Sans"/>
-                <a:ea typeface="Droid Sans"/>
-              </a:rPr>
-              <a:t>  </a:t>
-            </a:r>
-            <a:r>
-              <a:rPr b="0" lang="en-US" sz="1400" spc="-1" strike="noStrike">
-                <a:solidFill>
-                  <a:srgbClr val="eeeeee"/>
-                </a:solidFill>
-                <a:latin typeface="Droid Sans"/>
-                <a:ea typeface="Droid Sans"/>
-              </a:rPr>
-              <a:t>'sceneName': {</a:t>
-            </a:r>
-            <a:endParaRPr b="0" lang="en-US" sz="1400" spc="-1" strike="noStrike">
-              <a:solidFill>
-                <a:srgbClr val="eeeeee"/>
-              </a:solidFill>
-              <a:latin typeface="Arial"/>
-            </a:endParaRPr>
-          </a:p>
-          <a:p>
-            <a:pPr>
-              <a:lnSpc>
-                <a:spcPct val="100000"/>
-              </a:lnSpc>
-            </a:pPr>
-            <a:r>
-              <a:rPr b="0" lang="en-US" sz="1400" spc="-1" strike="noStrike">
-                <a:solidFill>
-                  <a:srgbClr val="eeeeee"/>
-                </a:solidFill>
-                <a:latin typeface="Droid Sans"/>
-                <a:ea typeface="Droid Sans"/>
-              </a:rPr>
-              <a:t>    </a:t>
-            </a:r>
-            <a:r>
-              <a:rPr b="0" lang="en-US" sz="1400" spc="-1" strike="noStrike">
-                <a:solidFill>
-                  <a:srgbClr val="eeeeee"/>
-                </a:solidFill>
-                <a:latin typeface="Droid Sans"/>
-                <a:ea typeface="Droid Sans"/>
-              </a:rPr>
-              <a:t>text: 'Scene dialogue here',</a:t>
-            </a:r>
-            <a:endParaRPr b="0" lang="en-US" sz="1400" spc="-1" strike="noStrike">
-              <a:solidFill>
-                <a:srgbClr val="eeeeee"/>
-              </a:solidFill>
-              <a:latin typeface="Arial"/>
-            </a:endParaRPr>
-          </a:p>
-          <a:p>
-            <a:pPr>
-              <a:lnSpc>
-                <a:spcPct val="100000"/>
-              </a:lnSpc>
-            </a:pPr>
-            <a:r>
-              <a:rPr b="0" lang="en-US" sz="1400" spc="-1" strike="noStrike">
-                <a:solidFill>
-                  <a:srgbClr val="eeeeee"/>
-                </a:solidFill>
-                <a:latin typeface="Droid Sans"/>
-                <a:ea typeface="Droid Sans"/>
-              </a:rPr>
-              <a:t>    </a:t>
-            </a:r>
-            <a:r>
-              <a:rPr b="0" lang="en-US" sz="1400" spc="-1" strike="noStrike">
-                <a:solidFill>
-                  <a:srgbClr val="eeeeee"/>
-                </a:solidFill>
-                <a:latin typeface="Droid Sans"/>
-                <a:ea typeface="Droid Sans"/>
-              </a:rPr>
-              <a:t>options: [</a:t>
-            </a:r>
-            <a:endParaRPr b="0" lang="en-US" sz="1400" spc="-1" strike="noStrike">
-              <a:solidFill>
-                <a:srgbClr val="eeeeee"/>
-              </a:solidFill>
-              <a:latin typeface="Arial"/>
-            </a:endParaRPr>
-          </a:p>
-          <a:p>
-            <a:pPr>
-              <a:lnSpc>
-                <a:spcPct val="100000"/>
-              </a:lnSpc>
-            </a:pPr>
-            <a:r>
-              <a:rPr b="0" lang="en-US" sz="1400" spc="-1" strike="noStrike">
-                <a:solidFill>
-                  <a:srgbClr val="eeeeee"/>
-                </a:solidFill>
-                <a:latin typeface="Droid Sans"/>
-                <a:ea typeface="Droid Sans"/>
-              </a:rPr>
-              <a:t>      </a:t>
-            </a:r>
-            <a:r>
-              <a:rPr b="0" lang="en-US" sz="1400" spc="-1" strike="noStrike">
-                <a:solidFill>
-                  <a:srgbClr val="eeeeee"/>
-                </a:solidFill>
-                <a:latin typeface="Droid Sans"/>
-                <a:ea typeface="Droid Sans"/>
-              </a:rPr>
-              <a:t>['Option text here', 'sceneName'],</a:t>
-            </a:r>
-            <a:endParaRPr b="0" lang="en-US" sz="1400" spc="-1" strike="noStrike">
-              <a:solidFill>
-                <a:srgbClr val="eeeeee"/>
-              </a:solidFill>
-              <a:latin typeface="Arial"/>
-            </a:endParaRPr>
-          </a:p>
-          <a:p>
-            <a:pPr>
-              <a:lnSpc>
-                <a:spcPct val="100000"/>
-              </a:lnSpc>
-            </a:pPr>
-            <a:r>
-              <a:rPr b="0" lang="en-US" sz="1400" spc="-1" strike="noStrike">
-                <a:solidFill>
-                  <a:srgbClr val="eeeeee"/>
-                </a:solidFill>
-                <a:latin typeface="Droid Sans"/>
-                <a:ea typeface="Droid Sans"/>
-              </a:rPr>
-              <a:t>      </a:t>
-            </a:r>
-            <a:r>
-              <a:rPr b="0" lang="en-US" sz="1400" spc="-1" strike="noStrike">
-                <a:solidFill>
-                  <a:srgbClr val="eeeeee"/>
-                </a:solidFill>
-                <a:latin typeface="Droid Sans"/>
-                <a:ea typeface="Droid Sans"/>
-              </a:rPr>
-              <a:t>['Option text here', 'sceneName'],</a:t>
-            </a:r>
-            <a:endParaRPr b="0" lang="en-US" sz="1400" spc="-1" strike="noStrike">
-              <a:solidFill>
-                <a:srgbClr val="eeeeee"/>
-              </a:solidFill>
-              <a:latin typeface="Arial"/>
-            </a:endParaRPr>
-          </a:p>
-          <a:p>
-            <a:pPr>
-              <a:lnSpc>
-                <a:spcPct val="100000"/>
-              </a:lnSpc>
-            </a:pPr>
-            <a:r>
-              <a:rPr b="0" lang="en-US" sz="1400" spc="-1" strike="noStrike">
-                <a:solidFill>
-                  <a:srgbClr val="eeeeee"/>
-                </a:solidFill>
-                <a:latin typeface="Droid Sans"/>
-                <a:ea typeface="Droid Sans"/>
-              </a:rPr>
-              <a:t>      </a:t>
-            </a:r>
-            <a:r>
-              <a:rPr b="0" lang="en-US" sz="1400" spc="-1" strike="noStrike">
-                <a:solidFill>
-                  <a:srgbClr val="eeeeee"/>
-                </a:solidFill>
-                <a:latin typeface="Droid Sans"/>
-                <a:ea typeface="Droid Sans"/>
-              </a:rPr>
-              <a:t>... etc ...</a:t>
-            </a:r>
-            <a:endParaRPr b="0" lang="en-US" sz="1400" spc="-1" strike="noStrike">
-              <a:solidFill>
-                <a:srgbClr val="eeeeee"/>
-              </a:solidFill>
-              <a:latin typeface="Arial"/>
-            </a:endParaRPr>
-          </a:p>
-          <a:p>
-            <a:pPr>
-              <a:lnSpc>
-                <a:spcPct val="100000"/>
-              </a:lnSpc>
-            </a:pPr>
-            <a:r>
-              <a:rPr b="0" lang="en-US" sz="1400" spc="-1" strike="noStrike">
-                <a:solidFill>
-                  <a:srgbClr val="eeeeee"/>
-                </a:solidFill>
-                <a:latin typeface="Droid Sans"/>
-                <a:ea typeface="Droid Sans"/>
-              </a:rPr>
-              <a:t>    </a:t>
-            </a:r>
-            <a:r>
-              <a:rPr b="0" lang="en-US" sz="1400" spc="-1" strike="noStrike">
-                <a:solidFill>
-                  <a:srgbClr val="eeeeee"/>
-                </a:solidFill>
-                <a:latin typeface="Droid Sans"/>
-                <a:ea typeface="Droid Sans"/>
-              </a:rPr>
-              <a:t>]</a:t>
-            </a:r>
-            <a:endParaRPr b="0" lang="en-US" sz="1400" spc="-1" strike="noStrike">
-              <a:solidFill>
-                <a:srgbClr val="eeeeee"/>
-              </a:solidFill>
-              <a:latin typeface="Arial"/>
-            </a:endParaRPr>
-          </a:p>
-          <a:p>
-            <a:pPr>
-              <a:lnSpc>
-                <a:spcPct val="100000"/>
-              </a:lnSpc>
-            </a:pPr>
-            <a:r>
-              <a:rPr b="0" lang="en-US" sz="1400" spc="-1" strike="noStrike">
-                <a:solidFill>
-                  <a:srgbClr val="eeeeee"/>
-                </a:solidFill>
-                <a:latin typeface="Droid Sans"/>
-                <a:ea typeface="Droid Sans"/>
-              </a:rPr>
-              <a:t>  </a:t>
-            </a:r>
-            <a:r>
-              <a:rPr b="0" lang="en-US" sz="1400" spc="-1" strike="noStrike">
-                <a:solidFill>
-                  <a:srgbClr val="eeeeee"/>
-                </a:solidFill>
-                <a:latin typeface="Droid Sans"/>
-                <a:ea typeface="Droid Sans"/>
-              </a:rPr>
-              <a:t>},</a:t>
-            </a:r>
-            <a:endParaRPr b="0" lang="en-US" sz="1400" spc="-1" strike="noStrike">
-              <a:solidFill>
-                <a:srgbClr val="eeeeee"/>
-              </a:solidFill>
-              <a:latin typeface="Arial"/>
-            </a:endParaRPr>
-          </a:p>
-          <a:p>
-            <a:pPr>
-              <a:lnSpc>
-                <a:spcPct val="100000"/>
-              </a:lnSpc>
-            </a:pPr>
-            <a:r>
-              <a:rPr b="0" lang="en-US" sz="1400" spc="-1" strike="noStrike">
-                <a:solidFill>
-                  <a:srgbClr val="eeeeee"/>
-                </a:solidFill>
-                <a:latin typeface="Droid Sans"/>
-                <a:ea typeface="Droid Sans"/>
-              </a:rPr>
-              <a:t>  </a:t>
-            </a:r>
-            <a:r>
-              <a:rPr b="0" lang="en-US" sz="1400" spc="-1" strike="noStrike">
-                <a:solidFill>
-                  <a:srgbClr val="eeeeee"/>
-                </a:solidFill>
-                <a:latin typeface="Droid Sans"/>
-                <a:ea typeface="Droid Sans"/>
-              </a:rPr>
-              <a:t>... etc ...</a:t>
-            </a:r>
-            <a:endParaRPr b="0" lang="en-US" sz="1400" spc="-1" strike="noStrike">
-              <a:solidFill>
-                <a:srgbClr val="eeeeee"/>
-              </a:solidFill>
-              <a:latin typeface="Arial"/>
-            </a:endParaRPr>
-          </a:p>
-          <a:p>
-            <a:pPr>
-              <a:lnSpc>
-                <a:spcPct val="100000"/>
-              </a:lnSpc>
-            </a:pPr>
-            <a:r>
-              <a:rPr b="0" lang="en-US" sz="1400" spc="-1" strike="noStrike">
-                <a:solidFill>
-                  <a:srgbClr val="eeeeee"/>
-                </a:solidFill>
-                <a:latin typeface="Droid Sans"/>
-                <a:ea typeface="Droid Sans"/>
-              </a:rPr>
-              <a:t>}</a:t>
-            </a:r>
-            <a:endParaRPr b="0" lang="en-US" sz="1400" spc="-1" strike="noStrike">
-              <a:solidFill>
-                <a:srgbClr val="eeeeee"/>
-              </a:solidFill>
-              <a:latin typeface="Arial"/>
-            </a:endParaRPr>
-          </a:p>
-          <a:p>
-            <a:pPr>
-              <a:lnSpc>
-                <a:spcPct val="100000"/>
-              </a:lnSpc>
-            </a:pPr>
-            <a:endParaRPr b="0" lang="en-US" sz="1400" spc="-1" strike="noStrike">
-              <a:solidFill>
-                <a:srgbClr val="eeeeee"/>
-              </a:solidFill>
+                <a:latin typeface="Arial"/>
+                <a:ea typeface="Arial"/>
+              </a:rPr>
+              <a:t>On the second day, we created a “scene” JavaScript file, added a really basic story to test the scene functionality, and then spent a lot of the day styling the pages.</a:t>
+            </a:r>
+            <a:endParaRPr b="0" lang="en-US" sz="1800" spc="-1" strike="noStrike">
               <a:latin typeface="Arial"/>
             </a:endParaRPr>
           </a:p>
@@ -4984,14 +3906,14 @@
       </p:grpSpPr>
       <p:sp>
         <p:nvSpPr>
-          <p:cNvPr id="105" name="TextShape 1"/>
-          <p:cNvSpPr txBox="1"/>
+          <p:cNvPr id="102" name="CustomShape 1"/>
+          <p:cNvSpPr/>
           <p:nvPr/>
         </p:nvSpPr>
         <p:spPr>
           <a:xfrm>
             <a:off x="311760" y="444960"/>
-            <a:ext cx="8520120" cy="572400"/>
+            <a:ext cx="8519760" cy="572040"/>
           </a:xfrm>
           <a:prstGeom prst="rect">
             <a:avLst/>
@@ -5001,39 +3923,48 @@
             <a:noFill/>
           </a:ln>
         </p:spPr>
-        <p:txBody>
-          <a:bodyPr lIns="0" rIns="0" tIns="0" bIns="0" anchor="ctr">
-            <a:spAutoFit/>
-          </a:bodyPr>
-          <a:p>
+        <p:style>
+          <a:lnRef idx="0"/>
+          <a:fillRef idx="0"/>
+          <a:effectRef idx="0"/>
+          <a:fontRef idx="minor"/>
+        </p:style>
+        <p:txBody>
+          <a:bodyPr lIns="90000" rIns="90000" tIns="91440" bIns="91440">
+            <a:noAutofit/>
+          </a:bodyPr>
+          <a:p>
+            <a:pPr>
+              <a:lnSpc>
+                <a:spcPct val="100000"/>
+              </a:lnSpc>
+            </a:pPr>
             <a:r>
               <a:rPr b="0" lang="en-US" sz="2800" spc="-1" strike="noStrike">
                 <a:solidFill>
                   <a:srgbClr val="01ffc3"/>
                 </a:solidFill>
                 <a:latin typeface="Lacquer"/>
-              </a:rPr>
-              <a:t>Style</a:t>
+                <a:ea typeface="Arial"/>
+              </a:rPr>
+              <a:t>Scene JS</a:t>
             </a:r>
             <a:endParaRPr b="0" lang="en-US" sz="2800" spc="-1" strike="noStrike">
-              <a:solidFill>
-                <a:srgbClr val="01ffc3"/>
-              </a:solidFill>
-              <a:latin typeface="Lacquer"/>
-            </a:endParaRPr>
-          </a:p>
-        </p:txBody>
-      </p:sp>
-      <p:sp>
-        <p:nvSpPr>
-          <p:cNvPr id="106" name="TextShape 2"/>
-          <p:cNvSpPr txBox="1"/>
+              <a:latin typeface="Arial"/>
+            </a:endParaRPr>
+          </a:p>
+        </p:txBody>
+      </p:sp>
+      <p:sp>
+        <p:nvSpPr>
+          <p:cNvPr id="103" name="CustomShape 2"/>
+          <p:cNvSpPr/>
           <p:nvPr/>
         </p:nvSpPr>
         <p:spPr>
           <a:xfrm>
-            <a:off x="274320" y="1280160"/>
-            <a:ext cx="4206240" cy="3416040"/>
+            <a:off x="311760" y="1152360"/>
+            <a:ext cx="3737880" cy="3415680"/>
           </a:xfrm>
           <a:prstGeom prst="rect">
             <a:avLst/>
@@ -5043,78 +3974,64 @@
             <a:noFill/>
           </a:ln>
         </p:spPr>
-        <p:txBody>
-          <a:bodyPr lIns="0" rIns="0" tIns="0" bIns="0">
-            <a:normAutofit/>
-          </a:bodyPr>
-          <a:p>
-            <a:pPr marL="432000" indent="-324000">
+        <p:style>
+          <a:lnRef idx="0"/>
+          <a:fillRef idx="0"/>
+          <a:effectRef idx="0"/>
+          <a:fontRef idx="minor"/>
+        </p:style>
+        <p:txBody>
+          <a:bodyPr lIns="90000" rIns="90000" tIns="91440" bIns="91440">
+            <a:noAutofit/>
+          </a:bodyPr>
+          <a:p>
+            <a:pPr>
+              <a:lnSpc>
+                <a:spcPct val="115000"/>
+              </a:lnSpc>
+            </a:pPr>
+            <a:r>
+              <a:rPr b="0" lang="en-US" sz="1800" spc="-1" strike="noStrike">
+                <a:solidFill>
+                  <a:srgbClr val="eeeeee"/>
+                </a:solidFill>
+                <a:latin typeface="Arial"/>
+                <a:ea typeface="Arial"/>
+              </a:rPr>
+              <a:t>Scene.js contains the story template, in JSON format, a “renderScene” function, and some other functions for managing the scenes, inventory and turn counter.</a:t>
+            </a:r>
+            <a:endParaRPr b="0" lang="en-US" sz="1800" spc="-1" strike="noStrike">
+              <a:latin typeface="Arial"/>
+            </a:endParaRPr>
+          </a:p>
+          <a:p>
+            <a:pPr>
+              <a:lnSpc>
+                <a:spcPct val="115000"/>
+              </a:lnSpc>
               <a:spcBef>
-                <a:spcPts val="1417"/>
+                <a:spcPts val="1599"/>
               </a:spcBef>
-              <a:buClr>
-                <a:srgbClr val="ffffff"/>
-              </a:buClr>
-              <a:buSzPct val="45000"/>
-              <a:buFont typeface="Wingdings" charset="2"/>
-              <a:buChar char=""/>
-            </a:pPr>
-            <a:r>
-              <a:rPr b="0" lang="en-US" sz="1400" spc="-1" strike="noStrike">
-                <a:solidFill>
-                  <a:srgbClr val="eeeeee"/>
-                </a:solidFill>
-                <a:latin typeface="Arial"/>
-              </a:rPr>
-              <a:t>Our group also added some neat CSS, mainly a pulsing animation on our options buttons that </a:t>
-            </a:r>
-            <a:r>
-              <a:rPr b="0" lang="en-US" sz="1400" spc="-1" strike="noStrike">
-                <a:solidFill>
-                  <a:srgbClr val="eeeeee"/>
-                </a:solidFill>
-                <a:latin typeface="Arial"/>
-              </a:rPr>
-              <a:t>change when you hover over them.</a:t>
-            </a:r>
-            <a:endParaRPr b="0" lang="en-US" sz="1400" spc="-1" strike="noStrike">
-              <a:solidFill>
-                <a:srgbClr val="eeeeee"/>
-              </a:solidFill>
-              <a:latin typeface="Arial"/>
-            </a:endParaRPr>
-          </a:p>
-          <a:p>
-            <a:pPr marL="432000" indent="-324000">
-              <a:spcBef>
-                <a:spcPts val="1417"/>
-              </a:spcBef>
-              <a:buClr>
-                <a:srgbClr val="ffffff"/>
-              </a:buClr>
-              <a:buSzPct val="45000"/>
-              <a:buFont typeface="Wingdings" charset="2"/>
-              <a:buChar char=""/>
-            </a:pPr>
-            <a:endParaRPr b="0" lang="en-US" sz="1400" spc="-1" strike="noStrike">
-              <a:solidFill>
-                <a:srgbClr val="eeeeee"/>
-              </a:solidFill>
-              <a:latin typeface="Arial"/>
-            </a:endParaRPr>
-          </a:p>
-        </p:txBody>
-      </p:sp>
-      <p:sp>
-        <p:nvSpPr>
-          <p:cNvPr id="107" name="TextShape 3"/>
-          <p:cNvSpPr txBox="1"/>
+              <a:spcAft>
+                <a:spcPts val="1599"/>
+              </a:spcAft>
+            </a:pPr>
+            <a:endParaRPr b="0" lang="en-US" sz="1800" spc="-1" strike="noStrike">
+              <a:latin typeface="Arial"/>
+            </a:endParaRPr>
+          </a:p>
+        </p:txBody>
+      </p:sp>
+      <p:sp>
+        <p:nvSpPr>
+          <p:cNvPr id="104" name="CustomShape 3"/>
+          <p:cNvSpPr/>
           <p:nvPr/>
         </p:nvSpPr>
         <p:spPr>
           <a:xfrm>
-            <a:off x="365760" y="2377440"/>
-            <a:ext cx="4023360" cy="2288160"/>
+            <a:off x="5083920" y="0"/>
+            <a:ext cx="4059360" cy="5079960"/>
           </a:xfrm>
           <a:prstGeom prst="rect">
             <a:avLst/>
@@ -5124,64 +4041,649 @@
             <a:noFill/>
           </a:ln>
         </p:spPr>
-        <p:txBody>
-          <a:bodyPr lIns="90000" rIns="90000" tIns="45000" bIns="45000">
-            <a:spAutoFit/>
-          </a:bodyPr>
-          <a:p>
-            <a:r>
-              <a:rPr b="0" lang="en-US" sz="1400" spc="-1" strike="noStrike">
-                <a:latin typeface="Arial"/>
-              </a:rPr>
-              <a:t>.option {</a:t>
+        <p:style>
+          <a:lnRef idx="0"/>
+          <a:fillRef idx="0"/>
+          <a:effectRef idx="0"/>
+          <a:fontRef idx="minor"/>
+        </p:style>
+        <p:txBody>
+          <a:bodyPr lIns="90000" rIns="90000" tIns="91440" bIns="91440">
+            <a:noAutofit/>
+          </a:bodyPr>
+          <a:p>
+            <a:pPr>
+              <a:lnSpc>
+                <a:spcPct val="100000"/>
+              </a:lnSpc>
+            </a:pPr>
+            <a:r>
+              <a:rPr b="0" lang="en-US" sz="1400" spc="-1" strike="noStrike">
+                <a:solidFill>
+                  <a:srgbClr val="eeeeee"/>
+                </a:solidFill>
+                <a:latin typeface="Droid Sans"/>
+                <a:ea typeface="Droid Sans"/>
+              </a:rPr>
+              <a:t>Story JSON structure:</a:t>
             </a:r>
             <a:endParaRPr b="0" lang="en-US" sz="1400" spc="-1" strike="noStrike">
               <a:latin typeface="Arial"/>
             </a:endParaRPr>
           </a:p>
           <a:p>
-            <a:r>
-              <a:rPr b="0" lang="en-US" sz="1400" spc="-1" strike="noStrike">
-                <a:latin typeface="Arial"/>
-              </a:rPr>
-              <a:t>  …</a:t>
+            <a:pPr>
+              <a:lnSpc>
+                <a:spcPct val="100000"/>
+              </a:lnSpc>
+            </a:pPr>
+            <a:r>
+              <a:rPr b="0" lang="en-US" sz="1400" spc="-1" strike="noStrike">
+                <a:solidFill>
+                  <a:srgbClr val="eeeeee"/>
+                </a:solidFill>
+                <a:latin typeface="Droid Sans"/>
+                <a:ea typeface="Droid Sans"/>
+              </a:rPr>
+              <a:t>{</a:t>
             </a:r>
             <a:endParaRPr b="0" lang="en-US" sz="1400" spc="-1" strike="noStrike">
               <a:latin typeface="Arial"/>
             </a:endParaRPr>
           </a:p>
           <a:p>
-            <a:r>
-              <a:rPr b="0" lang="en-US" sz="1400" spc="-1" strike="noStrike">
-                <a:latin typeface="Arial"/>
+            <a:pPr>
+              <a:lnSpc>
+                <a:spcPct val="100000"/>
+              </a:lnSpc>
+            </a:pPr>
+            <a:r>
+              <a:rPr b="0" lang="en-US" sz="1400" spc="-1" strike="noStrike">
+                <a:solidFill>
+                  <a:srgbClr val="eeeeee"/>
+                </a:solidFill>
+                <a:latin typeface="Droid Sans"/>
+                <a:ea typeface="Droid Sans"/>
               </a:rPr>
               <a:t>  </a:t>
             </a:r>
             <a:r>
               <a:rPr b="0" lang="en-US" sz="1400" spc="-1" strike="noStrike">
-                <a:latin typeface="Arial"/>
-              </a:rPr>
-              <a:t>animation: shadow-pulse 2s infinite;</a:t>
+                <a:solidFill>
+                  <a:srgbClr val="eeeeee"/>
+                </a:solidFill>
+                <a:latin typeface="Droid Sans"/>
+                <a:ea typeface="Droid Sans"/>
+              </a:rPr>
+              <a:t>'sceneName': {</a:t>
             </a:r>
             <a:endParaRPr b="0" lang="en-US" sz="1400" spc="-1" strike="noStrike">
               <a:latin typeface="Arial"/>
             </a:endParaRPr>
           </a:p>
           <a:p>
-            <a:r>
-              <a:rPr b="0" lang="en-US" sz="1400" spc="-1" strike="noStrike">
-                <a:latin typeface="Arial"/>
-              </a:rPr>
-              <a:t>  …</a:t>
+            <a:pPr>
+              <a:lnSpc>
+                <a:spcPct val="100000"/>
+              </a:lnSpc>
+            </a:pPr>
+            <a:r>
+              <a:rPr b="0" lang="en-US" sz="1400" spc="-1" strike="noStrike">
+                <a:solidFill>
+                  <a:srgbClr val="eeeeee"/>
+                </a:solidFill>
+                <a:latin typeface="Droid Sans"/>
+                <a:ea typeface="Droid Sans"/>
+              </a:rPr>
+              <a:t>    </a:t>
+            </a:r>
+            <a:r>
+              <a:rPr b="0" lang="en-US" sz="1400" spc="-1" strike="noStrike">
+                <a:solidFill>
+                  <a:srgbClr val="eeeeee"/>
+                </a:solidFill>
+                <a:latin typeface="Droid Sans"/>
+                <a:ea typeface="Droid Sans"/>
+              </a:rPr>
+              <a:t>text: 'Scene dialogue here',</a:t>
             </a:r>
             <a:endParaRPr b="0" lang="en-US" sz="1400" spc="-1" strike="noStrike">
               <a:latin typeface="Arial"/>
             </a:endParaRPr>
           </a:p>
           <a:p>
-            <a:r>
-              <a:rPr b="0" lang="en-US" sz="1400" spc="-1" strike="noStrike">
-                <a:latin typeface="Arial"/>
+            <a:pPr>
+              <a:lnSpc>
+                <a:spcPct val="100000"/>
+              </a:lnSpc>
+            </a:pPr>
+            <a:r>
+              <a:rPr b="0" lang="en-US" sz="1400" spc="-1" strike="noStrike">
+                <a:solidFill>
+                  <a:srgbClr val="eeeeee"/>
+                </a:solidFill>
+                <a:latin typeface="Droid Sans"/>
+                <a:ea typeface="Droid Sans"/>
+              </a:rPr>
+              <a:t>    </a:t>
+            </a:r>
+            <a:r>
+              <a:rPr b="0" lang="en-US" sz="1400" spc="-1" strike="noStrike">
+                <a:solidFill>
+                  <a:srgbClr val="eeeeee"/>
+                </a:solidFill>
+                <a:latin typeface="Droid Sans"/>
+                <a:ea typeface="Droid Sans"/>
+              </a:rPr>
+              <a:t>pre: function() {</a:t>
+            </a:r>
+            <a:endParaRPr b="0" lang="en-US" sz="1400" spc="-1" strike="noStrike">
+              <a:latin typeface="Arial"/>
+            </a:endParaRPr>
+          </a:p>
+          <a:p>
+            <a:pPr>
+              <a:lnSpc>
+                <a:spcPct val="100000"/>
+              </a:lnSpc>
+            </a:pPr>
+            <a:endParaRPr b="0" lang="en-US" sz="1400" spc="-1" strike="noStrike">
+              <a:latin typeface="Arial"/>
+            </a:endParaRPr>
+          </a:p>
+          <a:p>
+            <a:pPr>
+              <a:lnSpc>
+                <a:spcPct val="100000"/>
+              </a:lnSpc>
+            </a:pPr>
+            <a:r>
+              <a:rPr b="0" lang="en-US" sz="1400" spc="-1" strike="noStrike">
+                <a:solidFill>
+                  <a:srgbClr val="eeeeee"/>
+                </a:solidFill>
+                <a:latin typeface="Droid Sans"/>
+                <a:ea typeface="Droid Sans"/>
+              </a:rPr>
+              <a:t>    </a:t>
+            </a:r>
+            <a:r>
+              <a:rPr b="0" lang="en-US" sz="1400" spc="-1" strike="noStrike">
+                <a:solidFill>
+                  <a:srgbClr val="eeeeee"/>
+                </a:solidFill>
+                <a:latin typeface="Droid Sans"/>
+                <a:ea typeface="Droid Sans"/>
+              </a:rPr>
+              <a:t>},</a:t>
+            </a:r>
+            <a:endParaRPr b="0" lang="en-US" sz="1400" spc="-1" strike="noStrike">
+              <a:latin typeface="Arial"/>
+            </a:endParaRPr>
+          </a:p>
+          <a:p>
+            <a:pPr>
+              <a:lnSpc>
+                <a:spcPct val="100000"/>
+              </a:lnSpc>
+            </a:pPr>
+            <a:r>
+              <a:rPr b="0" lang="en-US" sz="1400" spc="-1" strike="noStrike">
+                <a:solidFill>
+                  <a:srgbClr val="eeeeee"/>
+                </a:solidFill>
+                <a:latin typeface="Droid Sans"/>
+                <a:ea typeface="Droid Sans"/>
+              </a:rPr>
+              <a:t>    </a:t>
+            </a:r>
+            <a:r>
+              <a:rPr b="0" lang="en-US" sz="1400" spc="-1" strike="noStrike">
+                <a:solidFill>
+                  <a:srgbClr val="eeeeee"/>
+                </a:solidFill>
+                <a:latin typeface="Droid Sans"/>
+                <a:ea typeface="Droid Sans"/>
+              </a:rPr>
+              <a:t>options: [</a:t>
+            </a:r>
+            <a:endParaRPr b="0" lang="en-US" sz="1400" spc="-1" strike="noStrike">
+              <a:latin typeface="Arial"/>
+            </a:endParaRPr>
+          </a:p>
+          <a:p>
+            <a:pPr>
+              <a:lnSpc>
+                <a:spcPct val="100000"/>
+              </a:lnSpc>
+            </a:pPr>
+            <a:r>
+              <a:rPr b="0" lang="en-US" sz="1400" spc="-1" strike="noStrike">
+                <a:solidFill>
+                  <a:srgbClr val="eeeeee"/>
+                </a:solidFill>
+                <a:latin typeface="Droid Sans"/>
+                <a:ea typeface="Droid Sans"/>
+              </a:rPr>
+              <a:t>      </a:t>
+            </a:r>
+            <a:r>
+              <a:rPr b="0" lang="en-US" sz="1400" spc="-1" strike="noStrike">
+                <a:solidFill>
+                  <a:srgbClr val="eeeeee"/>
+                </a:solidFill>
+                <a:latin typeface="Droid Sans"/>
+                <a:ea typeface="Droid Sans"/>
+              </a:rPr>
+              <a:t>['Option text here', 'consequence'],</a:t>
+            </a:r>
+            <a:endParaRPr b="0" lang="en-US" sz="1400" spc="-1" strike="noStrike">
+              <a:latin typeface="Arial"/>
+            </a:endParaRPr>
+          </a:p>
+          <a:p>
+            <a:pPr>
+              <a:lnSpc>
+                <a:spcPct val="100000"/>
+              </a:lnSpc>
+            </a:pPr>
+            <a:r>
+              <a:rPr b="0" lang="en-US" sz="1400" spc="-1" strike="noStrike">
+                <a:solidFill>
+                  <a:srgbClr val="eeeeee"/>
+                </a:solidFill>
+                <a:latin typeface="Droid Sans"/>
+                <a:ea typeface="Droid Sans"/>
+              </a:rPr>
+              <a:t>      </a:t>
+            </a:r>
+            <a:r>
+              <a:rPr b="0" lang="en-US" sz="1400" spc="-1" strike="noStrike">
+                <a:solidFill>
+                  <a:srgbClr val="eeeeee"/>
+                </a:solidFill>
+                <a:latin typeface="Droid Sans"/>
+                <a:ea typeface="Droid Sans"/>
+              </a:rPr>
+              <a:t>['Option text here', 'sceneName'],</a:t>
+            </a:r>
+            <a:endParaRPr b="0" lang="en-US" sz="1400" spc="-1" strike="noStrike">
+              <a:latin typeface="Arial"/>
+            </a:endParaRPr>
+          </a:p>
+          <a:p>
+            <a:pPr>
+              <a:lnSpc>
+                <a:spcPct val="100000"/>
+              </a:lnSpc>
+            </a:pPr>
+            <a:r>
+              <a:rPr b="0" lang="en-US" sz="1400" spc="-1" strike="noStrike">
+                <a:solidFill>
+                  <a:srgbClr val="eeeeee"/>
+                </a:solidFill>
+                <a:latin typeface="Droid Sans"/>
+                <a:ea typeface="Droid Sans"/>
+              </a:rPr>
+              <a:t>      </a:t>
+            </a:r>
+            <a:r>
+              <a:rPr b="0" lang="en-US" sz="1400" spc="-1" strike="noStrike">
+                <a:solidFill>
+                  <a:srgbClr val="eeeeee"/>
+                </a:solidFill>
+                <a:latin typeface="Droid Sans"/>
+                <a:ea typeface="Droid Sans"/>
+              </a:rPr>
+              <a:t>... etc ...</a:t>
+            </a:r>
+            <a:endParaRPr b="0" lang="en-US" sz="1400" spc="-1" strike="noStrike">
+              <a:latin typeface="Arial"/>
+            </a:endParaRPr>
+          </a:p>
+          <a:p>
+            <a:pPr>
+              <a:lnSpc>
+                <a:spcPct val="100000"/>
+              </a:lnSpc>
+            </a:pPr>
+            <a:r>
+              <a:rPr b="0" lang="en-US" sz="1400" spc="-1" strike="noStrike">
+                <a:solidFill>
+                  <a:srgbClr val="eeeeee"/>
+                </a:solidFill>
+                <a:latin typeface="Droid Sans"/>
+                <a:ea typeface="Droid Sans"/>
+              </a:rPr>
+              <a:t>    </a:t>
+            </a:r>
+            <a:r>
+              <a:rPr b="0" lang="en-US" sz="1400" spc="-1" strike="noStrike">
+                <a:solidFill>
+                  <a:srgbClr val="eeeeee"/>
+                </a:solidFill>
+                <a:latin typeface="Droid Sans"/>
+                <a:ea typeface="Droid Sans"/>
+              </a:rPr>
+              <a:t>]</a:t>
+            </a:r>
+            <a:endParaRPr b="0" lang="en-US" sz="1400" spc="-1" strike="noStrike">
+              <a:latin typeface="Arial"/>
+            </a:endParaRPr>
+          </a:p>
+          <a:p>
+            <a:pPr>
+              <a:lnSpc>
+                <a:spcPct val="100000"/>
+              </a:lnSpc>
+            </a:pPr>
+            <a:r>
+              <a:rPr b="0" lang="en-US" sz="1400" spc="-1" strike="noStrike">
+                <a:solidFill>
+                  <a:srgbClr val="eeeeee"/>
+                </a:solidFill>
+                <a:latin typeface="Droid Sans"/>
+                <a:ea typeface="Droid Sans"/>
+              </a:rPr>
+              <a:t>  </a:t>
+            </a:r>
+            <a:r>
+              <a:rPr b="0" lang="en-US" sz="1400" spc="-1" strike="noStrike">
+                <a:solidFill>
+                  <a:srgbClr val="eeeeee"/>
+                </a:solidFill>
+                <a:latin typeface="Droid Sans"/>
+                <a:ea typeface="Droid Sans"/>
+              </a:rPr>
+              <a:t>},</a:t>
+            </a:r>
+            <a:endParaRPr b="0" lang="en-US" sz="1400" spc="-1" strike="noStrike">
+              <a:latin typeface="Arial"/>
+            </a:endParaRPr>
+          </a:p>
+          <a:p>
+            <a:pPr>
+              <a:lnSpc>
+                <a:spcPct val="100000"/>
+              </a:lnSpc>
+            </a:pPr>
+            <a:r>
+              <a:rPr b="0" lang="en-US" sz="1400" spc="-1" strike="noStrike">
+                <a:solidFill>
+                  <a:srgbClr val="eeeeee"/>
+                </a:solidFill>
+                <a:latin typeface="Droid Sans"/>
+                <a:ea typeface="Droid Sans"/>
+              </a:rPr>
+              <a:t>  </a:t>
+            </a:r>
+            <a:r>
+              <a:rPr b="0" lang="en-US" sz="1400" spc="-1" strike="noStrike">
+                <a:solidFill>
+                  <a:srgbClr val="eeeeee"/>
+                </a:solidFill>
+                <a:latin typeface="Droid Sans"/>
+                <a:ea typeface="Droid Sans"/>
+              </a:rPr>
+              <a:t>'sceneName': {</a:t>
+            </a:r>
+            <a:endParaRPr b="0" lang="en-US" sz="1400" spc="-1" strike="noStrike">
+              <a:latin typeface="Arial"/>
+            </a:endParaRPr>
+          </a:p>
+          <a:p>
+            <a:pPr>
+              <a:lnSpc>
+                <a:spcPct val="100000"/>
+              </a:lnSpc>
+            </a:pPr>
+            <a:r>
+              <a:rPr b="0" lang="en-US" sz="1400" spc="-1" strike="noStrike">
+                <a:solidFill>
+                  <a:srgbClr val="eeeeee"/>
+                </a:solidFill>
+                <a:latin typeface="Droid Sans"/>
+                <a:ea typeface="Droid Sans"/>
+              </a:rPr>
+              <a:t>    </a:t>
+            </a:r>
+            <a:r>
+              <a:rPr b="0" lang="en-US" sz="1400" spc="-1" strike="noStrike">
+                <a:solidFill>
+                  <a:srgbClr val="eeeeee"/>
+                </a:solidFill>
+                <a:latin typeface="Droid Sans"/>
+                <a:ea typeface="Droid Sans"/>
+              </a:rPr>
+              <a:t>text: 'Scene dialogue here',</a:t>
+            </a:r>
+            <a:endParaRPr b="0" lang="en-US" sz="1400" spc="-1" strike="noStrike">
+              <a:latin typeface="Arial"/>
+            </a:endParaRPr>
+          </a:p>
+          <a:p>
+            <a:pPr>
+              <a:lnSpc>
+                <a:spcPct val="100000"/>
+              </a:lnSpc>
+            </a:pPr>
+            <a:r>
+              <a:rPr b="0" lang="en-US" sz="1400" spc="-1" strike="noStrike">
+                <a:solidFill>
+                  <a:srgbClr val="eeeeee"/>
+                </a:solidFill>
+                <a:latin typeface="Droid Sans"/>
+                <a:ea typeface="Droid Sans"/>
+              </a:rPr>
+              <a:t>    </a:t>
+            </a:r>
+            <a:r>
+              <a:rPr b="0" lang="en-US" sz="1400" spc="-1" strike="noStrike">
+                <a:solidFill>
+                  <a:srgbClr val="eeeeee"/>
+                </a:solidFill>
+                <a:latin typeface="Droid Sans"/>
+                <a:ea typeface="Droid Sans"/>
+              </a:rPr>
+              <a:t>options: [</a:t>
+            </a:r>
+            <a:endParaRPr b="0" lang="en-US" sz="1400" spc="-1" strike="noStrike">
+              <a:latin typeface="Arial"/>
+            </a:endParaRPr>
+          </a:p>
+          <a:p>
+            <a:pPr>
+              <a:lnSpc>
+                <a:spcPct val="100000"/>
+              </a:lnSpc>
+            </a:pPr>
+            <a:r>
+              <a:rPr b="0" lang="en-US" sz="1400" spc="-1" strike="noStrike">
+                <a:solidFill>
+                  <a:srgbClr val="eeeeee"/>
+                </a:solidFill>
+                <a:latin typeface="Droid Sans"/>
+                <a:ea typeface="Droid Sans"/>
+              </a:rPr>
+              <a:t>      </a:t>
+            </a:r>
+            <a:r>
+              <a:rPr b="0" lang="en-US" sz="1400" spc="-1" strike="noStrike">
+                <a:solidFill>
+                  <a:srgbClr val="eeeeee"/>
+                </a:solidFill>
+                <a:latin typeface="Droid Sans"/>
+                <a:ea typeface="Droid Sans"/>
+              </a:rPr>
+              <a:t>['Option text here', 'sceneName'],</a:t>
+            </a:r>
+            <a:endParaRPr b="0" lang="en-US" sz="1400" spc="-1" strike="noStrike">
+              <a:latin typeface="Arial"/>
+            </a:endParaRPr>
+          </a:p>
+          <a:p>
+            <a:pPr>
+              <a:lnSpc>
+                <a:spcPct val="100000"/>
+              </a:lnSpc>
+            </a:pPr>
+            <a:r>
+              <a:rPr b="0" lang="en-US" sz="1400" spc="-1" strike="noStrike">
+                <a:solidFill>
+                  <a:srgbClr val="eeeeee"/>
+                </a:solidFill>
+                <a:latin typeface="Droid Sans"/>
+                <a:ea typeface="Droid Sans"/>
+              </a:rPr>
+              <a:t>      </a:t>
+            </a:r>
+            <a:r>
+              <a:rPr b="0" lang="en-US" sz="1400" spc="-1" strike="noStrike">
+                <a:solidFill>
+                  <a:srgbClr val="eeeeee"/>
+                </a:solidFill>
+                <a:latin typeface="Droid Sans"/>
+                <a:ea typeface="Droid Sans"/>
+              </a:rPr>
+              <a:t>['Option text here', 'sceneName'],</a:t>
+            </a:r>
+            <a:endParaRPr b="0" lang="en-US" sz="1400" spc="-1" strike="noStrike">
+              <a:latin typeface="Arial"/>
+            </a:endParaRPr>
+          </a:p>
+          <a:p>
+            <a:pPr>
+              <a:lnSpc>
+                <a:spcPct val="100000"/>
+              </a:lnSpc>
+            </a:pPr>
+            <a:r>
+              <a:rPr b="0" lang="en-US" sz="1400" spc="-1" strike="noStrike">
+                <a:solidFill>
+                  <a:srgbClr val="eeeeee"/>
+                </a:solidFill>
+                <a:latin typeface="Droid Sans"/>
+                <a:ea typeface="Droid Sans"/>
+              </a:rPr>
+              <a:t>      </a:t>
+            </a:r>
+            <a:r>
+              <a:rPr b="0" lang="en-US" sz="1400" spc="-1" strike="noStrike">
+                <a:solidFill>
+                  <a:srgbClr val="eeeeee"/>
+                </a:solidFill>
+                <a:latin typeface="Droid Sans"/>
+                <a:ea typeface="Droid Sans"/>
+              </a:rPr>
+              <a:t>... etc ...</a:t>
+            </a:r>
+            <a:endParaRPr b="0" lang="en-US" sz="1400" spc="-1" strike="noStrike">
+              <a:latin typeface="Arial"/>
+            </a:endParaRPr>
+          </a:p>
+          <a:p>
+            <a:pPr>
+              <a:lnSpc>
+                <a:spcPct val="100000"/>
+              </a:lnSpc>
+            </a:pPr>
+            <a:r>
+              <a:rPr b="0" lang="en-US" sz="1400" spc="-1" strike="noStrike">
+                <a:solidFill>
+                  <a:srgbClr val="eeeeee"/>
+                </a:solidFill>
+                <a:latin typeface="Droid Sans"/>
+                <a:ea typeface="Droid Sans"/>
+              </a:rPr>
+              <a:t>    </a:t>
+            </a:r>
+            <a:r>
+              <a:rPr b="0" lang="en-US" sz="1400" spc="-1" strike="noStrike">
+                <a:solidFill>
+                  <a:srgbClr val="eeeeee"/>
+                </a:solidFill>
+                <a:latin typeface="Droid Sans"/>
+                <a:ea typeface="Droid Sans"/>
+              </a:rPr>
+              <a:t>]</a:t>
+            </a:r>
+            <a:endParaRPr b="0" lang="en-US" sz="1400" spc="-1" strike="noStrike">
+              <a:latin typeface="Arial"/>
+            </a:endParaRPr>
+          </a:p>
+          <a:p>
+            <a:pPr>
+              <a:lnSpc>
+                <a:spcPct val="100000"/>
+              </a:lnSpc>
+            </a:pPr>
+            <a:r>
+              <a:rPr b="0" lang="en-US" sz="1400" spc="-1" strike="noStrike">
+                <a:solidFill>
+                  <a:srgbClr val="eeeeee"/>
+                </a:solidFill>
+                <a:latin typeface="Droid Sans"/>
+                <a:ea typeface="Droid Sans"/>
+              </a:rPr>
+              <a:t>  </a:t>
+            </a:r>
+            <a:r>
+              <a:rPr b="0" lang="en-US" sz="1400" spc="-1" strike="noStrike">
+                <a:solidFill>
+                  <a:srgbClr val="eeeeee"/>
+                </a:solidFill>
+                <a:latin typeface="Droid Sans"/>
+                <a:ea typeface="Droid Sans"/>
+              </a:rPr>
+              <a:t>},</a:t>
+            </a:r>
+            <a:endParaRPr b="0" lang="en-US" sz="1400" spc="-1" strike="noStrike">
+              <a:latin typeface="Arial"/>
+            </a:endParaRPr>
+          </a:p>
+          <a:p>
+            <a:pPr>
+              <a:lnSpc>
+                <a:spcPct val="100000"/>
+              </a:lnSpc>
+            </a:pPr>
+            <a:r>
+              <a:rPr b="0" lang="en-US" sz="1400" spc="-1" strike="noStrike">
+                <a:solidFill>
+                  <a:srgbClr val="eeeeee"/>
+                </a:solidFill>
+                <a:latin typeface="Droid Sans"/>
+                <a:ea typeface="Droid Sans"/>
+              </a:rPr>
+              <a:t>  </a:t>
+            </a:r>
+            <a:r>
+              <a:rPr b="0" lang="en-US" sz="1400" spc="-1" strike="noStrike">
+                <a:solidFill>
+                  <a:srgbClr val="eeeeee"/>
+                </a:solidFill>
+                <a:latin typeface="Droid Sans"/>
+                <a:ea typeface="Droid Sans"/>
+              </a:rPr>
+              <a:t>... etc ...</a:t>
+            </a:r>
+            <a:endParaRPr b="0" lang="en-US" sz="1400" spc="-1" strike="noStrike">
+              <a:latin typeface="Arial"/>
+            </a:endParaRPr>
+          </a:p>
+          <a:p>
+            <a:pPr>
+              <a:lnSpc>
+                <a:spcPct val="100000"/>
+              </a:lnSpc>
+            </a:pPr>
+            <a:r>
+              <a:rPr b="0" lang="en-US" sz="1400" spc="-1" strike="noStrike">
+                <a:solidFill>
+                  <a:srgbClr val="eeeeee"/>
+                </a:solidFill>
+                <a:latin typeface="Droid Sans"/>
+                <a:ea typeface="Droid Sans"/>
               </a:rPr>
               <a:t>}</a:t>
             </a:r>
@@ -5190,367 +4692,11 @@
             </a:endParaRPr>
           </a:p>
           <a:p>
-            <a:endParaRPr b="0" lang="en-US" sz="1400" spc="-1" strike="noStrike">
-              <a:latin typeface="Arial"/>
-            </a:endParaRPr>
-          </a:p>
-          <a:p>
-            <a:r>
-              <a:rPr b="0" lang="en-US" sz="1400" spc="-1" strike="noStrike">
-                <a:latin typeface="Arial"/>
-              </a:rPr>
-              <a:t>.option:hover {</a:t>
-            </a:r>
-            <a:endParaRPr b="0" lang="en-US" sz="1400" spc="-1" strike="noStrike">
-              <a:latin typeface="Arial"/>
-            </a:endParaRPr>
-          </a:p>
-          <a:p>
-            <a:r>
-              <a:rPr b="0" lang="en-US" sz="1400" spc="-1" strike="noStrike">
-                <a:latin typeface="Arial"/>
-              </a:rPr>
-              <a:t>  …</a:t>
-            </a:r>
-            <a:endParaRPr b="0" lang="en-US" sz="1400" spc="-1" strike="noStrike">
-              <a:latin typeface="Arial"/>
-            </a:endParaRPr>
-          </a:p>
-          <a:p>
-            <a:r>
-              <a:rPr b="0" lang="en-US" sz="1400" spc="-1" strike="noStrike">
-                <a:latin typeface="Arial"/>
-              </a:rPr>
-              <a:t>    </a:t>
-            </a:r>
-            <a:r>
-              <a:rPr b="0" lang="en-US" sz="1400" spc="-1" strike="noStrike">
-                <a:latin typeface="Arial"/>
-              </a:rPr>
-              <a:t>animation: shadow-pulsehover 2s infinite;</a:t>
-            </a:r>
-            <a:endParaRPr b="0" lang="en-US" sz="1400" spc="-1" strike="noStrike">
-              <a:latin typeface="Arial"/>
-            </a:endParaRPr>
-          </a:p>
-          <a:p>
-            <a:r>
-              <a:rPr b="0" lang="en-US" sz="1400" spc="-1" strike="noStrike">
-                <a:latin typeface="Arial"/>
-              </a:rPr>
-              <a:t>  …</a:t>
-            </a:r>
-            <a:endParaRPr b="0" lang="en-US" sz="1400" spc="-1" strike="noStrike">
-              <a:latin typeface="Arial"/>
-            </a:endParaRPr>
-          </a:p>
-          <a:p>
-            <a:r>
-              <a:rPr b="0" lang="en-US" sz="1400" spc="-1" strike="noStrike">
-                <a:latin typeface="Arial"/>
-              </a:rPr>
-              <a:t>}</a:t>
-            </a:r>
-            <a:endParaRPr b="0" lang="en-US" sz="1400" spc="-1" strike="noStrike">
-              <a:latin typeface="Arial"/>
-            </a:endParaRPr>
-          </a:p>
-        </p:txBody>
-      </p:sp>
-      <p:sp>
-        <p:nvSpPr>
-          <p:cNvPr id="108" name="TextShape 4"/>
-          <p:cNvSpPr txBox="1"/>
-          <p:nvPr/>
-        </p:nvSpPr>
-        <p:spPr>
-          <a:xfrm>
-            <a:off x="4846320" y="822960"/>
-            <a:ext cx="4206240" cy="3886560"/>
-          </a:xfrm>
-          <a:prstGeom prst="rect">
-            <a:avLst/>
-          </a:prstGeom>
-          <a:noFill/>
-          <a:ln>
-            <a:noFill/>
-          </a:ln>
-        </p:spPr>
-        <p:txBody>
-          <a:bodyPr lIns="90000" rIns="90000" tIns="45000" bIns="45000">
-            <a:spAutoFit/>
-          </a:bodyPr>
-          <a:p>
-            <a:r>
-              <a:rPr b="0" lang="en-US" sz="1400" spc="-1" strike="noStrike">
-                <a:latin typeface="Arial"/>
-              </a:rPr>
-              <a:t>@keyframes shadow-pulse</a:t>
-            </a:r>
-            <a:endParaRPr b="0" lang="en-US" sz="1400" spc="-1" strike="noStrike">
-              <a:latin typeface="Arial"/>
-            </a:endParaRPr>
-          </a:p>
-          <a:p>
-            <a:r>
-              <a:rPr b="0" lang="en-US" sz="1400" spc="-1" strike="noStrike">
-                <a:latin typeface="Arial"/>
-              </a:rPr>
-              <a:t>{</a:t>
-            </a:r>
-            <a:endParaRPr b="0" lang="en-US" sz="1400" spc="-1" strike="noStrike">
-              <a:latin typeface="Arial"/>
-            </a:endParaRPr>
-          </a:p>
-          <a:p>
-            <a:r>
-              <a:rPr b="0" lang="en-US" sz="1400" spc="-1" strike="noStrike">
-                <a:latin typeface="Arial"/>
-              </a:rPr>
-              <a:t>  </a:t>
-            </a:r>
-            <a:r>
-              <a:rPr b="0" lang="en-US" sz="1400" spc="-1" strike="noStrike">
-                <a:latin typeface="Arial"/>
-              </a:rPr>
-              <a:t>0% {</a:t>
-            </a:r>
-            <a:endParaRPr b="0" lang="en-US" sz="1400" spc="-1" strike="noStrike">
-              <a:latin typeface="Arial"/>
-            </a:endParaRPr>
-          </a:p>
-          <a:p>
-            <a:r>
-              <a:rPr b="0" lang="en-US" sz="1400" spc="-1" strike="noStrike">
-                <a:latin typeface="Arial"/>
-              </a:rPr>
-              <a:t>    </a:t>
-            </a:r>
-            <a:r>
-              <a:rPr b="0" lang="en-US" sz="1400" spc="-1" strike="noStrike">
-                <a:latin typeface="Arial"/>
-              </a:rPr>
-              <a:t>box-shadow: 0 0 0 0px rgba(1, 255, 255, 1);</a:t>
-            </a:r>
-            <a:endParaRPr b="0" lang="en-US" sz="1400" spc="-1" strike="noStrike">
-              <a:latin typeface="Arial"/>
-            </a:endParaRPr>
-          </a:p>
-          <a:p>
-            <a:r>
-              <a:rPr b="0" lang="en-US" sz="1400" spc="-1" strike="noStrike">
-                <a:latin typeface="Arial"/>
-              </a:rPr>
-              <a:t>  </a:t>
-            </a:r>
-            <a:r>
-              <a:rPr b="0" lang="en-US" sz="1400" spc="-1" strike="noStrike">
-                <a:latin typeface="Arial"/>
-              </a:rPr>
-              <a:t>}</a:t>
-            </a:r>
-            <a:endParaRPr b="0" lang="en-US" sz="1400" spc="-1" strike="noStrike">
-              <a:latin typeface="Arial"/>
-            </a:endParaRPr>
-          </a:p>
-          <a:p>
-            <a:r>
-              <a:rPr b="0" lang="en-US" sz="1400" spc="-1" strike="noStrike">
-                <a:latin typeface="Arial"/>
-              </a:rPr>
-              <a:t>  </a:t>
-            </a:r>
-            <a:r>
-              <a:rPr b="0" lang="en-US" sz="1400" spc="-1" strike="noStrike">
-                <a:latin typeface="Arial"/>
-              </a:rPr>
-              <a:t>100% {</a:t>
-            </a:r>
-            <a:endParaRPr b="0" lang="en-US" sz="1400" spc="-1" strike="noStrike">
-              <a:latin typeface="Arial"/>
-            </a:endParaRPr>
-          </a:p>
-          <a:p>
-            <a:r>
-              <a:rPr b="0" lang="en-US" sz="1400" spc="-1" strike="noStrike">
-                <a:latin typeface="Arial"/>
-              </a:rPr>
-              <a:t>    </a:t>
-            </a:r>
-            <a:r>
-              <a:rPr b="0" lang="en-US" sz="1400" spc="-1" strike="noStrike">
-                <a:latin typeface="Arial"/>
-              </a:rPr>
-              <a:t>box-shadow: 0 0 0 35px rgba(1, 255, 255, 0);</a:t>
-            </a:r>
-            <a:endParaRPr b="0" lang="en-US" sz="1400" spc="-1" strike="noStrike">
-              <a:latin typeface="Arial"/>
-            </a:endParaRPr>
-          </a:p>
-          <a:p>
-            <a:r>
-              <a:rPr b="0" lang="en-US" sz="1400" spc="-1" strike="noStrike">
-                <a:latin typeface="Arial"/>
-              </a:rPr>
-              <a:t>  </a:t>
-            </a:r>
-            <a:r>
-              <a:rPr b="0" lang="en-US" sz="1400" spc="-1" strike="noStrike">
-                <a:latin typeface="Arial"/>
-              </a:rPr>
-              <a:t>}</a:t>
-            </a:r>
-            <a:endParaRPr b="0" lang="en-US" sz="1400" spc="-1" strike="noStrike">
-              <a:latin typeface="Arial"/>
-            </a:endParaRPr>
-          </a:p>
-          <a:p>
-            <a:r>
-              <a:rPr b="0" lang="en-US" sz="1400" spc="-1" strike="noStrike">
-                <a:latin typeface="Arial"/>
-              </a:rPr>
-              <a:t>}</a:t>
-            </a:r>
-            <a:endParaRPr b="0" lang="en-US" sz="1400" spc="-1" strike="noStrike">
-              <a:latin typeface="Arial"/>
-            </a:endParaRPr>
-          </a:p>
-          <a:p>
-            <a:endParaRPr b="0" lang="en-US" sz="1400" spc="-1" strike="noStrike">
-              <a:latin typeface="Arial"/>
-            </a:endParaRPr>
-          </a:p>
-          <a:p>
-            <a:r>
-              <a:rPr b="0" lang="en-US" sz="1400" spc="-1" strike="noStrike">
-                <a:latin typeface="Arial"/>
-              </a:rPr>
-              <a:t>@keyframes shadow-pulsehover</a:t>
-            </a:r>
-            <a:endParaRPr b="0" lang="en-US" sz="1400" spc="-1" strike="noStrike">
-              <a:latin typeface="Arial"/>
-            </a:endParaRPr>
-          </a:p>
-          <a:p>
-            <a:r>
-              <a:rPr b="0" lang="en-US" sz="1400" spc="-1" strike="noStrike">
-                <a:latin typeface="Arial"/>
-              </a:rPr>
-              <a:t>{</a:t>
-            </a:r>
-            <a:endParaRPr b="0" lang="en-US" sz="1400" spc="-1" strike="noStrike">
-              <a:latin typeface="Arial"/>
-            </a:endParaRPr>
-          </a:p>
-          <a:p>
-            <a:r>
-              <a:rPr b="0" lang="en-US" sz="1400" spc="-1" strike="noStrike">
-                <a:latin typeface="Arial"/>
-              </a:rPr>
-              <a:t>  </a:t>
-            </a:r>
-            <a:r>
-              <a:rPr b="0" lang="en-US" sz="1400" spc="-1" strike="noStrike">
-                <a:latin typeface="Arial"/>
-              </a:rPr>
-              <a:t>0% {</a:t>
-            </a:r>
-            <a:endParaRPr b="0" lang="en-US" sz="1400" spc="-1" strike="noStrike">
-              <a:latin typeface="Arial"/>
-            </a:endParaRPr>
-          </a:p>
-          <a:p>
-            <a:r>
-              <a:rPr b="0" lang="en-US" sz="1400" spc="-1" strike="noStrike">
-                <a:latin typeface="Arial"/>
-              </a:rPr>
-              <a:t>    </a:t>
-            </a:r>
-            <a:r>
-              <a:rPr b="0" lang="en-US" sz="1400" spc="-1" strike="noStrike">
-                <a:latin typeface="Arial"/>
-              </a:rPr>
-              <a:t>box-shadow: 0 0 0 0px rgba(251, 51, 219, 1);</a:t>
-            </a:r>
-            <a:endParaRPr b="0" lang="en-US" sz="1400" spc="-1" strike="noStrike">
-              <a:latin typeface="Arial"/>
-            </a:endParaRPr>
-          </a:p>
-          <a:p>
-            <a:r>
-              <a:rPr b="0" lang="en-US" sz="1400" spc="-1" strike="noStrike">
-                <a:latin typeface="Arial"/>
-              </a:rPr>
-              <a:t>  </a:t>
-            </a:r>
-            <a:r>
-              <a:rPr b="0" lang="en-US" sz="1400" spc="-1" strike="noStrike">
-                <a:latin typeface="Arial"/>
-              </a:rPr>
-              <a:t>}</a:t>
-            </a:r>
-            <a:endParaRPr b="0" lang="en-US" sz="1400" spc="-1" strike="noStrike">
-              <a:latin typeface="Arial"/>
-            </a:endParaRPr>
-          </a:p>
-          <a:p>
-            <a:r>
-              <a:rPr b="0" lang="en-US" sz="1400" spc="-1" strike="noStrike">
-                <a:latin typeface="Arial"/>
-              </a:rPr>
-              <a:t>  </a:t>
-            </a:r>
-            <a:r>
-              <a:rPr b="0" lang="en-US" sz="1400" spc="-1" strike="noStrike">
-                <a:latin typeface="Arial"/>
-              </a:rPr>
-              <a:t>100% {</a:t>
-            </a:r>
-            <a:endParaRPr b="0" lang="en-US" sz="1400" spc="-1" strike="noStrike">
-              <a:latin typeface="Arial"/>
-            </a:endParaRPr>
-          </a:p>
-          <a:p>
-            <a:r>
-              <a:rPr b="0" lang="en-US" sz="1400" spc="-1" strike="noStrike">
-                <a:latin typeface="Arial"/>
-              </a:rPr>
-              <a:t>    </a:t>
-            </a:r>
-            <a:r>
-              <a:rPr b="0" lang="en-US" sz="1400" spc="-1" strike="noStrike">
-                <a:latin typeface="Arial"/>
-              </a:rPr>
-              <a:t>box-shadow: 0 0 0 35px rgba(1, 255, 255, 0);</a:t>
-            </a:r>
-            <a:endParaRPr b="0" lang="en-US" sz="1400" spc="-1" strike="noStrike">
-              <a:latin typeface="Arial"/>
-            </a:endParaRPr>
-          </a:p>
-          <a:p>
-            <a:r>
-              <a:rPr b="0" lang="en-US" sz="1400" spc="-1" strike="noStrike">
-                <a:latin typeface="Arial"/>
-              </a:rPr>
-              <a:t>  </a:t>
-            </a:r>
-            <a:r>
-              <a:rPr b="0" lang="en-US" sz="1400" spc="-1" strike="noStrike">
-                <a:latin typeface="Arial"/>
-              </a:rPr>
-              <a:t>}</a:t>
-            </a:r>
-            <a:endParaRPr b="0" lang="en-US" sz="1400" spc="-1" strike="noStrike">
-              <a:latin typeface="Arial"/>
-            </a:endParaRPr>
-          </a:p>
-          <a:p>
-            <a:r>
-              <a:rPr b="0" lang="en-US" sz="1400" spc="-1" strike="noStrike">
-                <a:latin typeface="Arial"/>
-              </a:rPr>
-              <a:t>}</a:t>
-            </a:r>
+            <a:pPr>
+              <a:lnSpc>
+                <a:spcPct val="100000"/>
+              </a:lnSpc>
+            </a:pPr>
             <a:endParaRPr b="0" lang="en-US" sz="1400" spc="-1" strike="noStrike">
               <a:latin typeface="Arial"/>
             </a:endParaRPr>
@@ -5596,14 +4742,14 @@
       </p:grpSpPr>
       <p:sp>
         <p:nvSpPr>
-          <p:cNvPr id="109" name="TextShape 1"/>
-          <p:cNvSpPr txBox="1"/>
+          <p:cNvPr id="105" name="CustomShape 1"/>
+          <p:cNvSpPr/>
           <p:nvPr/>
         </p:nvSpPr>
         <p:spPr>
           <a:xfrm>
-            <a:off x="311760" y="444960"/>
-            <a:ext cx="8520120" cy="572400"/>
+            <a:off x="311760" y="517320"/>
+            <a:ext cx="8519760" cy="427320"/>
           </a:xfrm>
           <a:prstGeom prst="rect">
             <a:avLst/>
@@ -5613,9 +4759,15 @@
             <a:noFill/>
           </a:ln>
         </p:spPr>
-        <p:txBody>
-          <a:bodyPr tIns="91440" bIns="91440">
-            <a:noAutofit/>
+        <p:style>
+          <a:lnRef idx="0"/>
+          <a:fillRef idx="0"/>
+          <a:effectRef idx="0"/>
+          <a:fontRef idx="minor"/>
+        </p:style>
+        <p:txBody>
+          <a:bodyPr lIns="0" rIns="0" tIns="0" bIns="0" anchor="ctr">
+            <a:spAutoFit/>
           </a:bodyPr>
           <a:p>
             <a:pPr>
@@ -5629,29 +4781,25 @@
                   <a:srgbClr val="01ffc3"/>
                 </a:solidFill>
                 <a:latin typeface="Lacquer"/>
-                <a:ea typeface="Arial"/>
-              </a:rPr>
-              <a:t>Stretch Goals</a:t>
+              </a:rPr>
+              <a:t>Style</a:t>
             </a:r>
             <a:endParaRPr b="0" lang="en-US" sz="2800" spc="-1" strike="noStrike">
-              <a:solidFill>
-                <a:srgbClr val="01ffc3"/>
-              </a:solidFill>
-              <a:latin typeface="Lacquer"/>
-            </a:endParaRPr>
-          </a:p>
-        </p:txBody>
-      </p:sp>
-      <p:sp>
-        <p:nvSpPr>
-          <p:cNvPr id="110" name="TextShape 2"/>
-          <p:cNvSpPr txBox="1"/>
+              <a:latin typeface="Arial"/>
+            </a:endParaRPr>
+          </a:p>
+        </p:txBody>
+      </p:sp>
+      <p:sp>
+        <p:nvSpPr>
+          <p:cNvPr id="106" name="CustomShape 2"/>
+          <p:cNvSpPr/>
           <p:nvPr/>
         </p:nvSpPr>
         <p:spPr>
           <a:xfrm>
-            <a:off x="365760" y="1017360"/>
-            <a:ext cx="8412480" cy="1882080"/>
+            <a:off x="274320" y="1280160"/>
+            <a:ext cx="4205880" cy="3415680"/>
           </a:xfrm>
           <a:prstGeom prst="rect">
             <a:avLst/>
@@ -5661,91 +4809,668 @@
             <a:noFill/>
           </a:ln>
         </p:spPr>
+        <p:style>
+          <a:lnRef idx="0"/>
+          <a:fillRef idx="0"/>
+          <a:effectRef idx="0"/>
+          <a:fontRef idx="minor"/>
+        </p:style>
+        <p:txBody>
+          <a:bodyPr lIns="0" rIns="0" tIns="0" bIns="0">
+            <a:normAutofit/>
+          </a:bodyPr>
+          <a:p>
+            <a:pPr marL="432000" indent="-323640">
+              <a:lnSpc>
+                <a:spcPct val="100000"/>
+              </a:lnSpc>
+              <a:spcBef>
+                <a:spcPts val="1417"/>
+              </a:spcBef>
+              <a:buClr>
+                <a:srgbClr val="ffffff"/>
+              </a:buClr>
+              <a:buSzPct val="45000"/>
+              <a:buFont typeface="Wingdings" charset="2"/>
+              <a:buChar char=""/>
+            </a:pPr>
+            <a:r>
+              <a:rPr b="0" lang="en-US" sz="1400" spc="-1" strike="noStrike">
+                <a:solidFill>
+                  <a:srgbClr val="eeeeee"/>
+                </a:solidFill>
+                <a:latin typeface="Arial"/>
+              </a:rPr>
+              <a:t>Our group also added some neat CSS, mainly a pulsing animation on our options buttons that change when you hover over them.</a:t>
+            </a:r>
+            <a:endParaRPr b="0" lang="en-US" sz="1400" spc="-1" strike="noStrike">
+              <a:latin typeface="Arial"/>
+            </a:endParaRPr>
+          </a:p>
+          <a:p>
+            <a:pPr>
+              <a:lnSpc>
+                <a:spcPct val="100000"/>
+              </a:lnSpc>
+              <a:spcBef>
+                <a:spcPts val="1417"/>
+              </a:spcBef>
+            </a:pPr>
+            <a:endParaRPr b="0" lang="en-US" sz="1400" spc="-1" strike="noStrike">
+              <a:latin typeface="Arial"/>
+            </a:endParaRPr>
+          </a:p>
+        </p:txBody>
+      </p:sp>
+      <p:sp>
+        <p:nvSpPr>
+          <p:cNvPr id="107" name="CustomShape 3"/>
+          <p:cNvSpPr/>
+          <p:nvPr/>
+        </p:nvSpPr>
+        <p:spPr>
+          <a:xfrm>
+            <a:off x="365760" y="2377440"/>
+            <a:ext cx="4023000" cy="2433960"/>
+          </a:xfrm>
+          <a:prstGeom prst="rect">
+            <a:avLst/>
+          </a:prstGeom>
+          <a:noFill/>
+          <a:ln>
+            <a:noFill/>
+          </a:ln>
+        </p:spPr>
+        <p:style>
+          <a:lnRef idx="0"/>
+          <a:fillRef idx="0"/>
+          <a:effectRef idx="0"/>
+          <a:fontRef idx="minor"/>
+        </p:style>
         <p:txBody>
           <a:bodyPr lIns="90000" rIns="90000" tIns="45000" bIns="45000">
             <a:spAutoFit/>
           </a:bodyPr>
           <a:p>
-            <a:r>
-              <a:rPr b="0" lang="en-US" sz="1800" spc="-1" strike="noStrike">
-                <a:latin typeface="Arial"/>
-              </a:rPr>
-              <a:t>Since we finished the MVP rather early, we were able to implement some of our stretch goals, such as:</a:t>
-            </a:r>
-            <a:endParaRPr b="0" lang="en-US" sz="1800" spc="-1" strike="noStrike">
-              <a:latin typeface="Arial"/>
-            </a:endParaRPr>
-          </a:p>
-          <a:p>
-            <a:endParaRPr b="0" lang="en-US" sz="1800" spc="-1" strike="noStrike">
-              <a:latin typeface="Arial"/>
-            </a:endParaRPr>
-          </a:p>
-          <a:p>
-            <a:r>
-              <a:rPr b="0" lang="en-US" sz="1800" spc="-1" strike="noStrike">
-                <a:latin typeface="Arial"/>
-              </a:rPr>
-              <a:t>	</a:t>
-            </a:r>
-            <a:r>
-              <a:rPr b="0" lang="en-US" sz="1800" spc="-1" strike="noStrike">
-                <a:latin typeface="Arial"/>
-              </a:rPr>
-              <a:t>Background Music</a:t>
-            </a:r>
-            <a:endParaRPr b="0" lang="en-US" sz="1800" spc="-1" strike="noStrike">
-              <a:latin typeface="Arial"/>
-            </a:endParaRPr>
-          </a:p>
-          <a:p>
-            <a:r>
-              <a:rPr b="0" lang="en-US" sz="1800" spc="-1" strike="noStrike">
-                <a:latin typeface="Arial"/>
-              </a:rPr>
-              <a:t>	</a:t>
-            </a:r>
-            <a:r>
-              <a:rPr b="0" lang="en-US" sz="1800" spc="-1" strike="noStrike">
-                <a:latin typeface="Arial"/>
-              </a:rPr>
-              <a:t>Background Images</a:t>
-            </a:r>
-            <a:endParaRPr b="0" lang="en-US" sz="1800" spc="-1" strike="noStrike">
-              <a:latin typeface="Arial"/>
-            </a:endParaRPr>
-          </a:p>
-          <a:p>
-            <a:r>
-              <a:rPr b="0" lang="en-US" sz="1800" spc="-1" strike="noStrike">
-                <a:latin typeface="Arial"/>
-              </a:rPr>
-              <a:t>	</a:t>
-            </a:r>
-            <a:r>
-              <a:rPr b="0" lang="en-US" sz="1800" spc="-1" strike="noStrike">
-                <a:latin typeface="Arial"/>
-              </a:rPr>
-              <a:t>More than a single story-line</a:t>
-            </a:r>
-            <a:endParaRPr b="0" lang="en-US" sz="1800" spc="-1" strike="noStrike">
-              <a:latin typeface="Arial"/>
-            </a:endParaRPr>
-          </a:p>
-          <a:p>
-            <a:r>
-              <a:rPr b="0" lang="en-US" sz="1800" spc="-1" strike="noStrike">
-                <a:latin typeface="Arial"/>
-              </a:rPr>
-              <a:t>	</a:t>
-            </a:r>
-            <a:r>
-              <a:rPr b="0" lang="en-US" sz="1800" spc="-1" strike="noStrike">
-                <a:latin typeface="Arial"/>
-              </a:rPr>
-              <a:t>Added basic inventory, but didn’t have time to implement in the story</a:t>
-            </a:r>
-            <a:endParaRPr b="0" lang="en-US" sz="1800" spc="-1" strike="noStrike">
+            <a:pPr>
+              <a:lnSpc>
+                <a:spcPct val="100000"/>
+              </a:lnSpc>
+            </a:pPr>
+            <a:r>
+              <a:rPr b="0" lang="en-US" sz="1400" spc="-1" strike="noStrike">
+                <a:latin typeface="Arial"/>
+              </a:rPr>
+              <a:t>.option {</a:t>
+            </a:r>
+            <a:endParaRPr b="0" lang="en-US" sz="1400" spc="-1" strike="noStrike">
+              <a:latin typeface="Arial"/>
+            </a:endParaRPr>
+          </a:p>
+          <a:p>
+            <a:pPr>
+              <a:lnSpc>
+                <a:spcPct val="100000"/>
+              </a:lnSpc>
+            </a:pPr>
+            <a:r>
+              <a:rPr b="0" lang="en-US" sz="1400" spc="-1" strike="noStrike">
+                <a:latin typeface="Arial"/>
+              </a:rPr>
+              <a:t>  …</a:t>
+            </a:r>
+            <a:endParaRPr b="0" lang="en-US" sz="1400" spc="-1" strike="noStrike">
+              <a:latin typeface="Arial"/>
+            </a:endParaRPr>
+          </a:p>
+          <a:p>
+            <a:pPr>
+              <a:lnSpc>
+                <a:spcPct val="100000"/>
+              </a:lnSpc>
+            </a:pPr>
+            <a:r>
+              <a:rPr b="0" lang="en-US" sz="1400" spc="-1" strike="noStrike">
+                <a:latin typeface="Arial"/>
+              </a:rPr>
+              <a:t>  </a:t>
+            </a:r>
+            <a:r>
+              <a:rPr b="0" lang="en-US" sz="1400" spc="-1" strike="noStrike">
+                <a:latin typeface="Arial"/>
+              </a:rPr>
+              <a:t>animation: shadow-pulse 2s infinite;</a:t>
+            </a:r>
+            <a:endParaRPr b="0" lang="en-US" sz="1400" spc="-1" strike="noStrike">
+              <a:latin typeface="Arial"/>
+            </a:endParaRPr>
+          </a:p>
+          <a:p>
+            <a:pPr>
+              <a:lnSpc>
+                <a:spcPct val="100000"/>
+              </a:lnSpc>
+            </a:pPr>
+            <a:r>
+              <a:rPr b="0" lang="en-US" sz="1400" spc="-1" strike="noStrike">
+                <a:latin typeface="Arial"/>
+              </a:rPr>
+              <a:t>  …</a:t>
+            </a:r>
+            <a:endParaRPr b="0" lang="en-US" sz="1400" spc="-1" strike="noStrike">
+              <a:latin typeface="Arial"/>
+            </a:endParaRPr>
+          </a:p>
+          <a:p>
+            <a:pPr>
+              <a:lnSpc>
+                <a:spcPct val="100000"/>
+              </a:lnSpc>
+            </a:pPr>
+            <a:r>
+              <a:rPr b="0" lang="en-US" sz="1400" spc="-1" strike="noStrike">
+                <a:latin typeface="Arial"/>
+              </a:rPr>
+              <a:t>}</a:t>
+            </a:r>
+            <a:endParaRPr b="0" lang="en-US" sz="1400" spc="-1" strike="noStrike">
+              <a:latin typeface="Arial"/>
+            </a:endParaRPr>
+          </a:p>
+          <a:p>
+            <a:pPr>
+              <a:lnSpc>
+                <a:spcPct val="100000"/>
+              </a:lnSpc>
+            </a:pPr>
+            <a:endParaRPr b="0" lang="en-US" sz="1400" spc="-1" strike="noStrike">
+              <a:latin typeface="Arial"/>
+            </a:endParaRPr>
+          </a:p>
+          <a:p>
+            <a:pPr>
+              <a:lnSpc>
+                <a:spcPct val="100000"/>
+              </a:lnSpc>
+            </a:pPr>
+            <a:r>
+              <a:rPr b="0" lang="en-US" sz="1400" spc="-1" strike="noStrike">
+                <a:latin typeface="Arial"/>
+              </a:rPr>
+              <a:t>.option:hover {</a:t>
+            </a:r>
+            <a:endParaRPr b="0" lang="en-US" sz="1400" spc="-1" strike="noStrike">
+              <a:latin typeface="Arial"/>
+            </a:endParaRPr>
+          </a:p>
+          <a:p>
+            <a:pPr>
+              <a:lnSpc>
+                <a:spcPct val="100000"/>
+              </a:lnSpc>
+            </a:pPr>
+            <a:r>
+              <a:rPr b="0" lang="en-US" sz="1400" spc="-1" strike="noStrike">
+                <a:latin typeface="Arial"/>
+              </a:rPr>
+              <a:t>  …</a:t>
+            </a:r>
+            <a:endParaRPr b="0" lang="en-US" sz="1400" spc="-1" strike="noStrike">
+              <a:latin typeface="Arial"/>
+            </a:endParaRPr>
+          </a:p>
+          <a:p>
+            <a:pPr>
+              <a:lnSpc>
+                <a:spcPct val="100000"/>
+              </a:lnSpc>
+            </a:pPr>
+            <a:r>
+              <a:rPr b="0" lang="en-US" sz="1400" spc="-1" strike="noStrike">
+                <a:latin typeface="Arial"/>
+              </a:rPr>
+              <a:t>    </a:t>
+            </a:r>
+            <a:r>
+              <a:rPr b="0" lang="en-US" sz="1400" spc="-1" strike="noStrike">
+                <a:latin typeface="Arial"/>
+              </a:rPr>
+              <a:t>animation: shadow-pulsehover 2s infinite;</a:t>
+            </a:r>
+            <a:endParaRPr b="0" lang="en-US" sz="1400" spc="-1" strike="noStrike">
+              <a:latin typeface="Arial"/>
+            </a:endParaRPr>
+          </a:p>
+          <a:p>
+            <a:pPr>
+              <a:lnSpc>
+                <a:spcPct val="100000"/>
+              </a:lnSpc>
+            </a:pPr>
+            <a:r>
+              <a:rPr b="0" lang="en-US" sz="1400" spc="-1" strike="noStrike">
+                <a:latin typeface="Arial"/>
+              </a:rPr>
+              <a:t>  …</a:t>
+            </a:r>
+            <a:endParaRPr b="0" lang="en-US" sz="1400" spc="-1" strike="noStrike">
+              <a:latin typeface="Arial"/>
+            </a:endParaRPr>
+          </a:p>
+          <a:p>
+            <a:pPr>
+              <a:lnSpc>
+                <a:spcPct val="100000"/>
+              </a:lnSpc>
+            </a:pPr>
+            <a:r>
+              <a:rPr b="0" lang="en-US" sz="1400" spc="-1" strike="noStrike">
+                <a:latin typeface="Arial"/>
+              </a:rPr>
+              <a:t>}</a:t>
+            </a:r>
+            <a:endParaRPr b="0" lang="en-US" sz="1400" spc="-1" strike="noStrike">
+              <a:latin typeface="Arial"/>
+            </a:endParaRPr>
+          </a:p>
+        </p:txBody>
+      </p:sp>
+      <p:sp>
+        <p:nvSpPr>
+          <p:cNvPr id="108" name="CustomShape 4"/>
+          <p:cNvSpPr/>
+          <p:nvPr/>
+        </p:nvSpPr>
+        <p:spPr>
+          <a:xfrm>
+            <a:off x="4846320" y="822960"/>
+            <a:ext cx="4205880" cy="4138920"/>
+          </a:xfrm>
+          <a:prstGeom prst="rect">
+            <a:avLst/>
+          </a:prstGeom>
+          <a:noFill/>
+          <a:ln>
+            <a:noFill/>
+          </a:ln>
+        </p:spPr>
+        <p:style>
+          <a:lnRef idx="0"/>
+          <a:fillRef idx="0"/>
+          <a:effectRef idx="0"/>
+          <a:fontRef idx="minor"/>
+        </p:style>
+        <p:txBody>
+          <a:bodyPr lIns="90000" rIns="90000" tIns="45000" bIns="45000">
+            <a:spAutoFit/>
+          </a:bodyPr>
+          <a:p>
+            <a:pPr>
+              <a:lnSpc>
+                <a:spcPct val="100000"/>
+              </a:lnSpc>
+            </a:pPr>
+            <a:r>
+              <a:rPr b="0" lang="en-US" sz="1400" spc="-1" strike="noStrike">
+                <a:latin typeface="Arial"/>
+              </a:rPr>
+              <a:t>@keyframes shadow-pulse</a:t>
+            </a:r>
+            <a:endParaRPr b="0" lang="en-US" sz="1400" spc="-1" strike="noStrike">
+              <a:latin typeface="Arial"/>
+            </a:endParaRPr>
+          </a:p>
+          <a:p>
+            <a:pPr>
+              <a:lnSpc>
+                <a:spcPct val="100000"/>
+              </a:lnSpc>
+            </a:pPr>
+            <a:r>
+              <a:rPr b="0" lang="en-US" sz="1400" spc="-1" strike="noStrike">
+                <a:latin typeface="Arial"/>
+              </a:rPr>
+              <a:t>{</a:t>
+            </a:r>
+            <a:endParaRPr b="0" lang="en-US" sz="1400" spc="-1" strike="noStrike">
+              <a:latin typeface="Arial"/>
+            </a:endParaRPr>
+          </a:p>
+          <a:p>
+            <a:pPr>
+              <a:lnSpc>
+                <a:spcPct val="100000"/>
+              </a:lnSpc>
+            </a:pPr>
+            <a:r>
+              <a:rPr b="0" lang="en-US" sz="1400" spc="-1" strike="noStrike">
+                <a:latin typeface="Arial"/>
+              </a:rPr>
+              <a:t>  </a:t>
+            </a:r>
+            <a:r>
+              <a:rPr b="0" lang="en-US" sz="1400" spc="-1" strike="noStrike">
+                <a:latin typeface="Arial"/>
+              </a:rPr>
+              <a:t>0% {</a:t>
+            </a:r>
+            <a:endParaRPr b="0" lang="en-US" sz="1400" spc="-1" strike="noStrike">
+              <a:latin typeface="Arial"/>
+            </a:endParaRPr>
+          </a:p>
+          <a:p>
+            <a:pPr>
+              <a:lnSpc>
+                <a:spcPct val="100000"/>
+              </a:lnSpc>
+            </a:pPr>
+            <a:r>
+              <a:rPr b="0" lang="en-US" sz="1400" spc="-1" strike="noStrike">
+                <a:latin typeface="Arial"/>
+              </a:rPr>
+              <a:t>    </a:t>
+            </a:r>
+            <a:r>
+              <a:rPr b="0" lang="en-US" sz="1400" spc="-1" strike="noStrike">
+                <a:latin typeface="Arial"/>
+              </a:rPr>
+              <a:t>box-shadow: 0 0 0 0px rgba(1, 255, 255, 1);</a:t>
+            </a:r>
+            <a:endParaRPr b="0" lang="en-US" sz="1400" spc="-1" strike="noStrike">
+              <a:latin typeface="Arial"/>
+            </a:endParaRPr>
+          </a:p>
+          <a:p>
+            <a:pPr>
+              <a:lnSpc>
+                <a:spcPct val="100000"/>
+              </a:lnSpc>
+            </a:pPr>
+            <a:r>
+              <a:rPr b="0" lang="en-US" sz="1400" spc="-1" strike="noStrike">
+                <a:latin typeface="Arial"/>
+              </a:rPr>
+              <a:t>  </a:t>
+            </a:r>
+            <a:r>
+              <a:rPr b="0" lang="en-US" sz="1400" spc="-1" strike="noStrike">
+                <a:latin typeface="Arial"/>
+              </a:rPr>
+              <a:t>}</a:t>
+            </a:r>
+            <a:endParaRPr b="0" lang="en-US" sz="1400" spc="-1" strike="noStrike">
+              <a:latin typeface="Arial"/>
+            </a:endParaRPr>
+          </a:p>
+          <a:p>
+            <a:pPr>
+              <a:lnSpc>
+                <a:spcPct val="100000"/>
+              </a:lnSpc>
+            </a:pPr>
+            <a:r>
+              <a:rPr b="0" lang="en-US" sz="1400" spc="-1" strike="noStrike">
+                <a:latin typeface="Arial"/>
+              </a:rPr>
+              <a:t>  </a:t>
+            </a:r>
+            <a:r>
+              <a:rPr b="0" lang="en-US" sz="1400" spc="-1" strike="noStrike">
+                <a:latin typeface="Arial"/>
+              </a:rPr>
+              <a:t>100% {</a:t>
+            </a:r>
+            <a:endParaRPr b="0" lang="en-US" sz="1400" spc="-1" strike="noStrike">
+              <a:latin typeface="Arial"/>
+            </a:endParaRPr>
+          </a:p>
+          <a:p>
+            <a:pPr>
+              <a:lnSpc>
+                <a:spcPct val="100000"/>
+              </a:lnSpc>
+            </a:pPr>
+            <a:r>
+              <a:rPr b="0" lang="en-US" sz="1400" spc="-1" strike="noStrike">
+                <a:latin typeface="Arial"/>
+              </a:rPr>
+              <a:t>    </a:t>
+            </a:r>
+            <a:r>
+              <a:rPr b="0" lang="en-US" sz="1400" spc="-1" strike="noStrike">
+                <a:latin typeface="Arial"/>
+              </a:rPr>
+              <a:t>box-shadow: 0 0 0 35px rgba(1, 255, 255, 0);</a:t>
+            </a:r>
+            <a:endParaRPr b="0" lang="en-US" sz="1400" spc="-1" strike="noStrike">
+              <a:latin typeface="Arial"/>
+            </a:endParaRPr>
+          </a:p>
+          <a:p>
+            <a:pPr>
+              <a:lnSpc>
+                <a:spcPct val="100000"/>
+              </a:lnSpc>
+            </a:pPr>
+            <a:r>
+              <a:rPr b="0" lang="en-US" sz="1400" spc="-1" strike="noStrike">
+                <a:latin typeface="Arial"/>
+              </a:rPr>
+              <a:t>  </a:t>
+            </a:r>
+            <a:r>
+              <a:rPr b="0" lang="en-US" sz="1400" spc="-1" strike="noStrike">
+                <a:latin typeface="Arial"/>
+              </a:rPr>
+              <a:t>}</a:t>
+            </a:r>
+            <a:endParaRPr b="0" lang="en-US" sz="1400" spc="-1" strike="noStrike">
+              <a:latin typeface="Arial"/>
+            </a:endParaRPr>
+          </a:p>
+          <a:p>
+            <a:pPr>
+              <a:lnSpc>
+                <a:spcPct val="100000"/>
+              </a:lnSpc>
+            </a:pPr>
+            <a:r>
+              <a:rPr b="0" lang="en-US" sz="1400" spc="-1" strike="noStrike">
+                <a:latin typeface="Arial"/>
+              </a:rPr>
+              <a:t>}</a:t>
+            </a:r>
+            <a:endParaRPr b="0" lang="en-US" sz="1400" spc="-1" strike="noStrike">
+              <a:latin typeface="Arial"/>
+            </a:endParaRPr>
+          </a:p>
+          <a:p>
+            <a:pPr>
+              <a:lnSpc>
+                <a:spcPct val="100000"/>
+              </a:lnSpc>
+            </a:pPr>
+            <a:endParaRPr b="0" lang="en-US" sz="1400" spc="-1" strike="noStrike">
+              <a:latin typeface="Arial"/>
+            </a:endParaRPr>
+          </a:p>
+          <a:p>
+            <a:pPr>
+              <a:lnSpc>
+                <a:spcPct val="100000"/>
+              </a:lnSpc>
+            </a:pPr>
+            <a:r>
+              <a:rPr b="0" lang="en-US" sz="1400" spc="-1" strike="noStrike">
+                <a:latin typeface="Arial"/>
+              </a:rPr>
+              <a:t>@keyframes shadow-pulsehover</a:t>
+            </a:r>
+            <a:endParaRPr b="0" lang="en-US" sz="1400" spc="-1" strike="noStrike">
+              <a:latin typeface="Arial"/>
+            </a:endParaRPr>
+          </a:p>
+          <a:p>
+            <a:pPr>
+              <a:lnSpc>
+                <a:spcPct val="100000"/>
+              </a:lnSpc>
+            </a:pPr>
+            <a:r>
+              <a:rPr b="0" lang="en-US" sz="1400" spc="-1" strike="noStrike">
+                <a:latin typeface="Arial"/>
+              </a:rPr>
+              <a:t>{</a:t>
+            </a:r>
+            <a:endParaRPr b="0" lang="en-US" sz="1400" spc="-1" strike="noStrike">
+              <a:latin typeface="Arial"/>
+            </a:endParaRPr>
+          </a:p>
+          <a:p>
+            <a:pPr>
+              <a:lnSpc>
+                <a:spcPct val="100000"/>
+              </a:lnSpc>
+            </a:pPr>
+            <a:r>
+              <a:rPr b="0" lang="en-US" sz="1400" spc="-1" strike="noStrike">
+                <a:latin typeface="Arial"/>
+              </a:rPr>
+              <a:t>  </a:t>
+            </a:r>
+            <a:r>
+              <a:rPr b="0" lang="en-US" sz="1400" spc="-1" strike="noStrike">
+                <a:latin typeface="Arial"/>
+              </a:rPr>
+              <a:t>0% {</a:t>
+            </a:r>
+            <a:endParaRPr b="0" lang="en-US" sz="1400" spc="-1" strike="noStrike">
+              <a:latin typeface="Arial"/>
+            </a:endParaRPr>
+          </a:p>
+          <a:p>
+            <a:pPr>
+              <a:lnSpc>
+                <a:spcPct val="100000"/>
+              </a:lnSpc>
+            </a:pPr>
+            <a:r>
+              <a:rPr b="0" lang="en-US" sz="1400" spc="-1" strike="noStrike">
+                <a:latin typeface="Arial"/>
+              </a:rPr>
+              <a:t>    </a:t>
+            </a:r>
+            <a:r>
+              <a:rPr b="0" lang="en-US" sz="1400" spc="-1" strike="noStrike">
+                <a:latin typeface="Arial"/>
+              </a:rPr>
+              <a:t>box-shadow: 0 0 0 0px rgba(251, 51, 219, 1);</a:t>
+            </a:r>
+            <a:endParaRPr b="0" lang="en-US" sz="1400" spc="-1" strike="noStrike">
+              <a:latin typeface="Arial"/>
+            </a:endParaRPr>
+          </a:p>
+          <a:p>
+            <a:pPr>
+              <a:lnSpc>
+                <a:spcPct val="100000"/>
+              </a:lnSpc>
+            </a:pPr>
+            <a:r>
+              <a:rPr b="0" lang="en-US" sz="1400" spc="-1" strike="noStrike">
+                <a:latin typeface="Arial"/>
+              </a:rPr>
+              <a:t>  </a:t>
+            </a:r>
+            <a:r>
+              <a:rPr b="0" lang="en-US" sz="1400" spc="-1" strike="noStrike">
+                <a:latin typeface="Arial"/>
+              </a:rPr>
+              <a:t>}</a:t>
+            </a:r>
+            <a:endParaRPr b="0" lang="en-US" sz="1400" spc="-1" strike="noStrike">
+              <a:latin typeface="Arial"/>
+            </a:endParaRPr>
+          </a:p>
+          <a:p>
+            <a:pPr>
+              <a:lnSpc>
+                <a:spcPct val="100000"/>
+              </a:lnSpc>
+            </a:pPr>
+            <a:r>
+              <a:rPr b="0" lang="en-US" sz="1400" spc="-1" strike="noStrike">
+                <a:latin typeface="Arial"/>
+              </a:rPr>
+              <a:t>  </a:t>
+            </a:r>
+            <a:r>
+              <a:rPr b="0" lang="en-US" sz="1400" spc="-1" strike="noStrike">
+                <a:latin typeface="Arial"/>
+              </a:rPr>
+              <a:t>100% {</a:t>
+            </a:r>
+            <a:endParaRPr b="0" lang="en-US" sz="1400" spc="-1" strike="noStrike">
+              <a:latin typeface="Arial"/>
+            </a:endParaRPr>
+          </a:p>
+          <a:p>
+            <a:pPr>
+              <a:lnSpc>
+                <a:spcPct val="100000"/>
+              </a:lnSpc>
+            </a:pPr>
+            <a:r>
+              <a:rPr b="0" lang="en-US" sz="1400" spc="-1" strike="noStrike">
+                <a:latin typeface="Arial"/>
+              </a:rPr>
+              <a:t>    </a:t>
+            </a:r>
+            <a:r>
+              <a:rPr b="0" lang="en-US" sz="1400" spc="-1" strike="noStrike">
+                <a:latin typeface="Arial"/>
+              </a:rPr>
+              <a:t>box-shadow: 0 0 0 35px rgba(1, 255, 255, 0);</a:t>
+            </a:r>
+            <a:endParaRPr b="0" lang="en-US" sz="1400" spc="-1" strike="noStrike">
+              <a:latin typeface="Arial"/>
+            </a:endParaRPr>
+          </a:p>
+          <a:p>
+            <a:pPr>
+              <a:lnSpc>
+                <a:spcPct val="100000"/>
+              </a:lnSpc>
+            </a:pPr>
+            <a:r>
+              <a:rPr b="0" lang="en-US" sz="1400" spc="-1" strike="noStrike">
+                <a:latin typeface="Arial"/>
+              </a:rPr>
+              <a:t>  </a:t>
+            </a:r>
+            <a:r>
+              <a:rPr b="0" lang="en-US" sz="1400" spc="-1" strike="noStrike">
+                <a:latin typeface="Arial"/>
+              </a:rPr>
+              <a:t>}</a:t>
+            </a:r>
+            <a:endParaRPr b="0" lang="en-US" sz="1400" spc="-1" strike="noStrike">
+              <a:latin typeface="Arial"/>
+            </a:endParaRPr>
+          </a:p>
+          <a:p>
+            <a:pPr>
+              <a:lnSpc>
+                <a:spcPct val="100000"/>
+              </a:lnSpc>
+            </a:pPr>
+            <a:r>
+              <a:rPr b="0" lang="en-US" sz="1400" spc="-1" strike="noStrike">
+                <a:latin typeface="Arial"/>
+              </a:rPr>
+              <a:t>}</a:t>
+            </a:r>
+            <a:endParaRPr b="0" lang="en-US" sz="1400" spc="-1" strike="noStrike">
               <a:latin typeface="Arial"/>
             </a:endParaRPr>
           </a:p>
@@ -5790,14 +5515,14 @@
       </p:grpSpPr>
       <p:sp>
         <p:nvSpPr>
-          <p:cNvPr id="111" name="TextShape 1"/>
-          <p:cNvSpPr txBox="1"/>
+          <p:cNvPr id="109" name="CustomShape 1"/>
+          <p:cNvSpPr/>
           <p:nvPr/>
         </p:nvSpPr>
         <p:spPr>
           <a:xfrm>
             <a:off x="311760" y="444960"/>
-            <a:ext cx="8520120" cy="572400"/>
+            <a:ext cx="8519760" cy="572040"/>
           </a:xfrm>
           <a:prstGeom prst="rect">
             <a:avLst/>
@@ -5807,8 +5532,14 @@
             <a:noFill/>
           </a:ln>
         </p:spPr>
-        <p:txBody>
-          <a:bodyPr tIns="91440" bIns="91440">
+        <p:style>
+          <a:lnRef idx="0"/>
+          <a:fillRef idx="0"/>
+          <a:effectRef idx="0"/>
+          <a:fontRef idx="minor"/>
+        </p:style>
+        <p:txBody>
+          <a:bodyPr lIns="90000" rIns="90000" tIns="91440" bIns="91440">
             <a:noAutofit/>
           </a:bodyPr>
           <a:p>
@@ -5825,27 +5556,24 @@
                 <a:latin typeface="Lacquer"/>
                 <a:ea typeface="Arial"/>
               </a:rPr>
-              <a:t>What we would have done with more time</a:t>
+              <a:t>Stretch Goals</a:t>
             </a:r>
             <a:endParaRPr b="0" lang="en-US" sz="2800" spc="-1" strike="noStrike">
-              <a:solidFill>
-                <a:srgbClr val="01ffc3"/>
-              </a:solidFill>
-              <a:latin typeface="Lacquer"/>
-            </a:endParaRPr>
-          </a:p>
-        </p:txBody>
-      </p:sp>
-      <p:sp>
-        <p:nvSpPr>
-          <p:cNvPr id="112" name="TextShape 2"/>
-          <p:cNvSpPr txBox="1"/>
+              <a:latin typeface="Arial"/>
+            </a:endParaRPr>
+          </a:p>
+        </p:txBody>
+      </p:sp>
+      <p:sp>
+        <p:nvSpPr>
+          <p:cNvPr id="110" name="CustomShape 2"/>
+          <p:cNvSpPr/>
           <p:nvPr/>
         </p:nvSpPr>
         <p:spPr>
           <a:xfrm>
-            <a:off x="311760" y="1152360"/>
-            <a:ext cx="8520120" cy="3416040"/>
+            <a:off x="365760" y="1017360"/>
+            <a:ext cx="8412120" cy="2009880"/>
           </a:xfrm>
           <a:prstGeom prst="rect">
             <a:avLst/>
@@ -5855,92 +5583,128 @@
             <a:noFill/>
           </a:ln>
         </p:spPr>
-        <p:txBody>
-          <a:bodyPr tIns="91440" bIns="91440">
-            <a:noAutofit/>
-          </a:bodyPr>
-          <a:p>
-            <a:pPr marL="457200" indent="-342720">
-              <a:lnSpc>
-                <a:spcPct val="115000"/>
-              </a:lnSpc>
-              <a:buClr>
-                <a:srgbClr val="595959"/>
-              </a:buClr>
-              <a:buFont typeface="Arial"/>
-              <a:buChar char="●"/>
+        <p:style>
+          <a:lnRef idx="0"/>
+          <a:fillRef idx="0"/>
+          <a:effectRef idx="0"/>
+          <a:fontRef idx="minor"/>
+        </p:style>
+        <p:txBody>
+          <a:bodyPr lIns="90000" rIns="90000" tIns="45000" bIns="45000">
+            <a:spAutoFit/>
+          </a:bodyPr>
+          <a:p>
+            <a:pPr>
+              <a:lnSpc>
+                <a:spcPct val="100000"/>
+              </a:lnSpc>
             </a:pPr>
             <a:r>
               <a:rPr b="0" lang="en-US" sz="1800" spc="-1" strike="noStrike">
-                <a:solidFill>
-                  <a:srgbClr val="eeeeee"/>
-                </a:solidFill>
-                <a:latin typeface="Arial"/>
-              </a:rPr>
-              <a:t>Implement the inventory into the actual story</a:t>
+                <a:latin typeface="Arial"/>
+              </a:rPr>
+              <a:t>Since we finished the MVP rather early, we were able to implement some of our stretch goals, such as:</a:t>
             </a:r>
             <a:endParaRPr b="0" lang="en-US" sz="1800" spc="-1" strike="noStrike">
-              <a:solidFill>
-                <a:srgbClr val="eeeeee"/>
-              </a:solidFill>
-              <a:latin typeface="Arial"/>
-              <a:ea typeface="Arial"/>
-            </a:endParaRPr>
-          </a:p>
-          <a:p>
-            <a:pPr marL="457200" indent="-342720">
-              <a:lnSpc>
-                <a:spcPct val="115000"/>
-              </a:lnSpc>
-              <a:buClr>
-                <a:srgbClr val="595959"/>
-              </a:buClr>
-              <a:buFont typeface="Arial"/>
-              <a:buChar char="●"/>
+              <a:latin typeface="Arial"/>
+            </a:endParaRPr>
+          </a:p>
+          <a:p>
+            <a:pPr>
+              <a:lnSpc>
+                <a:spcPct val="100000"/>
+              </a:lnSpc>
+            </a:pPr>
+            <a:endParaRPr b="0" lang="en-US" sz="1800" spc="-1" strike="noStrike">
+              <a:latin typeface="Arial"/>
+            </a:endParaRPr>
+          </a:p>
+          <a:p>
+            <a:pPr>
+              <a:lnSpc>
+                <a:spcPct val="100000"/>
+              </a:lnSpc>
             </a:pPr>
             <a:r>
               <a:rPr b="0" lang="en-US" sz="1800" spc="-1" strike="noStrike">
-                <a:solidFill>
-                  <a:srgbClr val="eeeeee"/>
-                </a:solidFill>
-                <a:latin typeface="Arial"/>
-              </a:rPr>
-              <a:t>Added the ability to create your own stories</a:t>
+                <a:latin typeface="Arial"/>
+              </a:rPr>
+              <a:t>	</a:t>
+            </a:r>
+            <a:r>
+              <a:rPr b="0" lang="en-US" sz="1800" spc="-1" strike="noStrike">
+                <a:latin typeface="Arial"/>
+              </a:rPr>
+              <a:t>Background Music</a:t>
             </a:r>
             <a:endParaRPr b="0" lang="en-US" sz="1800" spc="-1" strike="noStrike">
-              <a:solidFill>
-                <a:srgbClr val="eeeeee"/>
-              </a:solidFill>
-              <a:latin typeface="Arial"/>
-              <a:ea typeface="Arial"/>
-            </a:endParaRPr>
-          </a:p>
-          <a:p>
-            <a:pPr marL="457200" indent="-342720">
-              <a:lnSpc>
-                <a:spcPct val="115000"/>
-              </a:lnSpc>
-              <a:buClr>
-                <a:srgbClr val="595959"/>
-              </a:buClr>
-              <a:buFont typeface="Arial"/>
-              <a:buChar char="●"/>
+              <a:latin typeface="Arial"/>
+            </a:endParaRPr>
+          </a:p>
+          <a:p>
+            <a:pPr>
+              <a:lnSpc>
+                <a:spcPct val="100000"/>
+              </a:lnSpc>
             </a:pPr>
             <a:r>
               <a:rPr b="0" lang="en-US" sz="1800" spc="-1" strike="noStrike">
-                <a:solidFill>
-                  <a:srgbClr val="eeeeee"/>
-                </a:solidFill>
-                <a:latin typeface="Arial"/>
-              </a:rPr>
-              <a:t>Random chance options</a:t>
+                <a:latin typeface="Arial"/>
+              </a:rPr>
+              <a:t>	</a:t>
+            </a:r>
+            <a:r>
+              <a:rPr b="0" lang="en-US" sz="1800" spc="-1" strike="noStrike">
+                <a:latin typeface="Arial"/>
+              </a:rPr>
+              <a:t>Background Images</a:t>
             </a:r>
             <a:endParaRPr b="0" lang="en-US" sz="1800" spc="-1" strike="noStrike">
-              <a:solidFill>
-                <a:srgbClr val="eeeeee"/>
-              </a:solidFill>
-              <a:latin typeface="Arial"/>
-              <a:ea typeface="Arial"/>
+              <a:latin typeface="Arial"/>
+            </a:endParaRPr>
+          </a:p>
+          <a:p>
+            <a:pPr>
+              <a:lnSpc>
+                <a:spcPct val="100000"/>
+              </a:lnSpc>
+            </a:pPr>
+            <a:r>
+              <a:rPr b="0" lang="en-US" sz="1800" spc="-1" strike="noStrike">
+                <a:latin typeface="Arial"/>
+              </a:rPr>
+              <a:t>	</a:t>
+            </a:r>
+            <a:r>
+              <a:rPr b="0" lang="en-US" sz="1800" spc="-1" strike="noStrike">
+                <a:latin typeface="Arial"/>
+              </a:rPr>
+              <a:t>More than a single story-line</a:t>
+            </a:r>
+            <a:endParaRPr b="0" lang="en-US" sz="1800" spc="-1" strike="noStrike">
+              <a:latin typeface="Arial"/>
+            </a:endParaRPr>
+          </a:p>
+          <a:p>
+            <a:pPr>
+              <a:lnSpc>
+                <a:spcPct val="100000"/>
+              </a:lnSpc>
+            </a:pPr>
+            <a:r>
+              <a:rPr b="0" lang="en-US" sz="1800" spc="-1" strike="noStrike">
+                <a:latin typeface="Arial"/>
+              </a:rPr>
+              <a:t>	</a:t>
+            </a:r>
+            <a:r>
+              <a:rPr b="0" lang="en-US" sz="1800" spc="-1" strike="noStrike">
+                <a:latin typeface="Arial"/>
+              </a:rPr>
+              <a:t>Added basic inventory, but didn’t have time to implement in the story</a:t>
+            </a:r>
+            <a:endParaRPr b="0" lang="en-US" sz="1800" spc="-1" strike="noStrike">
+              <a:latin typeface="Arial"/>
             </a:endParaRPr>
           </a:p>
         </p:txBody>
@@ -5984,14 +5748,14 @@
       </p:grpSpPr>
       <p:sp>
         <p:nvSpPr>
-          <p:cNvPr id="113" name="TextShape 1"/>
-          <p:cNvSpPr txBox="1"/>
+          <p:cNvPr id="111" name="CustomShape 1"/>
+          <p:cNvSpPr/>
           <p:nvPr/>
         </p:nvSpPr>
         <p:spPr>
           <a:xfrm>
             <a:off x="311760" y="444960"/>
-            <a:ext cx="8520120" cy="572400"/>
+            <a:ext cx="8519760" cy="572040"/>
           </a:xfrm>
           <a:prstGeom prst="rect">
             <a:avLst/>
@@ -6001,8 +5765,14 @@
             <a:noFill/>
           </a:ln>
         </p:spPr>
-        <p:txBody>
-          <a:bodyPr tIns="91440" bIns="91440">
+        <p:style>
+          <a:lnRef idx="0"/>
+          <a:fillRef idx="0"/>
+          <a:effectRef idx="0"/>
+          <a:fontRef idx="minor"/>
+        </p:style>
+        <p:txBody>
+          <a:bodyPr lIns="90000" rIns="90000" tIns="91440" bIns="91440">
             <a:noAutofit/>
           </a:bodyPr>
           <a:p>
@@ -6019,28 +5789,24 @@
                 <a:latin typeface="Lacquer"/>
                 <a:ea typeface="Arial"/>
               </a:rPr>
-              <a:t>QA</a:t>
-            </a:r>
-            <a:br/>
+              <a:t>What we would have done with more time</a:t>
+            </a:r>
             <a:endParaRPr b="0" lang="en-US" sz="2800" spc="-1" strike="noStrike">
-              <a:solidFill>
-                <a:srgbClr val="01ffc3"/>
-              </a:solidFill>
-              <a:latin typeface="Lacquer"/>
-            </a:endParaRPr>
-          </a:p>
-        </p:txBody>
-      </p:sp>
-      <p:sp>
-        <p:nvSpPr>
-          <p:cNvPr id="114" name="TextShape 2"/>
-          <p:cNvSpPr txBox="1"/>
+              <a:latin typeface="Arial"/>
+            </a:endParaRPr>
+          </a:p>
+        </p:txBody>
+      </p:sp>
+      <p:sp>
+        <p:nvSpPr>
+          <p:cNvPr id="112" name="CustomShape 2"/>
+          <p:cNvSpPr/>
           <p:nvPr/>
         </p:nvSpPr>
         <p:spPr>
           <a:xfrm>
             <a:off x="311760" y="1152360"/>
-            <a:ext cx="8520120" cy="3416040"/>
+            <a:ext cx="8519760" cy="3415680"/>
           </a:xfrm>
           <a:prstGeom prst="rect">
             <a:avLst/>
@@ -6050,12 +5816,18 @@
             <a:noFill/>
           </a:ln>
         </p:spPr>
-        <p:txBody>
-          <a:bodyPr tIns="91440" bIns="91440">
+        <p:style>
+          <a:lnRef idx="0"/>
+          <a:fillRef idx="0"/>
+          <a:effectRef idx="0"/>
+          <a:fontRef idx="minor"/>
+        </p:style>
+        <p:txBody>
+          <a:bodyPr lIns="90000" rIns="90000" tIns="91440" bIns="91440">
             <a:noAutofit/>
           </a:bodyPr>
           <a:p>
-            <a:pPr marL="457200" indent="-342720">
+            <a:pPr marL="457200" indent="-342360">
               <a:lnSpc>
                 <a:spcPct val="115000"/>
               </a:lnSpc>
@@ -6072,14 +5844,202 @@
                 </a:solidFill>
                 <a:latin typeface="Arial"/>
               </a:rPr>
+              <a:t>Implement the inventory into the actual story</a:t>
+            </a:r>
+            <a:endParaRPr b="0" lang="en-US" sz="1800" spc="-1" strike="noStrike">
+              <a:latin typeface="Arial"/>
+            </a:endParaRPr>
+          </a:p>
+          <a:p>
+            <a:pPr marL="457200" indent="-342360">
+              <a:lnSpc>
+                <a:spcPct val="115000"/>
+              </a:lnSpc>
+              <a:buClr>
+                <a:srgbClr val="595959"/>
+              </a:buClr>
+              <a:buFont typeface="Arial"/>
+              <a:buChar char="●"/>
+            </a:pPr>
+            <a:r>
+              <a:rPr b="0" lang="en-US" sz="1800" spc="-1" strike="noStrike">
+                <a:solidFill>
+                  <a:srgbClr val="eeeeee"/>
+                </a:solidFill>
+                <a:latin typeface="Arial"/>
+              </a:rPr>
+              <a:t>Added the ability to create your own stories</a:t>
+            </a:r>
+            <a:endParaRPr b="0" lang="en-US" sz="1800" spc="-1" strike="noStrike">
+              <a:latin typeface="Arial"/>
+            </a:endParaRPr>
+          </a:p>
+          <a:p>
+            <a:pPr marL="457200" indent="-342360">
+              <a:lnSpc>
+                <a:spcPct val="115000"/>
+              </a:lnSpc>
+              <a:buClr>
+                <a:srgbClr val="595959"/>
+              </a:buClr>
+              <a:buFont typeface="Arial"/>
+              <a:buChar char="●"/>
+            </a:pPr>
+            <a:r>
+              <a:rPr b="0" lang="en-US" sz="1800" spc="-1" strike="noStrike">
+                <a:solidFill>
+                  <a:srgbClr val="eeeeee"/>
+                </a:solidFill>
+                <a:latin typeface="Arial"/>
+              </a:rPr>
+              <a:t>Random chance options</a:t>
+            </a:r>
+            <a:endParaRPr b="0" lang="en-US" sz="1800" spc="-1" strike="noStrike">
+              <a:latin typeface="Arial"/>
+            </a:endParaRPr>
+          </a:p>
+        </p:txBody>
+      </p:sp>
+    </p:spTree>
+  </p:cSld>
+  <mc:AlternateContent>
+    <mc:Choice Requires="p14">
+      <p:transition spd="slow" p14:dur="2000"/>
+    </mc:Choice>
+    <mc:Fallback>
+      <p:transition spd="slow"/>
+    </mc:Fallback>
+  </mc:AlternateContent>
+</p:sld>
+</file>
+
+<file path=ppt/slides/slide17.xml><?xml version="1.0" encoding="utf-8"?>
+<p:sld xmlns:a="http://schemas.openxmlformats.org/drawingml/2006/main" xmlns:p="http://schemas.openxmlformats.org/presentationml/2006/main" xmlns:r="http://schemas.openxmlformats.org/officeDocument/2006/relationships" xmlns:p14="http://schemas.microsoft.com/office/powerpoint/2010/main" xmlns:p15="http://schemas.microsoft.com/office/powerpoint/2012/main" xmlns:mc="http://schemas.openxmlformats.org/markup-compatibility/2006">
+  <p:cSld>
+    <p:bg>
+      <p:bgPr>
+        <a:solidFill>
+          <a:srgbClr val="111111"/>
+        </a:solidFill>
+      </p:bgPr>
+    </p:bg>
+    <p:spTree>
+      <p:nvGrpSpPr>
+        <p:cNvPr id="1" name=""/>
+        <p:cNvGrpSpPr/>
+        <p:nvPr/>
+      </p:nvGrpSpPr>
+      <p:grpSpPr>
+        <a:xfrm>
+          <a:off x="0" y="0"/>
+          <a:ext cx="0" cy="0"/>
+          <a:chOff x="0" y="0"/>
+          <a:chExt cx="0" cy="0"/>
+        </a:xfrm>
+      </p:grpSpPr>
+      <p:sp>
+        <p:nvSpPr>
+          <p:cNvPr id="113" name="CustomShape 1"/>
+          <p:cNvSpPr/>
+          <p:nvPr/>
+        </p:nvSpPr>
+        <p:spPr>
+          <a:xfrm>
+            <a:off x="311760" y="444960"/>
+            <a:ext cx="8519760" cy="572040"/>
+          </a:xfrm>
+          <a:prstGeom prst="rect">
+            <a:avLst/>
+          </a:prstGeom>
+          <a:noFill/>
+          <a:ln>
+            <a:noFill/>
+          </a:ln>
+        </p:spPr>
+        <p:style>
+          <a:lnRef idx="0"/>
+          <a:fillRef idx="0"/>
+          <a:effectRef idx="0"/>
+          <a:fontRef idx="minor"/>
+        </p:style>
+        <p:txBody>
+          <a:bodyPr lIns="90000" rIns="90000" tIns="91440" bIns="91440">
+            <a:noAutofit/>
+          </a:bodyPr>
+          <a:p>
+            <a:pPr>
+              <a:lnSpc>
+                <a:spcPct val="100000"/>
+              </a:lnSpc>
+            </a:pPr>
+            <a:r>
+              <a:rPr b="0" lang="en-US" sz="2800" spc="-1" strike="noStrike">
+                <a:solidFill>
+                  <a:srgbClr val="01ffc3"/>
+                </a:solidFill>
+                <a:latin typeface="Lacquer"/>
+                <a:ea typeface="Arial"/>
+              </a:rPr>
+              <a:t>QA</a:t>
+            </a:r>
+            <a:br/>
+            <a:endParaRPr b="0" lang="en-US" sz="2800" spc="-1" strike="noStrike">
+              <a:latin typeface="Arial"/>
+            </a:endParaRPr>
+          </a:p>
+        </p:txBody>
+      </p:sp>
+      <p:sp>
+        <p:nvSpPr>
+          <p:cNvPr id="114" name="CustomShape 2"/>
+          <p:cNvSpPr/>
+          <p:nvPr/>
+        </p:nvSpPr>
+        <p:spPr>
+          <a:xfrm>
+            <a:off x="311760" y="1152360"/>
+            <a:ext cx="8519760" cy="3415680"/>
+          </a:xfrm>
+          <a:prstGeom prst="rect">
+            <a:avLst/>
+          </a:prstGeom>
+          <a:noFill/>
+          <a:ln>
+            <a:noFill/>
+          </a:ln>
+        </p:spPr>
+        <p:style>
+          <a:lnRef idx="0"/>
+          <a:fillRef idx="0"/>
+          <a:effectRef idx="0"/>
+          <a:fontRef idx="minor"/>
+        </p:style>
+        <p:txBody>
+          <a:bodyPr lIns="90000" rIns="90000" tIns="91440" bIns="91440">
+            <a:noAutofit/>
+          </a:bodyPr>
+          <a:p>
+            <a:pPr marL="457200" indent="-342360">
+              <a:lnSpc>
+                <a:spcPct val="115000"/>
+              </a:lnSpc>
+              <a:buClr>
+                <a:srgbClr val="595959"/>
+              </a:buClr>
+              <a:buFont typeface="Arial"/>
+              <a:buChar char="●"/>
+            </a:pPr>
+            <a:r>
+              <a:rPr b="0" lang="en-US" sz="1800" spc="-1" strike="noStrike">
+                <a:solidFill>
+                  <a:srgbClr val="eeeeee"/>
+                </a:solidFill>
+                <a:latin typeface="Arial"/>
+              </a:rPr>
               <a:t>Questions? Answers.</a:t>
             </a:r>
             <a:endParaRPr b="0" lang="en-US" sz="1800" spc="-1" strike="noStrike">
-              <a:solidFill>
-                <a:srgbClr val="eeeeee"/>
-              </a:solidFill>
-              <a:latin typeface="Arial"/>
-              <a:ea typeface="Arial"/>
+              <a:latin typeface="Arial"/>
             </a:endParaRPr>
           </a:p>
         </p:txBody>
@@ -6123,14 +6083,14 @@
       </p:grpSpPr>
       <p:sp>
         <p:nvSpPr>
-          <p:cNvPr id="80" name="TextShape 1"/>
-          <p:cNvSpPr txBox="1"/>
+          <p:cNvPr id="78" name="CustomShape 1"/>
+          <p:cNvSpPr/>
           <p:nvPr/>
         </p:nvSpPr>
         <p:spPr>
           <a:xfrm>
             <a:off x="311760" y="444960"/>
-            <a:ext cx="8520120" cy="572400"/>
+            <a:ext cx="8519760" cy="572040"/>
           </a:xfrm>
           <a:prstGeom prst="rect">
             <a:avLst/>
@@ -6140,8 +6100,14 @@
             <a:noFill/>
           </a:ln>
         </p:spPr>
-        <p:txBody>
-          <a:bodyPr tIns="91440" bIns="91440">
+        <p:style>
+          <a:lnRef idx="0"/>
+          <a:fillRef idx="0"/>
+          <a:effectRef idx="0"/>
+          <a:fontRef idx="minor"/>
+        </p:style>
+        <p:txBody>
+          <a:bodyPr lIns="90000" rIns="90000" tIns="91440" bIns="91440">
             <a:noAutofit/>
           </a:bodyPr>
           <a:p>
@@ -6161,24 +6127,21 @@
               <a:t>Overview</a:t>
             </a:r>
             <a:endParaRPr b="0" lang="en-US" sz="2800" spc="-1" strike="noStrike">
-              <a:solidFill>
-                <a:srgbClr val="01ffc3"/>
-              </a:solidFill>
-              <a:latin typeface="Lacquer"/>
-            </a:endParaRPr>
-          </a:p>
-        </p:txBody>
-      </p:sp>
-      <p:sp>
-        <p:nvSpPr>
-          <p:cNvPr id="81" name="TextShape 2"/>
-          <p:cNvSpPr txBox="1"/>
+              <a:latin typeface="Arial"/>
+            </a:endParaRPr>
+          </a:p>
+        </p:txBody>
+      </p:sp>
+      <p:sp>
+        <p:nvSpPr>
+          <p:cNvPr id="79" name="CustomShape 2"/>
+          <p:cNvSpPr/>
           <p:nvPr/>
         </p:nvSpPr>
         <p:spPr>
           <a:xfrm>
             <a:off x="311760" y="1152360"/>
-            <a:ext cx="8520120" cy="3416040"/>
+            <a:ext cx="8519760" cy="3415680"/>
           </a:xfrm>
           <a:prstGeom prst="rect">
             <a:avLst/>
@@ -6188,8 +6151,14 @@
             <a:noFill/>
           </a:ln>
         </p:spPr>
-        <p:txBody>
-          <a:bodyPr tIns="91440" bIns="91440">
+        <p:style>
+          <a:lnRef idx="0"/>
+          <a:fillRef idx="0"/>
+          <a:effectRef idx="0"/>
+          <a:fontRef idx="minor"/>
+        </p:style>
+        <p:txBody>
+          <a:bodyPr lIns="90000" rIns="90000" tIns="91440" bIns="91440">
             <a:noAutofit/>
           </a:bodyPr>
           <a:p>
@@ -6209,9 +6178,6 @@
               <a:t>Our group made a “choose your own adventure” game, with a post-apocalyptic theme. </a:t>
             </a:r>
             <a:endParaRPr b="0" lang="en-US" sz="1800" spc="-1" strike="noStrike">
-              <a:solidFill>
-                <a:srgbClr val="eeeeee"/>
-              </a:solidFill>
               <a:latin typeface="Arial"/>
             </a:endParaRPr>
           </a:p>
@@ -6232,12 +6198,9 @@
                 <a:latin typeface="Arial"/>
                 <a:ea typeface="Arial"/>
               </a:rPr>
-              <a:t>It has three pages, a “Choose Name” page, a “Game” page, and an “About Us” page.</a:t>
+              <a:t>It has four pages, a “Choose Name” page, a “Game” page, an “About Us” page and a “Citations” page.</a:t>
             </a:r>
             <a:endParaRPr b="0" lang="en-US" sz="1800" spc="-1" strike="noStrike">
-              <a:solidFill>
-                <a:srgbClr val="eeeeee"/>
-              </a:solidFill>
               <a:latin typeface="Arial"/>
             </a:endParaRPr>
           </a:p>
@@ -6254,9 +6217,6 @@
               </a:spcAft>
             </a:pPr>
             <a:endParaRPr b="0" lang="en-US" sz="1800" spc="-1" strike="noStrike">
-              <a:solidFill>
-                <a:srgbClr val="eeeeee"/>
-              </a:solidFill>
               <a:latin typeface="Arial"/>
             </a:endParaRPr>
           </a:p>
@@ -6301,14 +6261,14 @@
       </p:grpSpPr>
       <p:sp>
         <p:nvSpPr>
-          <p:cNvPr id="82" name="TextShape 1"/>
-          <p:cNvSpPr txBox="1"/>
+          <p:cNvPr id="80" name="CustomShape 1"/>
+          <p:cNvSpPr/>
           <p:nvPr/>
         </p:nvSpPr>
         <p:spPr>
           <a:xfrm>
             <a:off x="311760" y="444960"/>
-            <a:ext cx="8520120" cy="572400"/>
+            <a:ext cx="8519760" cy="572040"/>
           </a:xfrm>
           <a:prstGeom prst="rect">
             <a:avLst/>
@@ -6318,8 +6278,14 @@
             <a:noFill/>
           </a:ln>
         </p:spPr>
-        <p:txBody>
-          <a:bodyPr tIns="91440" bIns="91440">
+        <p:style>
+          <a:lnRef idx="0"/>
+          <a:fillRef idx="0"/>
+          <a:effectRef idx="0"/>
+          <a:fontRef idx="minor"/>
+        </p:style>
+        <p:txBody>
+          <a:bodyPr lIns="90000" rIns="90000" tIns="91440" bIns="91440">
             <a:noAutofit/>
           </a:bodyPr>
           <a:p>
@@ -6339,24 +6305,21 @@
               <a:t>Choose Name Page</a:t>
             </a:r>
             <a:endParaRPr b="0" lang="en-US" sz="2800" spc="-1" strike="noStrike">
-              <a:solidFill>
-                <a:srgbClr val="01ffc3"/>
-              </a:solidFill>
-              <a:latin typeface="Lacquer"/>
-            </a:endParaRPr>
-          </a:p>
-        </p:txBody>
-      </p:sp>
-      <p:sp>
-        <p:nvSpPr>
-          <p:cNvPr id="83" name="TextShape 2"/>
-          <p:cNvSpPr txBox="1"/>
+              <a:latin typeface="Arial"/>
+            </a:endParaRPr>
+          </a:p>
+        </p:txBody>
+      </p:sp>
+      <p:sp>
+        <p:nvSpPr>
+          <p:cNvPr id="81" name="CustomShape 2"/>
+          <p:cNvSpPr/>
           <p:nvPr/>
         </p:nvSpPr>
         <p:spPr>
           <a:xfrm>
             <a:off x="311760" y="1152360"/>
-            <a:ext cx="8520120" cy="3416040"/>
+            <a:ext cx="8519760" cy="3415680"/>
           </a:xfrm>
           <a:prstGeom prst="rect">
             <a:avLst/>
@@ -6366,8 +6329,14 @@
             <a:noFill/>
           </a:ln>
         </p:spPr>
-        <p:txBody>
-          <a:bodyPr tIns="91440" bIns="91440">
+        <p:style>
+          <a:lnRef idx="0"/>
+          <a:fillRef idx="0"/>
+          <a:effectRef idx="0"/>
+          <a:fontRef idx="minor"/>
+        </p:style>
+        <p:txBody>
+          <a:bodyPr lIns="90000" rIns="90000" tIns="91440" bIns="91440">
             <a:noAutofit/>
           </a:bodyPr>
           <a:p>
@@ -6390,9 +6359,6 @@
               <a:t>Choose Name has just one feature, a text box and submission button to set your name for the story.</a:t>
             </a:r>
             <a:endParaRPr b="0" lang="en-US" sz="1800" spc="-1" strike="noStrike">
-              <a:solidFill>
-                <a:srgbClr val="eeeeee"/>
-              </a:solidFill>
               <a:latin typeface="Arial"/>
             </a:endParaRPr>
           </a:p>
@@ -6437,14 +6403,14 @@
       </p:grpSpPr>
       <p:sp>
         <p:nvSpPr>
-          <p:cNvPr id="84" name="TextShape 1"/>
-          <p:cNvSpPr txBox="1"/>
+          <p:cNvPr id="82" name="CustomShape 1"/>
+          <p:cNvSpPr/>
           <p:nvPr/>
         </p:nvSpPr>
         <p:spPr>
           <a:xfrm>
             <a:off x="311760" y="444960"/>
-            <a:ext cx="8520120" cy="572400"/>
+            <a:ext cx="8519760" cy="572040"/>
           </a:xfrm>
           <a:prstGeom prst="rect">
             <a:avLst/>
@@ -6454,8 +6420,14 @@
             <a:noFill/>
           </a:ln>
         </p:spPr>
-        <p:txBody>
-          <a:bodyPr tIns="91440" bIns="91440">
+        <p:style>
+          <a:lnRef idx="0"/>
+          <a:fillRef idx="0"/>
+          <a:effectRef idx="0"/>
+          <a:fontRef idx="minor"/>
+        </p:style>
+        <p:txBody>
+          <a:bodyPr lIns="90000" rIns="90000" tIns="91440" bIns="91440">
             <a:noAutofit/>
           </a:bodyPr>
           <a:p>
@@ -6476,24 +6448,21 @@
             </a:r>
             <a:br/>
             <a:endParaRPr b="0" lang="en-US" sz="2800" spc="-1" strike="noStrike">
-              <a:solidFill>
-                <a:srgbClr val="01ffc3"/>
-              </a:solidFill>
-              <a:latin typeface="Lacquer"/>
-            </a:endParaRPr>
-          </a:p>
-        </p:txBody>
-      </p:sp>
-      <p:sp>
-        <p:nvSpPr>
-          <p:cNvPr id="85" name="TextShape 2"/>
-          <p:cNvSpPr txBox="1"/>
+              <a:latin typeface="Arial"/>
+            </a:endParaRPr>
+          </a:p>
+        </p:txBody>
+      </p:sp>
+      <p:sp>
+        <p:nvSpPr>
+          <p:cNvPr id="83" name="CustomShape 2"/>
+          <p:cNvSpPr/>
           <p:nvPr/>
         </p:nvSpPr>
         <p:spPr>
           <a:xfrm>
             <a:off x="311760" y="1152360"/>
-            <a:ext cx="8520120" cy="3416040"/>
+            <a:ext cx="8519760" cy="3415680"/>
           </a:xfrm>
           <a:prstGeom prst="rect">
             <a:avLst/>
@@ -6503,8 +6472,14 @@
             <a:noFill/>
           </a:ln>
         </p:spPr>
-        <p:txBody>
-          <a:bodyPr tIns="91440" bIns="91440">
+        <p:style>
+          <a:lnRef idx="0"/>
+          <a:fillRef idx="0"/>
+          <a:effectRef idx="0"/>
+          <a:fontRef idx="minor"/>
+        </p:style>
+        <p:txBody>
+          <a:bodyPr lIns="90000" rIns="90000" tIns="91440" bIns="91440">
             <a:noAutofit/>
           </a:bodyPr>
           <a:p>
@@ -6524,9 +6499,6 @@
               <a:t>The Game page contains a turn counter, and a content element that contains the current scene and options relating to the scene.</a:t>
             </a:r>
             <a:endParaRPr b="0" lang="en-US" sz="1800" spc="-1" strike="noStrike">
-              <a:solidFill>
-                <a:srgbClr val="eeeeee"/>
-              </a:solidFill>
               <a:latin typeface="Arial"/>
             </a:endParaRPr>
           </a:p>
@@ -6550,9 +6522,6 @@
               <a:t>The scene and it’s elements are generated automatically from a “story” JSON object, and each scene can have an optional picture, which gets displayed on the page background and updates with each scene visited.</a:t>
             </a:r>
             <a:endParaRPr b="0" lang="en-US" sz="1800" spc="-1" strike="noStrike">
-              <a:solidFill>
-                <a:srgbClr val="eeeeee"/>
-              </a:solidFill>
               <a:latin typeface="Arial"/>
             </a:endParaRPr>
           </a:p>
@@ -6579,9 +6548,6 @@
               <a:t>The game ends when the only remaining option is to restart the game.</a:t>
             </a:r>
             <a:endParaRPr b="0" lang="en-US" sz="1800" spc="-1" strike="noStrike">
-              <a:solidFill>
-                <a:srgbClr val="eeeeee"/>
-              </a:solidFill>
               <a:latin typeface="Arial"/>
             </a:endParaRPr>
           </a:p>
@@ -6626,14 +6592,14 @@
       </p:grpSpPr>
       <p:sp>
         <p:nvSpPr>
-          <p:cNvPr id="86" name="TextShape 1"/>
-          <p:cNvSpPr txBox="1"/>
+          <p:cNvPr id="84" name="CustomShape 1"/>
+          <p:cNvSpPr/>
           <p:nvPr/>
         </p:nvSpPr>
         <p:spPr>
           <a:xfrm>
             <a:off x="311760" y="444960"/>
-            <a:ext cx="8520120" cy="572400"/>
+            <a:ext cx="8519760" cy="572040"/>
           </a:xfrm>
           <a:prstGeom prst="rect">
             <a:avLst/>
@@ -6643,8 +6609,14 @@
             <a:noFill/>
           </a:ln>
         </p:spPr>
-        <p:txBody>
-          <a:bodyPr tIns="91440" bIns="91440">
+        <p:style>
+          <a:lnRef idx="0"/>
+          <a:fillRef idx="0"/>
+          <a:effectRef idx="0"/>
+          <a:fontRef idx="minor"/>
+        </p:style>
+        <p:txBody>
+          <a:bodyPr lIns="90000" rIns="90000" tIns="91440" bIns="91440">
             <a:noAutofit/>
           </a:bodyPr>
           <a:p>
@@ -6664,24 +6636,21 @@
               <a:t>About Us Page</a:t>
             </a:r>
             <a:endParaRPr b="0" lang="en-US" sz="2800" spc="-1" strike="noStrike">
-              <a:solidFill>
-                <a:srgbClr val="01ffc3"/>
-              </a:solidFill>
-              <a:latin typeface="Lacquer"/>
-            </a:endParaRPr>
-          </a:p>
-        </p:txBody>
-      </p:sp>
-      <p:sp>
-        <p:nvSpPr>
-          <p:cNvPr id="87" name="TextShape 2"/>
-          <p:cNvSpPr txBox="1"/>
+              <a:latin typeface="Arial"/>
+            </a:endParaRPr>
+          </a:p>
+        </p:txBody>
+      </p:sp>
+      <p:sp>
+        <p:nvSpPr>
+          <p:cNvPr id="85" name="CustomShape 2"/>
+          <p:cNvSpPr/>
           <p:nvPr/>
         </p:nvSpPr>
         <p:spPr>
           <a:xfrm>
             <a:off x="311760" y="1152360"/>
-            <a:ext cx="8520120" cy="3416040"/>
+            <a:ext cx="8519760" cy="3415680"/>
           </a:xfrm>
           <a:prstGeom prst="rect">
             <a:avLst/>
@@ -6691,8 +6660,14 @@
             <a:noFill/>
           </a:ln>
         </p:spPr>
-        <p:txBody>
-          <a:bodyPr tIns="91440" bIns="91440">
+        <p:style>
+          <a:lnRef idx="0"/>
+          <a:fillRef idx="0"/>
+          <a:effectRef idx="0"/>
+          <a:fontRef idx="minor"/>
+        </p:style>
+        <p:txBody>
+          <a:bodyPr lIns="90000" rIns="90000" tIns="91440" bIns="91440">
             <a:noAutofit/>
           </a:bodyPr>
           <a:p>
@@ -6715,9 +6690,6 @@
               <a:t>The About Us page just contains a profile picture and a small biography for each of our team members.</a:t>
             </a:r>
             <a:endParaRPr b="0" lang="en-US" sz="1800" spc="-1" strike="noStrike">
-              <a:solidFill>
-                <a:srgbClr val="eeeeee"/>
-              </a:solidFill>
               <a:latin typeface="Arial"/>
             </a:endParaRPr>
           </a:p>
@@ -6762,14 +6734,14 @@
       </p:grpSpPr>
       <p:sp>
         <p:nvSpPr>
-          <p:cNvPr id="88" name="TextShape 1"/>
-          <p:cNvSpPr txBox="1"/>
+          <p:cNvPr id="86" name="CustomShape 1"/>
+          <p:cNvSpPr/>
           <p:nvPr/>
         </p:nvSpPr>
         <p:spPr>
           <a:xfrm>
             <a:off x="311760" y="444960"/>
-            <a:ext cx="8520120" cy="572400"/>
+            <a:ext cx="8519760" cy="572040"/>
           </a:xfrm>
           <a:prstGeom prst="rect">
             <a:avLst/>
@@ -6779,8 +6751,14 @@
             <a:noFill/>
           </a:ln>
         </p:spPr>
-        <p:txBody>
-          <a:bodyPr tIns="91440" bIns="91440">
+        <p:style>
+          <a:lnRef idx="0"/>
+          <a:fillRef idx="0"/>
+          <a:effectRef idx="0"/>
+          <a:fontRef idx="minor"/>
+        </p:style>
+        <p:txBody>
+          <a:bodyPr lIns="90000" rIns="90000" tIns="91440" bIns="91440">
             <a:noAutofit/>
           </a:bodyPr>
           <a:p>
@@ -6797,27 +6775,24 @@
                 <a:latin typeface="Lacquer"/>
                 <a:ea typeface="Arial"/>
               </a:rPr>
-              <a:t>Demo</a:t>
+              <a:t>Citations Page</a:t>
             </a:r>
             <a:endParaRPr b="0" lang="en-US" sz="2800" spc="-1" strike="noStrike">
-              <a:solidFill>
-                <a:srgbClr val="01ffc3"/>
-              </a:solidFill>
-              <a:latin typeface="Lacquer"/>
-            </a:endParaRPr>
-          </a:p>
-        </p:txBody>
-      </p:sp>
-      <p:sp>
-        <p:nvSpPr>
-          <p:cNvPr id="89" name="TextShape 2"/>
-          <p:cNvSpPr txBox="1"/>
+              <a:latin typeface="Arial"/>
+            </a:endParaRPr>
+          </a:p>
+        </p:txBody>
+      </p:sp>
+      <p:sp>
+        <p:nvSpPr>
+          <p:cNvPr id="87" name="CustomShape 2"/>
+          <p:cNvSpPr/>
           <p:nvPr/>
         </p:nvSpPr>
         <p:spPr>
           <a:xfrm>
             <a:off x="311760" y="1152360"/>
-            <a:ext cx="8520120" cy="3416040"/>
+            <a:ext cx="8519760" cy="3415680"/>
           </a:xfrm>
           <a:prstGeom prst="rect">
             <a:avLst/>
@@ -6827,8 +6802,14 @@
             <a:noFill/>
           </a:ln>
         </p:spPr>
-        <p:txBody>
-          <a:bodyPr tIns="91440" bIns="91440">
+        <p:style>
+          <a:lnRef idx="0"/>
+          <a:fillRef idx="0"/>
+          <a:effectRef idx="0"/>
+          <a:fontRef idx="minor"/>
+        </p:style>
+        <p:txBody>
+          <a:bodyPr lIns="90000" rIns="90000" tIns="91440" bIns="91440">
             <a:noAutofit/>
           </a:bodyPr>
           <a:p>
@@ -6836,42 +6817,21 @@
               <a:lnSpc>
                 <a:spcPct val="115000"/>
               </a:lnSpc>
-            </a:pPr>
-            <a:r>
-              <a:rPr b="0" lang="en-US" sz="1800" spc="-1" strike="noStrike" u="sng">
-                <a:solidFill>
-                  <a:srgbClr val="eeeeee"/>
-                </a:solidFill>
-                <a:uFillTx/>
-                <a:latin typeface="Arial"/>
-                <a:ea typeface="Arial"/>
-                <a:hlinkClick r:id="rId1"/>
-              </a:rPr>
-              <a:t>It’s DEMO TIME!!! </a:t>
-            </a:r>
-            <a:endParaRPr b="0" lang="en-US" sz="1800" spc="-1" strike="noStrike">
-              <a:solidFill>
-                <a:srgbClr val="eeeeee"/>
-              </a:solidFill>
-              <a:latin typeface="Arial"/>
-            </a:endParaRPr>
-          </a:p>
-          <a:p>
-            <a:pPr>
-              <a:lnSpc>
-                <a:spcPct val="115000"/>
-              </a:lnSpc>
-              <a:spcBef>
-                <a:spcPts val="1599"/>
-              </a:spcBef>
               <a:spcAft>
                 <a:spcPts val="1599"/>
               </a:spcAft>
             </a:pPr>
+            <a:r>
+              <a:rPr b="0" lang="en-US" sz="1800" spc="-1" strike="noStrike">
+                <a:solidFill>
+                  <a:srgbClr val="eeeeee"/>
+                </a:solidFill>
+                <a:latin typeface="Arial"/>
+                <a:ea typeface="Arial"/>
+              </a:rPr>
+              <a:t>The citations page includes a list of sources for all the media used in our project.</a:t>
+            </a:r>
             <a:endParaRPr b="0" lang="en-US" sz="1800" spc="-1" strike="noStrike">
-              <a:solidFill>
-                <a:srgbClr val="eeeeee"/>
-              </a:solidFill>
               <a:latin typeface="Arial"/>
             </a:endParaRPr>
           </a:p>
@@ -6916,14 +6876,14 @@
       </p:grpSpPr>
       <p:sp>
         <p:nvSpPr>
-          <p:cNvPr id="90" name="TextShape 1"/>
-          <p:cNvSpPr txBox="1"/>
+          <p:cNvPr id="88" name="CustomShape 1"/>
+          <p:cNvSpPr/>
           <p:nvPr/>
         </p:nvSpPr>
         <p:spPr>
           <a:xfrm>
             <a:off x="311760" y="444960"/>
-            <a:ext cx="8520120" cy="572400"/>
+            <a:ext cx="8519760" cy="572040"/>
           </a:xfrm>
           <a:prstGeom prst="rect">
             <a:avLst/>
@@ -6933,8 +6893,14 @@
             <a:noFill/>
           </a:ln>
         </p:spPr>
-        <p:txBody>
-          <a:bodyPr tIns="91440" bIns="91440">
+        <p:style>
+          <a:lnRef idx="0"/>
+          <a:fillRef idx="0"/>
+          <a:effectRef idx="0"/>
+          <a:fontRef idx="minor"/>
+        </p:style>
+        <p:txBody>
+          <a:bodyPr lIns="90000" rIns="90000" tIns="91440" bIns="91440">
             <a:noAutofit/>
           </a:bodyPr>
           <a:p>
@@ -6951,27 +6917,24 @@
                 <a:latin typeface="Lacquer"/>
                 <a:ea typeface="Arial"/>
               </a:rPr>
-              <a:t>Planning - User Stories</a:t>
+              <a:t>Demo</a:t>
             </a:r>
             <a:endParaRPr b="0" lang="en-US" sz="2800" spc="-1" strike="noStrike">
-              <a:solidFill>
-                <a:srgbClr val="01ffc3"/>
-              </a:solidFill>
-              <a:latin typeface="Lacquer"/>
-            </a:endParaRPr>
-          </a:p>
-        </p:txBody>
-      </p:sp>
-      <p:sp>
-        <p:nvSpPr>
-          <p:cNvPr id="91" name="TextShape 2"/>
-          <p:cNvSpPr txBox="1"/>
+              <a:latin typeface="Arial"/>
+            </a:endParaRPr>
+          </a:p>
+        </p:txBody>
+      </p:sp>
+      <p:sp>
+        <p:nvSpPr>
+          <p:cNvPr id="89" name="CustomShape 2"/>
+          <p:cNvSpPr/>
           <p:nvPr/>
         </p:nvSpPr>
         <p:spPr>
           <a:xfrm>
             <a:off x="311760" y="1152360"/>
-            <a:ext cx="8520120" cy="3416040"/>
+            <a:ext cx="8519760" cy="3415680"/>
           </a:xfrm>
           <a:prstGeom prst="rect">
             <a:avLst/>
@@ -6981,8 +6944,14 @@
             <a:noFill/>
           </a:ln>
         </p:spPr>
-        <p:txBody>
-          <a:bodyPr tIns="91440" bIns="91440">
+        <p:style>
+          <a:lnRef idx="0"/>
+          <a:fillRef idx="0"/>
+          <a:effectRef idx="0"/>
+          <a:fontRef idx="minor"/>
+        </p:style>
+        <p:txBody>
+          <a:bodyPr lIns="90000" rIns="90000" tIns="91440" bIns="91440">
             <a:noAutofit/>
           </a:bodyPr>
           <a:p>
@@ -6992,67 +6961,18 @@
               </a:lnSpc>
             </a:pPr>
             <a:r>
-              <a:rPr b="0" lang="en-US" sz="1800" spc="-1" strike="noStrike">
-                <a:solidFill>
-                  <a:srgbClr val="eeeeee"/>
-                </a:solidFill>
-                <a:latin typeface="Arial"/>
-                <a:ea typeface="Arial"/>
-              </a:rPr>
-              <a:t>We started out by writing quite a few epic </a:t>
-            </a:r>
-            <a:r>
               <a:rPr b="0" lang="en-US" sz="1800" spc="-1" strike="noStrike" u="sng">
                 <a:solidFill>
-                  <a:srgbClr val="eeeeee"/>
+                  <a:srgbClr val="0097a7"/>
                 </a:solidFill>
                 <a:uFillTx/>
                 <a:latin typeface="Arial"/>
                 <a:ea typeface="Arial"/>
                 <a:hlinkClick r:id="rId1"/>
               </a:rPr>
-              <a:t>user stories</a:t>
-            </a:r>
-            <a:r>
-              <a:rPr b="0" lang="en-US" sz="1800" spc="-1" strike="noStrike">
-                <a:solidFill>
-                  <a:srgbClr val="eeeeee"/>
-                </a:solidFill>
-                <a:latin typeface="Arial"/>
-                <a:ea typeface="Arial"/>
-              </a:rPr>
-              <a:t> that lined up with what we want.</a:t>
+              <a:t>It’s DEMO TIME!!! </a:t>
             </a:r>
             <a:endParaRPr b="0" lang="en-US" sz="1800" spc="-1" strike="noStrike">
-              <a:solidFill>
-                <a:srgbClr val="eeeeee"/>
-              </a:solidFill>
-              <a:latin typeface="Arial"/>
-            </a:endParaRPr>
-          </a:p>
-          <a:p>
-            <a:pPr>
-              <a:lnSpc>
-                <a:spcPct val="115000"/>
-              </a:lnSpc>
-              <a:spcBef>
-                <a:spcPts val="1599"/>
-              </a:spcBef>
-            </a:pPr>
-            <a:r>
-              <a:rPr b="0" lang="en-US" sz="1800" spc="-1" strike="noStrike">
-                <a:solidFill>
-                  <a:srgbClr val="eeeeee"/>
-                </a:solidFill>
-                <a:latin typeface="Arial"/>
-                <a:ea typeface="Arial"/>
-              </a:rPr>
-              <a:t>Then we broke those epics up into more, smaller user stories that have tangible goals.</a:t>
-            </a:r>
-            <a:endParaRPr b="0" lang="en-US" sz="1800" spc="-1" strike="noStrike">
-              <a:solidFill>
-                <a:srgbClr val="eeeeee"/>
-              </a:solidFill>
               <a:latin typeface="Arial"/>
             </a:endParaRPr>
           </a:p>
@@ -7068,20 +6988,7 @@
                 <a:spcPts val="1599"/>
               </a:spcAft>
             </a:pPr>
-            <a:r>
-              <a:rPr b="0" lang="en-US" sz="1800" spc="-1" strike="noStrike">
-                <a:solidFill>
-                  <a:srgbClr val="eeeeee"/>
-                </a:solidFill>
-                <a:latin typeface="Arial"/>
-                <a:ea typeface="Arial"/>
-              </a:rPr>
-              <a:t>Finally we distilled these user stories into an MVP</a:t>
-            </a:r>
             <a:endParaRPr b="0" lang="en-US" sz="1800" spc="-1" strike="noStrike">
-              <a:solidFill>
-                <a:srgbClr val="eeeeee"/>
-              </a:solidFill>
               <a:latin typeface="Arial"/>
             </a:endParaRPr>
           </a:p>
@@ -7126,14 +7033,14 @@
       </p:grpSpPr>
       <p:sp>
         <p:nvSpPr>
-          <p:cNvPr id="92" name="TextShape 1"/>
-          <p:cNvSpPr txBox="1"/>
+          <p:cNvPr id="90" name="CustomShape 1"/>
+          <p:cNvSpPr/>
           <p:nvPr/>
         </p:nvSpPr>
         <p:spPr>
           <a:xfrm>
             <a:off x="311760" y="444960"/>
-            <a:ext cx="8520120" cy="572400"/>
+            <a:ext cx="8519760" cy="572040"/>
           </a:xfrm>
           <a:prstGeom prst="rect">
             <a:avLst/>
@@ -7143,8 +7050,14 @@
             <a:noFill/>
           </a:ln>
         </p:spPr>
-        <p:txBody>
-          <a:bodyPr tIns="91440" bIns="91440">
+        <p:style>
+          <a:lnRef idx="0"/>
+          <a:fillRef idx="0"/>
+          <a:effectRef idx="0"/>
+          <a:fontRef idx="minor"/>
+        </p:style>
+        <p:txBody>
+          <a:bodyPr lIns="90000" rIns="90000" tIns="91440" bIns="91440">
             <a:noAutofit/>
           </a:bodyPr>
           <a:p>
@@ -7161,27 +7074,24 @@
                 <a:latin typeface="Lacquer"/>
                 <a:ea typeface="Arial"/>
               </a:rPr>
-              <a:t>Planning - Wireframes</a:t>
+              <a:t>Planning - User Stories</a:t>
             </a:r>
             <a:endParaRPr b="0" lang="en-US" sz="2800" spc="-1" strike="noStrike">
-              <a:solidFill>
-                <a:srgbClr val="01ffc3"/>
-              </a:solidFill>
-              <a:latin typeface="Lacquer"/>
-            </a:endParaRPr>
-          </a:p>
-        </p:txBody>
-      </p:sp>
-      <p:sp>
-        <p:nvSpPr>
-          <p:cNvPr id="93" name="TextShape 2"/>
-          <p:cNvSpPr txBox="1"/>
+              <a:latin typeface="Arial"/>
+            </a:endParaRPr>
+          </a:p>
+        </p:txBody>
+      </p:sp>
+      <p:sp>
+        <p:nvSpPr>
+          <p:cNvPr id="91" name="CustomShape 2"/>
+          <p:cNvSpPr/>
           <p:nvPr/>
         </p:nvSpPr>
         <p:spPr>
           <a:xfrm>
             <a:off x="311760" y="1152360"/>
-            <a:ext cx="8520120" cy="3416040"/>
+            <a:ext cx="8519760" cy="3415680"/>
           </a:xfrm>
           <a:prstGeom prst="rect">
             <a:avLst/>
@@ -7191,8 +7101,14 @@
             <a:noFill/>
           </a:ln>
         </p:spPr>
-        <p:txBody>
-          <a:bodyPr tIns="91440" bIns="91440">
+        <p:style>
+          <a:lnRef idx="0"/>
+          <a:fillRef idx="0"/>
+          <a:effectRef idx="0"/>
+          <a:fontRef idx="minor"/>
+        </p:style>
+        <p:txBody>
+          <a:bodyPr lIns="90000" rIns="90000" tIns="91440" bIns="91440">
             <a:noAutofit/>
           </a:bodyPr>
           <a:p>
@@ -7209,12 +7125,54 @@
                 <a:latin typeface="Arial"/>
                 <a:ea typeface="Arial"/>
               </a:rPr>
-              <a:t>After we had agreed upon an MVP, we turned our attention to creating a wireframe for each page of the MVP.</a:t>
+              <a:t>We started out by writing quite a few epic </a:t>
+            </a:r>
+            <a:r>
+              <a:rPr b="0" lang="en-US" sz="1800" spc="-1" strike="noStrike" u="sng">
+                <a:solidFill>
+                  <a:srgbClr val="0097a7"/>
+                </a:solidFill>
+                <a:uFillTx/>
+                <a:latin typeface="Arial"/>
+                <a:ea typeface="Arial"/>
+                <a:hlinkClick r:id="rId1"/>
+              </a:rPr>
+              <a:t>user stories</a:t>
+            </a:r>
+            <a:r>
+              <a:rPr b="0" lang="en-US" sz="1800" spc="-1" strike="noStrike">
+                <a:solidFill>
+                  <a:srgbClr val="eeeeee"/>
+                </a:solidFill>
+                <a:latin typeface="Arial"/>
+                <a:ea typeface="Arial"/>
+              </a:rPr>
+              <a:t> that lined up with what we want.</a:t>
             </a:r>
             <a:endParaRPr b="0" lang="en-US" sz="1800" spc="-1" strike="noStrike">
-              <a:solidFill>
-                <a:srgbClr val="eeeeee"/>
-              </a:solidFill>
+              <a:latin typeface="Arial"/>
+            </a:endParaRPr>
+          </a:p>
+          <a:p>
+            <a:pPr>
+              <a:lnSpc>
+                <a:spcPct val="115000"/>
+              </a:lnSpc>
+              <a:spcBef>
+                <a:spcPts val="1599"/>
+              </a:spcBef>
+            </a:pPr>
+            <a:r>
+              <a:rPr b="0" lang="en-US" sz="1800" spc="-1" strike="noStrike">
+                <a:solidFill>
+                  <a:srgbClr val="eeeeee"/>
+                </a:solidFill>
+                <a:latin typeface="Arial"/>
+                <a:ea typeface="Arial"/>
+              </a:rPr>
+              <a:t>Then we broke those epics up into more, smaller user stories that have tangible goals.</a:t>
+            </a:r>
+            <a:endParaRPr b="0" lang="en-US" sz="1800" spc="-1" strike="noStrike">
               <a:latin typeface="Arial"/>
             </a:endParaRPr>
           </a:p>
@@ -7230,38 +7188,22 @@
                 <a:spcPts val="1599"/>
               </a:spcAft>
             </a:pPr>
+            <a:r>
+              <a:rPr b="0" lang="en-US" sz="1800" spc="-1" strike="noStrike">
+                <a:solidFill>
+                  <a:srgbClr val="eeeeee"/>
+                </a:solidFill>
+                <a:latin typeface="Arial"/>
+                <a:ea typeface="Arial"/>
+              </a:rPr>
+              <a:t>Finally we distilled these user stories into an MVP</a:t>
+            </a:r>
             <a:endParaRPr b="0" lang="en-US" sz="1800" spc="-1" strike="noStrike">
-              <a:solidFill>
-                <a:srgbClr val="eeeeee"/>
-              </a:solidFill>
-              <a:latin typeface="Arial"/>
-            </a:endParaRPr>
-          </a:p>
-        </p:txBody>
-      </p:sp>
-      <p:pic>
-        <p:nvPicPr>
-          <p:cNvPr id="94" name="Google Shape;98;p20" descr=""/>
-          <p:cNvPicPr/>
-          <p:nvPr/>
-        </p:nvPicPr>
-        <p:blipFill>
-          <a:blip r:embed="rId1"/>
-          <a:stretch/>
-        </p:blipFill>
-        <p:spPr>
-          <a:xfrm>
-            <a:off x="1504080" y="1894320"/>
-            <a:ext cx="5532480" cy="3249000"/>
-          </a:xfrm>
-          <a:prstGeom prst="rect">
-            <a:avLst/>
-          </a:prstGeom>
-          <a:ln>
-            <a:noFill/>
-          </a:ln>
-        </p:spPr>
-      </p:pic>
+              <a:latin typeface="Arial"/>
+            </a:endParaRPr>
+          </a:p>
+        </p:txBody>
+      </p:sp>
     </p:spTree>
   </p:cSld>
   <mc:AlternateContent>
@@ -7301,14 +7243,14 @@
       </p:grpSpPr>
       <p:sp>
         <p:nvSpPr>
-          <p:cNvPr id="95" name="TextShape 1"/>
-          <p:cNvSpPr txBox="1"/>
+          <p:cNvPr id="92" name="CustomShape 1"/>
+          <p:cNvSpPr/>
           <p:nvPr/>
         </p:nvSpPr>
         <p:spPr>
           <a:xfrm>
             <a:off x="311760" y="444960"/>
-            <a:ext cx="8520120" cy="572400"/>
+            <a:ext cx="8519760" cy="572040"/>
           </a:xfrm>
           <a:prstGeom prst="rect">
             <a:avLst/>
@@ -7318,8 +7260,14 @@
             <a:noFill/>
           </a:ln>
         </p:spPr>
-        <p:txBody>
-          <a:bodyPr tIns="91440" bIns="91440">
+        <p:style>
+          <a:lnRef idx="0"/>
+          <a:fillRef idx="0"/>
+          <a:effectRef idx="0"/>
+          <a:fontRef idx="minor"/>
+        </p:style>
+        <p:txBody>
+          <a:bodyPr lIns="90000" rIns="90000" tIns="91440" bIns="91440">
             <a:noAutofit/>
           </a:bodyPr>
           <a:p>
@@ -7336,27 +7284,24 @@
                 <a:latin typeface="Lacquer"/>
                 <a:ea typeface="Arial"/>
               </a:rPr>
-              <a:t>Planning - Domain Model</a:t>
+              <a:t>Planning - Wireframes</a:t>
             </a:r>
             <a:endParaRPr b="0" lang="en-US" sz="2800" spc="-1" strike="noStrike">
-              <a:solidFill>
-                <a:srgbClr val="01ffc3"/>
-              </a:solidFill>
-              <a:latin typeface="Lacquer"/>
-            </a:endParaRPr>
-          </a:p>
-        </p:txBody>
-      </p:sp>
-      <p:sp>
-        <p:nvSpPr>
-          <p:cNvPr id="96" name="TextShape 2"/>
-          <p:cNvSpPr txBox="1"/>
+              <a:latin typeface="Arial"/>
+            </a:endParaRPr>
+          </a:p>
+        </p:txBody>
+      </p:sp>
+      <p:sp>
+        <p:nvSpPr>
+          <p:cNvPr id="93" name="CustomShape 2"/>
+          <p:cNvSpPr/>
           <p:nvPr/>
         </p:nvSpPr>
         <p:spPr>
           <a:xfrm>
             <a:off x="311760" y="1152360"/>
-            <a:ext cx="8520120" cy="3416040"/>
+            <a:ext cx="8519760" cy="3415680"/>
           </a:xfrm>
           <a:prstGeom prst="rect">
             <a:avLst/>
@@ -7366,8 +7311,14 @@
             <a:noFill/>
           </a:ln>
         </p:spPr>
-        <p:txBody>
-          <a:bodyPr tIns="91440" bIns="91440">
+        <p:style>
+          <a:lnRef idx="0"/>
+          <a:fillRef idx="0"/>
+          <a:effectRef idx="0"/>
+          <a:fontRef idx="minor"/>
+        </p:style>
+        <p:txBody>
+          <a:bodyPr lIns="90000" rIns="90000" tIns="91440" bIns="91440">
             <a:noAutofit/>
           </a:bodyPr>
           <a:p>
@@ -7384,12 +7335,9 @@
                 <a:latin typeface="Arial"/>
                 <a:ea typeface="Arial"/>
               </a:rPr>
-              <a:t>After we had the wireframes made, we worked on the domain model.</a:t>
+              <a:t>After we had agreed upon an MVP, we turned our attention to creating a wireframe for each page of the MVP.</a:t>
             </a:r>
             <a:endParaRPr b="0" lang="en-US" sz="1800" spc="-1" strike="noStrike">
-              <a:solidFill>
-                <a:srgbClr val="eeeeee"/>
-              </a:solidFill>
               <a:latin typeface="Arial"/>
             </a:endParaRPr>
           </a:p>
@@ -7406,9 +7354,6 @@
               </a:spcAft>
             </a:pPr>
             <a:endParaRPr b="0" lang="en-US" sz="1800" spc="-1" strike="noStrike">
-              <a:solidFill>
-                <a:srgbClr val="eeeeee"/>
-              </a:solidFill>
               <a:latin typeface="Arial"/>
             </a:endParaRPr>
           </a:p>
@@ -7416,7 +7361,7 @@
       </p:sp>
       <p:pic>
         <p:nvPicPr>
-          <p:cNvPr id="97" name="Google Shape;105;p21" descr=""/>
+          <p:cNvPr id="94" name="Google Shape;98;p20" descr=""/>
           <p:cNvPicPr/>
           <p:nvPr/>
         </p:nvPicPr>
@@ -7426,8 +7371,8 @@
         </p:blipFill>
         <p:spPr>
           <a:xfrm>
-            <a:off x="1787040" y="1581840"/>
-            <a:ext cx="4644360" cy="3483000"/>
+            <a:off x="1504080" y="1894320"/>
+            <a:ext cx="5532120" cy="3248640"/>
           </a:xfrm>
           <a:prstGeom prst="rect">
             <a:avLst/>
